--- a/presentatie.pptx
+++ b/presentatie.pptx
@@ -2,10 +2,10 @@
 <file path=ppt/presentation.xml><?xml version="1.0" encoding="utf-8"?>
 <p:presentation xmlns:a="http://schemas.openxmlformats.org/drawingml/2006/main" xmlns:r="http://schemas.openxmlformats.org/officeDocument/2006/relationships" xmlns:p="http://schemas.openxmlformats.org/presentationml/2006/main" saveSubsetFonts="1">
   <p:sldMasterIdLst>
-    <p:sldMasterId id="2147483648" r:id="rId1"/>
+    <p:sldMasterId id="2147483659" r:id="rId1"/>
   </p:sldMasterIdLst>
   <p:notesMasterIdLst>
-    <p:notesMasterId r:id="rId17"/>
+    <p:notesMasterId r:id="rId16"/>
   </p:notesMasterIdLst>
   <p:sldIdLst>
     <p:sldId id="266" r:id="rId2"/>
@@ -19,16 +19,15 @@
     <p:sldId id="272" r:id="rId10"/>
     <p:sldId id="273" r:id="rId11"/>
     <p:sldId id="277" r:id="rId12"/>
-    <p:sldId id="274" r:id="rId13"/>
-    <p:sldId id="278" r:id="rId14"/>
-    <p:sldId id="279" r:id="rId15"/>
-    <p:sldId id="262" r:id="rId16"/>
+    <p:sldId id="278" r:id="rId13"/>
+    <p:sldId id="279" r:id="rId14"/>
+    <p:sldId id="262" r:id="rId15"/>
   </p:sldIdLst>
   <p:sldSz cx="9144000" cy="6858000" type="screen4x3"/>
   <p:notesSz cx="6858000" cy="9144000"/>
   <p:defaultTextStyle>
     <a:defPPr>
-      <a:defRPr lang="nl-NL"/>
+      <a:defRPr lang="en-NL"/>
     </a:defPPr>
     <a:lvl1pPr marL="0" algn="l" defTabSz="914400" rtl="0" eaLnBrk="1" latinLnBrk="0" hangingPunct="1">
       <a:defRPr sz="1800" kern="1200">
@@ -223,7 +222,7 @@
             <a:fld id="{91A35BD2-5D70-42D0-9DAE-0211AEFD5219}" type="datetimeFigureOut">
               <a:rPr lang="nl-NL" smtClean="0"/>
               <a:pPr/>
-              <a:t>29-10-2020</a:t>
+              <a:t>3-11-2020</a:t>
             </a:fld>
             <a:endParaRPr lang="nl-NL"/>
           </a:p>
@@ -383,7 +382,7 @@
             <a:fld id="{4AD7FFEA-2238-4D13-BCEB-4374095B3068}" type="slidenum">
               <a:rPr lang="nl-NL" smtClean="0"/>
               <a:pPr/>
-              <a:t>‹#›</a:t>
+              <a:t>‹nr.›</a:t>
             </a:fld>
             <a:endParaRPr lang="nl-NL"/>
           </a:p>
@@ -1231,7 +1230,7 @@
     </p:spTree>
     <p:extLst>
       <p:ext uri="{BB962C8B-B14F-4D97-AF65-F5344CB8AC3E}">
-        <p14:creationId xmlns:p14="http://schemas.microsoft.com/office/powerpoint/2010/main" val="1279999035"/>
+        <p14:creationId xmlns:p14="http://schemas.microsoft.com/office/powerpoint/2010/main" val="2684518681"/>
       </p:ext>
     </p:extLst>
   </p:cSld>
@@ -1285,14 +1284,6 @@
           <a:bodyPr/>
           <a:lstStyle/>
           <a:p>
-            <a:r>
-              <a:rPr lang="en-US" dirty="0"/>
-              <a:t>Live het dashboard laten </a:t>
-            </a:r>
-            <a:r>
-              <a:rPr lang="en-US" dirty="0" err="1"/>
-              <a:t>zien</a:t>
-            </a:r>
             <a:endParaRPr lang="nl-NL" dirty="0"/>
           </a:p>
         </p:txBody>
@@ -1316,91 +1307,6 @@
               <a:rPr lang="nl-NL" smtClean="0"/>
               <a:pPr/>
               <a:t>14</a:t>
-            </a:fld>
-            <a:endParaRPr lang="nl-NL"/>
-          </a:p>
-        </p:txBody>
-      </p:sp>
-    </p:spTree>
-    <p:extLst>
-      <p:ext uri="{BB962C8B-B14F-4D97-AF65-F5344CB8AC3E}">
-        <p14:creationId xmlns:p14="http://schemas.microsoft.com/office/powerpoint/2010/main" val="2684518681"/>
-      </p:ext>
-    </p:extLst>
-  </p:cSld>
-  <p:clrMapOvr>
-    <a:masterClrMapping/>
-  </p:clrMapOvr>
-</p:notes>
-</file>
-
-<file path=ppt/notesSlides/notesSlide12.xml><?xml version="1.0" encoding="utf-8"?>
-<p:notes xmlns:a="http://schemas.openxmlformats.org/drawingml/2006/main" xmlns:r="http://schemas.openxmlformats.org/officeDocument/2006/relationships" xmlns:p="http://schemas.openxmlformats.org/presentationml/2006/main">
-  <p:cSld>
-    <p:spTree>
-      <p:nvGrpSpPr>
-        <p:cNvPr id="1" name=""/>
-        <p:cNvGrpSpPr/>
-        <p:nvPr/>
-      </p:nvGrpSpPr>
-      <p:grpSpPr>
-        <a:xfrm>
-          <a:off x="0" y="0"/>
-          <a:ext cx="0" cy="0"/>
-          <a:chOff x="0" y="0"/>
-          <a:chExt cx="0" cy="0"/>
-        </a:xfrm>
-      </p:grpSpPr>
-      <p:sp>
-        <p:nvSpPr>
-          <p:cNvPr id="2" name="Slide Image Placeholder 1"/>
-          <p:cNvSpPr>
-            <a:spLocks noGrp="1" noRot="1" noChangeAspect="1"/>
-          </p:cNvSpPr>
-          <p:nvPr>
-            <p:ph type="sldImg"/>
-          </p:nvPr>
-        </p:nvSpPr>
-        <p:spPr/>
-      </p:sp>
-      <p:sp>
-        <p:nvSpPr>
-          <p:cNvPr id="3" name="Notes Placeholder 2"/>
-          <p:cNvSpPr>
-            <a:spLocks noGrp="1"/>
-          </p:cNvSpPr>
-          <p:nvPr>
-            <p:ph type="body" idx="1"/>
-          </p:nvPr>
-        </p:nvSpPr>
-        <p:spPr/>
-        <p:txBody>
-          <a:bodyPr/>
-          <a:lstStyle/>
-          <a:p>
-            <a:endParaRPr lang="nl-NL" dirty="0"/>
-          </a:p>
-        </p:txBody>
-      </p:sp>
-      <p:sp>
-        <p:nvSpPr>
-          <p:cNvPr id="4" name="Slide Number Placeholder 3"/>
-          <p:cNvSpPr>
-            <a:spLocks noGrp="1"/>
-          </p:cNvSpPr>
-          <p:nvPr>
-            <p:ph type="sldNum" sz="quarter" idx="5"/>
-          </p:nvPr>
-        </p:nvSpPr>
-        <p:spPr/>
-        <p:txBody>
-          <a:bodyPr/>
-          <a:lstStyle/>
-          <a:p>
-            <a:fld id="{4AD7FFEA-2238-4D13-BCEB-4374095B3068}" type="slidenum">
-              <a:rPr lang="nl-NL" smtClean="0"/>
-              <a:pPr/>
-              <a:t>15</a:t>
             </a:fld>
             <a:endParaRPr lang="nl-NL"/>
           </a:p>
@@ -2058,6 +1964,14 @@
           <a:bodyPr/>
           <a:lstStyle/>
           <a:p>
+            <a:r>
+              <a:rPr lang="en-US" dirty="0"/>
+              <a:t>Live het dashboard laten </a:t>
+            </a:r>
+            <a:r>
+              <a:rPr lang="en-US" dirty="0" err="1"/>
+              <a:t>zien</a:t>
+            </a:r>
             <a:endParaRPr lang="nl-NL" dirty="0"/>
           </a:p>
         </p:txBody>
@@ -2089,7 +2003,7 @@
     </p:spTree>
     <p:extLst>
       <p:ext uri="{BB962C8B-B14F-4D97-AF65-F5344CB8AC3E}">
-        <p14:creationId xmlns:p14="http://schemas.microsoft.com/office/powerpoint/2010/main" val="2994492396"/>
+        <p14:creationId xmlns:p14="http://schemas.microsoft.com/office/powerpoint/2010/main" val="1279999035"/>
       </p:ext>
     </p:extLst>
   </p:cSld>
@@ -2100,7 +2014,7 @@
 </file>
 
 <file path=ppt/slideLayouts/slideLayout1.xml><?xml version="1.0" encoding="utf-8"?>
-<p:sldLayout xmlns:a="http://schemas.openxmlformats.org/drawingml/2006/main" xmlns:r="http://schemas.openxmlformats.org/officeDocument/2006/relationships" xmlns:p="http://schemas.openxmlformats.org/presentationml/2006/main" preserve="1" userDrawn="1">
+<p:sldLayout xmlns:a="http://schemas.openxmlformats.org/drawingml/2006/main" xmlns:r="http://schemas.openxmlformats.org/officeDocument/2006/relationships" xmlns:p="http://schemas.openxmlformats.org/presentationml/2006/main" type="title" preserve="1">
   <p:cSld name="Titeldia">
     <p:spTree>
       <p:nvGrpSpPr>
@@ -2118,11 +2032,209 @@
       </p:grpSpPr>
       <p:sp>
         <p:nvSpPr>
-          <p:cNvPr id="11" name="Subtitle 2"/>
-          <p:cNvSpPr>
-            <a:spLocks noGrp="1"/>
-          </p:cNvSpPr>
-          <p:nvPr userDrawn="1">
+          <p:cNvPr id="2" name="Titel 1">
+            <a:extLst>
+              <a:ext uri="{FF2B5EF4-FFF2-40B4-BE49-F238E27FC236}">
+                <a16:creationId xmlns:a16="http://schemas.microsoft.com/office/drawing/2014/main" id="{4B26E165-5D62-4481-96F2-7CD8670EFA10}"/>
+              </a:ext>
+            </a:extLst>
+          </p:cNvPr>
+          <p:cNvSpPr>
+            <a:spLocks noGrp="1"/>
+          </p:cNvSpPr>
+          <p:nvPr>
+            <p:ph type="ctrTitle"/>
+          </p:nvPr>
+        </p:nvSpPr>
+        <p:spPr>
+          <a:xfrm>
+            <a:off x="1143000" y="1122363"/>
+            <a:ext cx="6858000" cy="2387600"/>
+          </a:xfrm>
+        </p:spPr>
+        <p:txBody>
+          <a:bodyPr anchor="b"/>
+          <a:lstStyle>
+            <a:lvl1pPr algn="ctr">
+              <a:defRPr sz="4500"/>
+            </a:lvl1pPr>
+          </a:lstStyle>
+          <a:p>
+            <a:r>
+              <a:rPr lang="nl-NL"/>
+              <a:t>Klik om stijl te bewerken</a:t>
+            </a:r>
+            <a:endParaRPr lang="en-NL"/>
+          </a:p>
+        </p:txBody>
+      </p:sp>
+      <p:sp>
+        <p:nvSpPr>
+          <p:cNvPr id="3" name="Ondertitel 2">
+            <a:extLst>
+              <a:ext uri="{FF2B5EF4-FFF2-40B4-BE49-F238E27FC236}">
+                <a16:creationId xmlns:a16="http://schemas.microsoft.com/office/drawing/2014/main" id="{1EA35A40-8E3E-44B5-89B5-F1D150EC2114}"/>
+              </a:ext>
+            </a:extLst>
+          </p:cNvPr>
+          <p:cNvSpPr>
+            <a:spLocks noGrp="1"/>
+          </p:cNvSpPr>
+          <p:nvPr>
+            <p:ph type="subTitle" idx="1"/>
+          </p:nvPr>
+        </p:nvSpPr>
+        <p:spPr>
+          <a:xfrm>
+            <a:off x="1143000" y="3602038"/>
+            <a:ext cx="6858000" cy="1655762"/>
+          </a:xfrm>
+        </p:spPr>
+        <p:txBody>
+          <a:bodyPr/>
+          <a:lstStyle>
+            <a:lvl1pPr marL="0" indent="0" algn="ctr">
+              <a:buNone/>
+              <a:defRPr sz="1800"/>
+            </a:lvl1pPr>
+            <a:lvl2pPr marL="342900" indent="0" algn="ctr">
+              <a:buNone/>
+              <a:defRPr sz="1500"/>
+            </a:lvl2pPr>
+            <a:lvl3pPr marL="685800" indent="0" algn="ctr">
+              <a:buNone/>
+              <a:defRPr sz="1350"/>
+            </a:lvl3pPr>
+            <a:lvl4pPr marL="1028700" indent="0" algn="ctr">
+              <a:buNone/>
+              <a:defRPr sz="1200"/>
+            </a:lvl4pPr>
+            <a:lvl5pPr marL="1371600" indent="0" algn="ctr">
+              <a:buNone/>
+              <a:defRPr sz="1200"/>
+            </a:lvl5pPr>
+            <a:lvl6pPr marL="1714500" indent="0" algn="ctr">
+              <a:buNone/>
+              <a:defRPr sz="1200"/>
+            </a:lvl6pPr>
+            <a:lvl7pPr marL="2057400" indent="0" algn="ctr">
+              <a:buNone/>
+              <a:defRPr sz="1200"/>
+            </a:lvl7pPr>
+            <a:lvl8pPr marL="2400300" indent="0" algn="ctr">
+              <a:buNone/>
+              <a:defRPr sz="1200"/>
+            </a:lvl8pPr>
+            <a:lvl9pPr marL="2743200" indent="0" algn="ctr">
+              <a:buNone/>
+              <a:defRPr sz="1200"/>
+            </a:lvl9pPr>
+          </a:lstStyle>
+          <a:p>
+            <a:r>
+              <a:rPr lang="nl-NL"/>
+              <a:t>Klikken om de ondertitelstijl van het model te bewerken</a:t>
+            </a:r>
+            <a:endParaRPr lang="en-NL"/>
+          </a:p>
+        </p:txBody>
+      </p:sp>
+      <p:sp>
+        <p:nvSpPr>
+          <p:cNvPr id="4" name="Tijdelijke aanduiding voor datum 3">
+            <a:extLst>
+              <a:ext uri="{FF2B5EF4-FFF2-40B4-BE49-F238E27FC236}">
+                <a16:creationId xmlns:a16="http://schemas.microsoft.com/office/drawing/2014/main" id="{97DE1D47-B8F5-4D93-80C2-514469586F95}"/>
+              </a:ext>
+            </a:extLst>
+          </p:cNvPr>
+          <p:cNvSpPr>
+            <a:spLocks noGrp="1"/>
+          </p:cNvSpPr>
+          <p:nvPr>
+            <p:ph type="dt" sz="half" idx="10"/>
+          </p:nvPr>
+        </p:nvSpPr>
+        <p:spPr/>
+        <p:txBody>
+          <a:bodyPr/>
+          <a:lstStyle/>
+          <a:p>
+            <a:fld id="{592F7374-05C7-44A5-810C-143878B86AB6}" type="datetimeFigureOut">
+              <a:rPr lang="en-NL" smtClean="0"/>
+              <a:t>03/11/2020</a:t>
+            </a:fld>
+            <a:endParaRPr lang="en-NL"/>
+          </a:p>
+        </p:txBody>
+      </p:sp>
+      <p:sp>
+        <p:nvSpPr>
+          <p:cNvPr id="5" name="Tijdelijke aanduiding voor voettekst 4">
+            <a:extLst>
+              <a:ext uri="{FF2B5EF4-FFF2-40B4-BE49-F238E27FC236}">
+                <a16:creationId xmlns:a16="http://schemas.microsoft.com/office/drawing/2014/main" id="{8D3BC98B-D1C2-4CAD-81F8-89AD155CB061}"/>
+              </a:ext>
+            </a:extLst>
+          </p:cNvPr>
+          <p:cNvSpPr>
+            <a:spLocks noGrp="1"/>
+          </p:cNvSpPr>
+          <p:nvPr>
+            <p:ph type="ftr" sz="quarter" idx="11"/>
+          </p:nvPr>
+        </p:nvSpPr>
+        <p:spPr/>
+        <p:txBody>
+          <a:bodyPr/>
+          <a:lstStyle/>
+          <a:p>
+            <a:endParaRPr lang="en-NL"/>
+          </a:p>
+        </p:txBody>
+      </p:sp>
+      <p:sp>
+        <p:nvSpPr>
+          <p:cNvPr id="6" name="Tijdelijke aanduiding voor dianummer 5">
+            <a:extLst>
+              <a:ext uri="{FF2B5EF4-FFF2-40B4-BE49-F238E27FC236}">
+                <a16:creationId xmlns:a16="http://schemas.microsoft.com/office/drawing/2014/main" id="{07EC1B41-DA96-47CB-A449-68CD25E2A2CC}"/>
+              </a:ext>
+            </a:extLst>
+          </p:cNvPr>
+          <p:cNvSpPr>
+            <a:spLocks noGrp="1"/>
+          </p:cNvSpPr>
+          <p:nvPr>
+            <p:ph type="sldNum" sz="quarter" idx="12"/>
+          </p:nvPr>
+        </p:nvSpPr>
+        <p:spPr/>
+        <p:txBody>
+          <a:bodyPr/>
+          <a:lstStyle/>
+          <a:p>
+            <a:fld id="{01222468-D19A-4707-B488-EDA48313789E}" type="slidenum">
+              <a:rPr lang="en-NL" smtClean="0"/>
+              <a:t>‹nr.›</a:t>
+            </a:fld>
+            <a:endParaRPr lang="en-NL"/>
+          </a:p>
+        </p:txBody>
+      </p:sp>
+      <p:sp>
+        <p:nvSpPr>
+          <p:cNvPr id="7" name="Subtitle 2">
+            <a:extLst>
+              <a:ext uri="{FF2B5EF4-FFF2-40B4-BE49-F238E27FC236}">
+                <a16:creationId xmlns:a16="http://schemas.microsoft.com/office/drawing/2014/main" id="{51CBFE62-32CF-4521-BD56-EF91EEC99DF0}"/>
+              </a:ext>
+            </a:extLst>
+          </p:cNvPr>
+          <p:cNvSpPr>
+            <a:spLocks noGrp="1"/>
+          </p:cNvSpPr>
+          <p:nvPr>
             <p:ph type="subTitle" idx="1"/>
           </p:nvPr>
         </p:nvSpPr>
@@ -2237,11 +2349,17 @@
       </p:sp>
       <p:sp>
         <p:nvSpPr>
-          <p:cNvPr id="2" name="Date Placeholder 1"/>
-          <p:cNvSpPr>
-            <a:spLocks noGrp="1"/>
-          </p:cNvSpPr>
-          <p:nvPr userDrawn="1">
+          <p:cNvPr id="8" name="Date Placeholder 1">
+            <a:extLst>
+              <a:ext uri="{FF2B5EF4-FFF2-40B4-BE49-F238E27FC236}">
+                <a16:creationId xmlns:a16="http://schemas.microsoft.com/office/drawing/2014/main" id="{E17BE55F-41ED-4227-9B08-4BAB75497B90}"/>
+              </a:ext>
+            </a:extLst>
+          </p:cNvPr>
+          <p:cNvSpPr>
+            <a:spLocks noGrp="1"/>
+          </p:cNvSpPr>
+          <p:nvPr>
             <p:ph type="dt" sz="half" idx="10"/>
           </p:nvPr>
         </p:nvSpPr>
@@ -2269,7 +2387,7 @@
             <a:fld id="{AC2BFD9A-25F4-4787-8A05-AC38006FFABD}" type="datetime1">
               <a:rPr lang="nl-NL" smtClean="0"/>
               <a:pPr/>
-              <a:t>29-10-2020</a:t>
+              <a:t>3-11-2020</a:t>
             </a:fld>
             <a:endParaRPr lang="nl-NL" dirty="0"/>
           </a:p>
@@ -2277,11 +2395,17 @@
       </p:sp>
       <p:sp>
         <p:nvSpPr>
-          <p:cNvPr id="5" name="Title 4"/>
-          <p:cNvSpPr>
-            <a:spLocks noGrp="1"/>
-          </p:cNvSpPr>
-          <p:nvPr userDrawn="1">
+          <p:cNvPr id="9" name="Title 4">
+            <a:extLst>
+              <a:ext uri="{FF2B5EF4-FFF2-40B4-BE49-F238E27FC236}">
+                <a16:creationId xmlns:a16="http://schemas.microsoft.com/office/drawing/2014/main" id="{4022C478-EEF4-4C93-811A-5E366A8EABF0}"/>
+              </a:ext>
+            </a:extLst>
+          </p:cNvPr>
+          <p:cNvSpPr>
+            <a:spLocks noGrp="1"/>
+          </p:cNvSpPr>
+          <p:nvPr>
             <p:ph type="title"/>
           </p:nvPr>
         </p:nvSpPr>
@@ -2314,7 +2438,7 @@
     </p:spTree>
     <p:extLst>
       <p:ext uri="{BB962C8B-B14F-4D97-AF65-F5344CB8AC3E}">
-        <p14:creationId xmlns:p14="http://schemas.microsoft.com/office/powerpoint/2010/main" val="2190969382"/>
+        <p14:creationId xmlns:p14="http://schemas.microsoft.com/office/powerpoint/2010/main" val="3333116962"/>
       </p:ext>
     </p:extLst>
   </p:cSld>
@@ -2324,9 +2448,645 @@
 </p:sldLayout>
 </file>
 
-<file path=ppt/slideLayouts/slideLayout2.xml><?xml version="1.0" encoding="utf-8"?>
+<file path=ppt/slideLayouts/slideLayout10.xml><?xml version="1.0" encoding="utf-8"?>
+<p:sldLayout xmlns:a="http://schemas.openxmlformats.org/drawingml/2006/main" xmlns:r="http://schemas.openxmlformats.org/officeDocument/2006/relationships" xmlns:p="http://schemas.openxmlformats.org/presentationml/2006/main" type="vertTx" preserve="1">
+  <p:cSld name="Titel en verticale tekst">
+    <p:spTree>
+      <p:nvGrpSpPr>
+        <p:cNvPr id="1" name=""/>
+        <p:cNvGrpSpPr/>
+        <p:nvPr/>
+      </p:nvGrpSpPr>
+      <p:grpSpPr>
+        <a:xfrm>
+          <a:off x="0" y="0"/>
+          <a:ext cx="0" cy="0"/>
+          <a:chOff x="0" y="0"/>
+          <a:chExt cx="0" cy="0"/>
+        </a:xfrm>
+      </p:grpSpPr>
+      <p:sp>
+        <p:nvSpPr>
+          <p:cNvPr id="2" name="Titel 1">
+            <a:extLst>
+              <a:ext uri="{FF2B5EF4-FFF2-40B4-BE49-F238E27FC236}">
+                <a16:creationId xmlns:a16="http://schemas.microsoft.com/office/drawing/2014/main" id="{C2E065FB-18DD-4F5A-9AC7-97731F60235F}"/>
+              </a:ext>
+            </a:extLst>
+          </p:cNvPr>
+          <p:cNvSpPr>
+            <a:spLocks noGrp="1"/>
+          </p:cNvSpPr>
+          <p:nvPr>
+            <p:ph type="title"/>
+          </p:nvPr>
+        </p:nvSpPr>
+        <p:spPr/>
+        <p:txBody>
+          <a:bodyPr/>
+          <a:lstStyle/>
+          <a:p>
+            <a:r>
+              <a:rPr lang="nl-NL"/>
+              <a:t>Klik om stijl te bewerken</a:t>
+            </a:r>
+            <a:endParaRPr lang="en-NL"/>
+          </a:p>
+        </p:txBody>
+      </p:sp>
+      <p:sp>
+        <p:nvSpPr>
+          <p:cNvPr id="3" name="Tijdelijke aanduiding voor verticale tekst 2">
+            <a:extLst>
+              <a:ext uri="{FF2B5EF4-FFF2-40B4-BE49-F238E27FC236}">
+                <a16:creationId xmlns:a16="http://schemas.microsoft.com/office/drawing/2014/main" id="{4D75615B-8DAE-43E4-824A-AA7B976235F6}"/>
+              </a:ext>
+            </a:extLst>
+          </p:cNvPr>
+          <p:cNvSpPr>
+            <a:spLocks noGrp="1"/>
+          </p:cNvSpPr>
+          <p:nvPr>
+            <p:ph type="body" orient="vert" idx="1"/>
+          </p:nvPr>
+        </p:nvSpPr>
+        <p:spPr/>
+        <p:txBody>
+          <a:bodyPr vert="eaVert"/>
+          <a:lstStyle/>
+          <a:p>
+            <a:pPr lvl="0"/>
+            <a:r>
+              <a:rPr lang="nl-NL"/>
+              <a:t>Klikken om de tekststijl van het model te bewerken</a:t>
+            </a:r>
+          </a:p>
+          <a:p>
+            <a:pPr lvl="1"/>
+            <a:r>
+              <a:rPr lang="nl-NL"/>
+              <a:t>Tweede niveau</a:t>
+            </a:r>
+          </a:p>
+          <a:p>
+            <a:pPr lvl="2"/>
+            <a:r>
+              <a:rPr lang="nl-NL"/>
+              <a:t>Derde niveau</a:t>
+            </a:r>
+          </a:p>
+          <a:p>
+            <a:pPr lvl="3"/>
+            <a:r>
+              <a:rPr lang="nl-NL"/>
+              <a:t>Vierde niveau</a:t>
+            </a:r>
+          </a:p>
+          <a:p>
+            <a:pPr lvl="4"/>
+            <a:r>
+              <a:rPr lang="nl-NL"/>
+              <a:t>Vijfde niveau</a:t>
+            </a:r>
+            <a:endParaRPr lang="en-NL"/>
+          </a:p>
+        </p:txBody>
+      </p:sp>
+      <p:sp>
+        <p:nvSpPr>
+          <p:cNvPr id="4" name="Tijdelijke aanduiding voor datum 3">
+            <a:extLst>
+              <a:ext uri="{FF2B5EF4-FFF2-40B4-BE49-F238E27FC236}">
+                <a16:creationId xmlns:a16="http://schemas.microsoft.com/office/drawing/2014/main" id="{ADBFB4EC-C0D2-478D-ABE6-129B3EBD2FED}"/>
+              </a:ext>
+            </a:extLst>
+          </p:cNvPr>
+          <p:cNvSpPr>
+            <a:spLocks noGrp="1"/>
+          </p:cNvSpPr>
+          <p:nvPr>
+            <p:ph type="dt" sz="half" idx="10"/>
+          </p:nvPr>
+        </p:nvSpPr>
+        <p:spPr/>
+        <p:txBody>
+          <a:bodyPr/>
+          <a:lstStyle/>
+          <a:p>
+            <a:fld id="{592F7374-05C7-44A5-810C-143878B86AB6}" type="datetimeFigureOut">
+              <a:rPr lang="en-NL" smtClean="0"/>
+              <a:t>03/11/2020</a:t>
+            </a:fld>
+            <a:endParaRPr lang="en-NL"/>
+          </a:p>
+        </p:txBody>
+      </p:sp>
+      <p:sp>
+        <p:nvSpPr>
+          <p:cNvPr id="5" name="Tijdelijke aanduiding voor voettekst 4">
+            <a:extLst>
+              <a:ext uri="{FF2B5EF4-FFF2-40B4-BE49-F238E27FC236}">
+                <a16:creationId xmlns:a16="http://schemas.microsoft.com/office/drawing/2014/main" id="{04A258F2-F9CC-48B2-97E5-F9BB899E6849}"/>
+              </a:ext>
+            </a:extLst>
+          </p:cNvPr>
+          <p:cNvSpPr>
+            <a:spLocks noGrp="1"/>
+          </p:cNvSpPr>
+          <p:nvPr>
+            <p:ph type="ftr" sz="quarter" idx="11"/>
+          </p:nvPr>
+        </p:nvSpPr>
+        <p:spPr/>
+        <p:txBody>
+          <a:bodyPr/>
+          <a:lstStyle/>
+          <a:p>
+            <a:endParaRPr lang="en-NL"/>
+          </a:p>
+        </p:txBody>
+      </p:sp>
+      <p:sp>
+        <p:nvSpPr>
+          <p:cNvPr id="6" name="Tijdelijke aanduiding voor dianummer 5">
+            <a:extLst>
+              <a:ext uri="{FF2B5EF4-FFF2-40B4-BE49-F238E27FC236}">
+                <a16:creationId xmlns:a16="http://schemas.microsoft.com/office/drawing/2014/main" id="{7E0A54F4-FBED-4919-8FB9-BFF039EE346D}"/>
+              </a:ext>
+            </a:extLst>
+          </p:cNvPr>
+          <p:cNvSpPr>
+            <a:spLocks noGrp="1"/>
+          </p:cNvSpPr>
+          <p:nvPr>
+            <p:ph type="sldNum" sz="quarter" idx="12"/>
+          </p:nvPr>
+        </p:nvSpPr>
+        <p:spPr/>
+        <p:txBody>
+          <a:bodyPr/>
+          <a:lstStyle/>
+          <a:p>
+            <a:fld id="{01222468-D19A-4707-B488-EDA48313789E}" type="slidenum">
+              <a:rPr lang="en-NL" smtClean="0"/>
+              <a:t>‹nr.›</a:t>
+            </a:fld>
+            <a:endParaRPr lang="en-NL"/>
+          </a:p>
+        </p:txBody>
+      </p:sp>
+    </p:spTree>
+    <p:extLst>
+      <p:ext uri="{BB962C8B-B14F-4D97-AF65-F5344CB8AC3E}">
+        <p14:creationId xmlns:p14="http://schemas.microsoft.com/office/powerpoint/2010/main" val="3729679747"/>
+      </p:ext>
+    </p:extLst>
+  </p:cSld>
+  <p:clrMapOvr>
+    <a:masterClrMapping/>
+  </p:clrMapOvr>
+</p:sldLayout>
+</file>
+
+<file path=ppt/slideLayouts/slideLayout11.xml><?xml version="1.0" encoding="utf-8"?>
+<p:sldLayout xmlns:a="http://schemas.openxmlformats.org/drawingml/2006/main" xmlns:r="http://schemas.openxmlformats.org/officeDocument/2006/relationships" xmlns:p="http://schemas.openxmlformats.org/presentationml/2006/main" type="vertTitleAndTx" preserve="1">
+  <p:cSld name="Verticale titel en tekst">
+    <p:spTree>
+      <p:nvGrpSpPr>
+        <p:cNvPr id="1" name=""/>
+        <p:cNvGrpSpPr/>
+        <p:nvPr/>
+      </p:nvGrpSpPr>
+      <p:grpSpPr>
+        <a:xfrm>
+          <a:off x="0" y="0"/>
+          <a:ext cx="0" cy="0"/>
+          <a:chOff x="0" y="0"/>
+          <a:chExt cx="0" cy="0"/>
+        </a:xfrm>
+      </p:grpSpPr>
+      <p:sp>
+        <p:nvSpPr>
+          <p:cNvPr id="2" name="Verticale titel 1">
+            <a:extLst>
+              <a:ext uri="{FF2B5EF4-FFF2-40B4-BE49-F238E27FC236}">
+                <a16:creationId xmlns:a16="http://schemas.microsoft.com/office/drawing/2014/main" id="{6E8BA72C-B6CB-4703-9E88-828C718707EC}"/>
+              </a:ext>
+            </a:extLst>
+          </p:cNvPr>
+          <p:cNvSpPr>
+            <a:spLocks noGrp="1"/>
+          </p:cNvSpPr>
+          <p:nvPr>
+            <p:ph type="title" orient="vert"/>
+          </p:nvPr>
+        </p:nvSpPr>
+        <p:spPr>
+          <a:xfrm>
+            <a:off x="6543675" y="365125"/>
+            <a:ext cx="1971675" cy="5811838"/>
+          </a:xfrm>
+        </p:spPr>
+        <p:txBody>
+          <a:bodyPr vert="eaVert"/>
+          <a:lstStyle/>
+          <a:p>
+            <a:r>
+              <a:rPr lang="nl-NL"/>
+              <a:t>Klik om stijl te bewerken</a:t>
+            </a:r>
+            <a:endParaRPr lang="en-NL"/>
+          </a:p>
+        </p:txBody>
+      </p:sp>
+      <p:sp>
+        <p:nvSpPr>
+          <p:cNvPr id="3" name="Tijdelijke aanduiding voor verticale tekst 2">
+            <a:extLst>
+              <a:ext uri="{FF2B5EF4-FFF2-40B4-BE49-F238E27FC236}">
+                <a16:creationId xmlns:a16="http://schemas.microsoft.com/office/drawing/2014/main" id="{195CFE87-E99B-4D2A-9C6F-528DA8EA8B80}"/>
+              </a:ext>
+            </a:extLst>
+          </p:cNvPr>
+          <p:cNvSpPr>
+            <a:spLocks noGrp="1"/>
+          </p:cNvSpPr>
+          <p:nvPr>
+            <p:ph type="body" orient="vert" idx="1"/>
+          </p:nvPr>
+        </p:nvSpPr>
+        <p:spPr>
+          <a:xfrm>
+            <a:off x="628650" y="365125"/>
+            <a:ext cx="5800725" cy="5811838"/>
+          </a:xfrm>
+        </p:spPr>
+        <p:txBody>
+          <a:bodyPr vert="eaVert"/>
+          <a:lstStyle/>
+          <a:p>
+            <a:pPr lvl="0"/>
+            <a:r>
+              <a:rPr lang="nl-NL"/>
+              <a:t>Klikken om de tekststijl van het model te bewerken</a:t>
+            </a:r>
+          </a:p>
+          <a:p>
+            <a:pPr lvl="1"/>
+            <a:r>
+              <a:rPr lang="nl-NL"/>
+              <a:t>Tweede niveau</a:t>
+            </a:r>
+          </a:p>
+          <a:p>
+            <a:pPr lvl="2"/>
+            <a:r>
+              <a:rPr lang="nl-NL"/>
+              <a:t>Derde niveau</a:t>
+            </a:r>
+          </a:p>
+          <a:p>
+            <a:pPr lvl="3"/>
+            <a:r>
+              <a:rPr lang="nl-NL"/>
+              <a:t>Vierde niveau</a:t>
+            </a:r>
+          </a:p>
+          <a:p>
+            <a:pPr lvl="4"/>
+            <a:r>
+              <a:rPr lang="nl-NL"/>
+              <a:t>Vijfde niveau</a:t>
+            </a:r>
+            <a:endParaRPr lang="en-NL"/>
+          </a:p>
+        </p:txBody>
+      </p:sp>
+      <p:sp>
+        <p:nvSpPr>
+          <p:cNvPr id="4" name="Tijdelijke aanduiding voor datum 3">
+            <a:extLst>
+              <a:ext uri="{FF2B5EF4-FFF2-40B4-BE49-F238E27FC236}">
+                <a16:creationId xmlns:a16="http://schemas.microsoft.com/office/drawing/2014/main" id="{E0C72082-04A6-4F77-ACCC-03BCD9BEF051}"/>
+              </a:ext>
+            </a:extLst>
+          </p:cNvPr>
+          <p:cNvSpPr>
+            <a:spLocks noGrp="1"/>
+          </p:cNvSpPr>
+          <p:nvPr>
+            <p:ph type="dt" sz="half" idx="10"/>
+          </p:nvPr>
+        </p:nvSpPr>
+        <p:spPr/>
+        <p:txBody>
+          <a:bodyPr/>
+          <a:lstStyle/>
+          <a:p>
+            <a:fld id="{592F7374-05C7-44A5-810C-143878B86AB6}" type="datetimeFigureOut">
+              <a:rPr lang="en-NL" smtClean="0"/>
+              <a:t>03/11/2020</a:t>
+            </a:fld>
+            <a:endParaRPr lang="en-NL"/>
+          </a:p>
+        </p:txBody>
+      </p:sp>
+      <p:sp>
+        <p:nvSpPr>
+          <p:cNvPr id="5" name="Tijdelijke aanduiding voor voettekst 4">
+            <a:extLst>
+              <a:ext uri="{FF2B5EF4-FFF2-40B4-BE49-F238E27FC236}">
+                <a16:creationId xmlns:a16="http://schemas.microsoft.com/office/drawing/2014/main" id="{8065510A-116B-4EE8-8A86-2AE1DC52AD01}"/>
+              </a:ext>
+            </a:extLst>
+          </p:cNvPr>
+          <p:cNvSpPr>
+            <a:spLocks noGrp="1"/>
+          </p:cNvSpPr>
+          <p:nvPr>
+            <p:ph type="ftr" sz="quarter" idx="11"/>
+          </p:nvPr>
+        </p:nvSpPr>
+        <p:spPr/>
+        <p:txBody>
+          <a:bodyPr/>
+          <a:lstStyle/>
+          <a:p>
+            <a:endParaRPr lang="en-NL"/>
+          </a:p>
+        </p:txBody>
+      </p:sp>
+      <p:sp>
+        <p:nvSpPr>
+          <p:cNvPr id="6" name="Tijdelijke aanduiding voor dianummer 5">
+            <a:extLst>
+              <a:ext uri="{FF2B5EF4-FFF2-40B4-BE49-F238E27FC236}">
+                <a16:creationId xmlns:a16="http://schemas.microsoft.com/office/drawing/2014/main" id="{CC7C19A2-D3F2-44C5-B260-0C16063BEC81}"/>
+              </a:ext>
+            </a:extLst>
+          </p:cNvPr>
+          <p:cNvSpPr>
+            <a:spLocks noGrp="1"/>
+          </p:cNvSpPr>
+          <p:nvPr>
+            <p:ph type="sldNum" sz="quarter" idx="12"/>
+          </p:nvPr>
+        </p:nvSpPr>
+        <p:spPr/>
+        <p:txBody>
+          <a:bodyPr/>
+          <a:lstStyle/>
+          <a:p>
+            <a:fld id="{01222468-D19A-4707-B488-EDA48313789E}" type="slidenum">
+              <a:rPr lang="en-NL" smtClean="0"/>
+              <a:t>‹nr.›</a:t>
+            </a:fld>
+            <a:endParaRPr lang="en-NL"/>
+          </a:p>
+        </p:txBody>
+      </p:sp>
+    </p:spTree>
+    <p:extLst>
+      <p:ext uri="{BB962C8B-B14F-4D97-AF65-F5344CB8AC3E}">
+        <p14:creationId xmlns:p14="http://schemas.microsoft.com/office/powerpoint/2010/main" val="1064310323"/>
+      </p:ext>
+    </p:extLst>
+  </p:cSld>
+  <p:clrMapOvr>
+    <a:masterClrMapping/>
+  </p:clrMapOvr>
+  <p:hf sldNum="0" hdr="0" ftr="0"/>
+</p:sldLayout>
+</file>
+
+<file path=ppt/slideLayouts/slideLayout12.xml><?xml version="1.0" encoding="utf-8"?>
+<p:sldLayout xmlns:a="http://schemas.openxmlformats.org/drawingml/2006/main" xmlns:r="http://schemas.openxmlformats.org/officeDocument/2006/relationships" xmlns:p="http://schemas.openxmlformats.org/presentationml/2006/main" userDrawn="1">
+  <p:cSld name="1_Titeldia">
+    <p:spTree>
+      <p:nvGrpSpPr>
+        <p:cNvPr id="1" name=""/>
+        <p:cNvGrpSpPr/>
+        <p:nvPr/>
+      </p:nvGrpSpPr>
+      <p:grpSpPr>
+        <a:xfrm>
+          <a:off x="0" y="0"/>
+          <a:ext cx="0" cy="0"/>
+          <a:chOff x="0" y="0"/>
+          <a:chExt cx="0" cy="0"/>
+        </a:xfrm>
+      </p:grpSpPr>
+      <p:sp>
+        <p:nvSpPr>
+          <p:cNvPr id="11" name="Subtitle 2"/>
+          <p:cNvSpPr>
+            <a:spLocks noGrp="1"/>
+          </p:cNvSpPr>
+          <p:nvPr userDrawn="1">
+            <p:ph type="subTitle" idx="1"/>
+          </p:nvPr>
+        </p:nvSpPr>
+        <p:spPr>
+          <a:xfrm>
+            <a:off x="179512" y="5093695"/>
+            <a:ext cx="3384376" cy="978205"/>
+          </a:xfrm>
+        </p:spPr>
+        <p:txBody>
+          <a:bodyPr anchor="ctr">
+            <a:normAutofit/>
+          </a:bodyPr>
+          <a:lstStyle>
+            <a:lvl1pPr marL="0" indent="0" algn="l">
+              <a:buNone/>
+              <a:defRPr sz="2400">
+                <a:solidFill>
+                  <a:srgbClr val="008080"/>
+                </a:solidFill>
+              </a:defRPr>
+            </a:lvl1pPr>
+            <a:lvl2pPr marL="457200" indent="0" algn="ctr">
+              <a:buNone/>
+              <a:defRPr>
+                <a:solidFill>
+                  <a:schemeClr val="tx1">
+                    <a:tint val="75000"/>
+                  </a:schemeClr>
+                </a:solidFill>
+              </a:defRPr>
+            </a:lvl2pPr>
+            <a:lvl3pPr marL="914400" indent="0" algn="ctr">
+              <a:buNone/>
+              <a:defRPr>
+                <a:solidFill>
+                  <a:schemeClr val="tx1">
+                    <a:tint val="75000"/>
+                  </a:schemeClr>
+                </a:solidFill>
+              </a:defRPr>
+            </a:lvl3pPr>
+            <a:lvl4pPr marL="1371600" indent="0" algn="ctr">
+              <a:buNone/>
+              <a:defRPr>
+                <a:solidFill>
+                  <a:schemeClr val="tx1">
+                    <a:tint val="75000"/>
+                  </a:schemeClr>
+                </a:solidFill>
+              </a:defRPr>
+            </a:lvl4pPr>
+            <a:lvl5pPr marL="1828800" indent="0" algn="ctr">
+              <a:buNone/>
+              <a:defRPr>
+                <a:solidFill>
+                  <a:schemeClr val="tx1">
+                    <a:tint val="75000"/>
+                  </a:schemeClr>
+                </a:solidFill>
+              </a:defRPr>
+            </a:lvl5pPr>
+            <a:lvl6pPr marL="2286000" indent="0" algn="ctr">
+              <a:buNone/>
+              <a:defRPr>
+                <a:solidFill>
+                  <a:schemeClr val="tx1">
+                    <a:tint val="75000"/>
+                  </a:schemeClr>
+                </a:solidFill>
+              </a:defRPr>
+            </a:lvl6pPr>
+            <a:lvl7pPr marL="2743200" indent="0" algn="ctr">
+              <a:buNone/>
+              <a:defRPr>
+                <a:solidFill>
+                  <a:schemeClr val="tx1">
+                    <a:tint val="75000"/>
+                  </a:schemeClr>
+                </a:solidFill>
+              </a:defRPr>
+            </a:lvl7pPr>
+            <a:lvl8pPr marL="3200400" indent="0" algn="ctr">
+              <a:buNone/>
+              <a:defRPr>
+                <a:solidFill>
+                  <a:schemeClr val="tx1">
+                    <a:tint val="75000"/>
+                  </a:schemeClr>
+                </a:solidFill>
+              </a:defRPr>
+            </a:lvl8pPr>
+            <a:lvl9pPr marL="3657600" indent="0" algn="ctr">
+              <a:buNone/>
+              <a:defRPr>
+                <a:solidFill>
+                  <a:schemeClr val="tx1">
+                    <a:tint val="75000"/>
+                  </a:schemeClr>
+                </a:solidFill>
+              </a:defRPr>
+            </a:lvl9pPr>
+          </a:lstStyle>
+          <a:p>
+            <a:r>
+              <a:rPr lang="en-US"/>
+              <a:t>Click to edit Master subtitle style</a:t>
+            </a:r>
+            <a:endParaRPr lang="nl-NL" dirty="0"/>
+          </a:p>
+        </p:txBody>
+      </p:sp>
+      <p:sp>
+        <p:nvSpPr>
+          <p:cNvPr id="2" name="Date Placeholder 1"/>
+          <p:cNvSpPr>
+            <a:spLocks noGrp="1"/>
+          </p:cNvSpPr>
+          <p:nvPr userDrawn="1">
+            <p:ph type="dt" sz="half" idx="10"/>
+          </p:nvPr>
+        </p:nvSpPr>
+        <p:spPr>
+          <a:xfrm>
+            <a:off x="6948264" y="5142780"/>
+            <a:ext cx="2061592" cy="878508"/>
+          </a:xfrm>
+          <a:prstGeom prst="rect">
+            <a:avLst/>
+          </a:prstGeom>
+        </p:spPr>
+        <p:txBody>
+          <a:bodyPr anchor="ctr"/>
+          <a:lstStyle>
+            <a:lvl1pPr algn="ctr">
+              <a:defRPr sz="1400">
+                <a:solidFill>
+                  <a:srgbClr val="008080"/>
+                </a:solidFill>
+              </a:defRPr>
+            </a:lvl1pPr>
+          </a:lstStyle>
+          <a:p>
+            <a:fld id="{AC2BFD9A-25F4-4787-8A05-AC38006FFABD}" type="datetime1">
+              <a:rPr lang="nl-NL" smtClean="0"/>
+              <a:pPr/>
+              <a:t>3-11-2020</a:t>
+            </a:fld>
+            <a:endParaRPr lang="nl-NL" dirty="0"/>
+          </a:p>
+        </p:txBody>
+      </p:sp>
+      <p:sp>
+        <p:nvSpPr>
+          <p:cNvPr id="5" name="Title 4"/>
+          <p:cNvSpPr>
+            <a:spLocks noGrp="1"/>
+          </p:cNvSpPr>
+          <p:nvPr userDrawn="1">
+            <p:ph type="title"/>
+          </p:nvPr>
+        </p:nvSpPr>
+        <p:spPr>
+          <a:xfrm>
+            <a:off x="2051720" y="3745004"/>
+            <a:ext cx="7092280" cy="1143000"/>
+          </a:xfrm>
+        </p:spPr>
+        <p:txBody>
+          <a:bodyPr/>
+          <a:lstStyle>
+            <a:lvl1pPr>
+              <a:defRPr cap="none" baseline="0">
+                <a:solidFill>
+                  <a:srgbClr val="008080"/>
+                </a:solidFill>
+              </a:defRPr>
+            </a:lvl1pPr>
+          </a:lstStyle>
+          <a:p>
+            <a:r>
+              <a:rPr lang="en-US"/>
+              <a:t>Click to edit Master title style</a:t>
+            </a:r>
+            <a:endParaRPr lang="nl-NL" dirty="0"/>
+          </a:p>
+        </p:txBody>
+      </p:sp>
+    </p:spTree>
+    <p:extLst>
+      <p:ext uri="{BB962C8B-B14F-4D97-AF65-F5344CB8AC3E}">
+        <p14:creationId xmlns:p14="http://schemas.microsoft.com/office/powerpoint/2010/main" val="1060996632"/>
+      </p:ext>
+    </p:extLst>
+  </p:cSld>
+  <p:clrMapOvr>
+    <a:masterClrMapping/>
+  </p:clrMapOvr>
+</p:sldLayout>
+</file>
+
+<file path=ppt/slideLayouts/slideLayout13.xml><?xml version="1.0" encoding="utf-8"?>
 <p:sldLayout xmlns:a="http://schemas.openxmlformats.org/drawingml/2006/main" xmlns:r="http://schemas.openxmlformats.org/officeDocument/2006/relationships" xmlns:p="http://schemas.openxmlformats.org/presentationml/2006/main" preserve="1" userDrawn="1">
-  <p:cSld name="Titel en object">
+  <p:cSld name="1_Titel en object">
     <p:spTree>
       <p:nvGrpSpPr>
         <p:cNvPr id="1" name=""/>
@@ -2492,7 +3252,484 @@
 </p:sldLayout>
 </file>
 
+<file path=ppt/slideLayouts/slideLayout2.xml><?xml version="1.0" encoding="utf-8"?>
+<p:sldLayout xmlns:a="http://schemas.openxmlformats.org/drawingml/2006/main" xmlns:r="http://schemas.openxmlformats.org/officeDocument/2006/relationships" xmlns:p="http://schemas.openxmlformats.org/presentationml/2006/main" type="obj" preserve="1">
+  <p:cSld name="Titel en object">
+    <p:spTree>
+      <p:nvGrpSpPr>
+        <p:cNvPr id="1" name=""/>
+        <p:cNvGrpSpPr/>
+        <p:nvPr/>
+      </p:nvGrpSpPr>
+      <p:grpSpPr>
+        <a:xfrm>
+          <a:off x="0" y="0"/>
+          <a:ext cx="0" cy="0"/>
+          <a:chOff x="0" y="0"/>
+          <a:chExt cx="0" cy="0"/>
+        </a:xfrm>
+      </p:grpSpPr>
+      <p:sp>
+        <p:nvSpPr>
+          <p:cNvPr id="2" name="Titel 1">
+            <a:extLst>
+              <a:ext uri="{FF2B5EF4-FFF2-40B4-BE49-F238E27FC236}">
+                <a16:creationId xmlns:a16="http://schemas.microsoft.com/office/drawing/2014/main" id="{B8758C9A-842A-4AB3-AE00-203BFFFE6E0E}"/>
+              </a:ext>
+            </a:extLst>
+          </p:cNvPr>
+          <p:cNvSpPr>
+            <a:spLocks noGrp="1"/>
+          </p:cNvSpPr>
+          <p:nvPr>
+            <p:ph type="title"/>
+          </p:nvPr>
+        </p:nvSpPr>
+        <p:spPr/>
+        <p:txBody>
+          <a:bodyPr/>
+          <a:lstStyle/>
+          <a:p>
+            <a:r>
+              <a:rPr lang="nl-NL"/>
+              <a:t>Klik om stijl te bewerken</a:t>
+            </a:r>
+            <a:endParaRPr lang="en-NL"/>
+          </a:p>
+        </p:txBody>
+      </p:sp>
+      <p:sp>
+        <p:nvSpPr>
+          <p:cNvPr id="3" name="Tijdelijke aanduiding voor inhoud 2">
+            <a:extLst>
+              <a:ext uri="{FF2B5EF4-FFF2-40B4-BE49-F238E27FC236}">
+                <a16:creationId xmlns:a16="http://schemas.microsoft.com/office/drawing/2014/main" id="{613C871B-8909-4FF1-AC3E-3FB7F16620D8}"/>
+              </a:ext>
+            </a:extLst>
+          </p:cNvPr>
+          <p:cNvSpPr>
+            <a:spLocks noGrp="1"/>
+          </p:cNvSpPr>
+          <p:nvPr>
+            <p:ph idx="1"/>
+          </p:nvPr>
+        </p:nvSpPr>
+        <p:spPr/>
+        <p:txBody>
+          <a:bodyPr/>
+          <a:lstStyle/>
+          <a:p>
+            <a:pPr lvl="0"/>
+            <a:r>
+              <a:rPr lang="nl-NL"/>
+              <a:t>Klikken om de tekststijl van het model te bewerken</a:t>
+            </a:r>
+          </a:p>
+          <a:p>
+            <a:pPr lvl="1"/>
+            <a:r>
+              <a:rPr lang="nl-NL"/>
+              <a:t>Tweede niveau</a:t>
+            </a:r>
+          </a:p>
+          <a:p>
+            <a:pPr lvl="2"/>
+            <a:r>
+              <a:rPr lang="nl-NL"/>
+              <a:t>Derde niveau</a:t>
+            </a:r>
+          </a:p>
+          <a:p>
+            <a:pPr lvl="3"/>
+            <a:r>
+              <a:rPr lang="nl-NL"/>
+              <a:t>Vierde niveau</a:t>
+            </a:r>
+          </a:p>
+          <a:p>
+            <a:pPr lvl="4"/>
+            <a:r>
+              <a:rPr lang="nl-NL"/>
+              <a:t>Vijfde niveau</a:t>
+            </a:r>
+            <a:endParaRPr lang="en-NL"/>
+          </a:p>
+        </p:txBody>
+      </p:sp>
+      <p:sp>
+        <p:nvSpPr>
+          <p:cNvPr id="4" name="Tijdelijke aanduiding voor datum 3">
+            <a:extLst>
+              <a:ext uri="{FF2B5EF4-FFF2-40B4-BE49-F238E27FC236}">
+                <a16:creationId xmlns:a16="http://schemas.microsoft.com/office/drawing/2014/main" id="{22B3EFC5-E8AC-42EC-BB7D-04B409981797}"/>
+              </a:ext>
+            </a:extLst>
+          </p:cNvPr>
+          <p:cNvSpPr>
+            <a:spLocks noGrp="1"/>
+          </p:cNvSpPr>
+          <p:nvPr>
+            <p:ph type="dt" sz="half" idx="10"/>
+          </p:nvPr>
+        </p:nvSpPr>
+        <p:spPr/>
+        <p:txBody>
+          <a:bodyPr/>
+          <a:lstStyle/>
+          <a:p>
+            <a:fld id="{592F7374-05C7-44A5-810C-143878B86AB6}" type="datetimeFigureOut">
+              <a:rPr lang="en-NL" smtClean="0"/>
+              <a:t>03/11/2020</a:t>
+            </a:fld>
+            <a:endParaRPr lang="en-NL"/>
+          </a:p>
+        </p:txBody>
+      </p:sp>
+      <p:sp>
+        <p:nvSpPr>
+          <p:cNvPr id="5" name="Tijdelijke aanduiding voor voettekst 4">
+            <a:extLst>
+              <a:ext uri="{FF2B5EF4-FFF2-40B4-BE49-F238E27FC236}">
+                <a16:creationId xmlns:a16="http://schemas.microsoft.com/office/drawing/2014/main" id="{5FC5F42C-A7CA-4F96-AF14-D728F2930283}"/>
+              </a:ext>
+            </a:extLst>
+          </p:cNvPr>
+          <p:cNvSpPr>
+            <a:spLocks noGrp="1"/>
+          </p:cNvSpPr>
+          <p:nvPr>
+            <p:ph type="ftr" sz="quarter" idx="11"/>
+          </p:nvPr>
+        </p:nvSpPr>
+        <p:spPr/>
+        <p:txBody>
+          <a:bodyPr/>
+          <a:lstStyle/>
+          <a:p>
+            <a:endParaRPr lang="en-NL"/>
+          </a:p>
+        </p:txBody>
+      </p:sp>
+      <p:sp>
+        <p:nvSpPr>
+          <p:cNvPr id="6" name="Tijdelijke aanduiding voor dianummer 5">
+            <a:extLst>
+              <a:ext uri="{FF2B5EF4-FFF2-40B4-BE49-F238E27FC236}">
+                <a16:creationId xmlns:a16="http://schemas.microsoft.com/office/drawing/2014/main" id="{72A4D13B-886B-4E49-90EC-DAB90EB08A5E}"/>
+              </a:ext>
+            </a:extLst>
+          </p:cNvPr>
+          <p:cNvSpPr>
+            <a:spLocks noGrp="1"/>
+          </p:cNvSpPr>
+          <p:nvPr>
+            <p:ph type="sldNum" sz="quarter" idx="12"/>
+          </p:nvPr>
+        </p:nvSpPr>
+        <p:spPr/>
+        <p:txBody>
+          <a:bodyPr/>
+          <a:lstStyle/>
+          <a:p>
+            <a:fld id="{01222468-D19A-4707-B488-EDA48313789E}" type="slidenum">
+              <a:rPr lang="en-NL" smtClean="0"/>
+              <a:t>‹nr.›</a:t>
+            </a:fld>
+            <a:endParaRPr lang="en-NL"/>
+          </a:p>
+        </p:txBody>
+      </p:sp>
+    </p:spTree>
+    <p:extLst>
+      <p:ext uri="{BB962C8B-B14F-4D97-AF65-F5344CB8AC3E}">
+        <p14:creationId xmlns:p14="http://schemas.microsoft.com/office/powerpoint/2010/main" val="366529411"/>
+      </p:ext>
+    </p:extLst>
+  </p:cSld>
+  <p:clrMapOvr>
+    <a:masterClrMapping/>
+  </p:clrMapOvr>
+</p:sldLayout>
+</file>
+
 <file path=ppt/slideLayouts/slideLayout3.xml><?xml version="1.0" encoding="utf-8"?>
+<p:sldLayout xmlns:a="http://schemas.openxmlformats.org/drawingml/2006/main" xmlns:r="http://schemas.openxmlformats.org/officeDocument/2006/relationships" xmlns:p="http://schemas.openxmlformats.org/presentationml/2006/main" type="secHead" preserve="1">
+  <p:cSld name="Sectiekop">
+    <p:spTree>
+      <p:nvGrpSpPr>
+        <p:cNvPr id="1" name=""/>
+        <p:cNvGrpSpPr/>
+        <p:nvPr/>
+      </p:nvGrpSpPr>
+      <p:grpSpPr>
+        <a:xfrm>
+          <a:off x="0" y="0"/>
+          <a:ext cx="0" cy="0"/>
+          <a:chOff x="0" y="0"/>
+          <a:chExt cx="0" cy="0"/>
+        </a:xfrm>
+      </p:grpSpPr>
+      <p:sp>
+        <p:nvSpPr>
+          <p:cNvPr id="2" name="Titel 1">
+            <a:extLst>
+              <a:ext uri="{FF2B5EF4-FFF2-40B4-BE49-F238E27FC236}">
+                <a16:creationId xmlns:a16="http://schemas.microsoft.com/office/drawing/2014/main" id="{2C902CF1-53B1-4811-A143-1D5FF501C644}"/>
+              </a:ext>
+            </a:extLst>
+          </p:cNvPr>
+          <p:cNvSpPr>
+            <a:spLocks noGrp="1"/>
+          </p:cNvSpPr>
+          <p:nvPr>
+            <p:ph type="title"/>
+          </p:nvPr>
+        </p:nvSpPr>
+        <p:spPr>
+          <a:xfrm>
+            <a:off x="623888" y="1709739"/>
+            <a:ext cx="7886700" cy="2852737"/>
+          </a:xfrm>
+        </p:spPr>
+        <p:txBody>
+          <a:bodyPr anchor="b"/>
+          <a:lstStyle>
+            <a:lvl1pPr>
+              <a:defRPr sz="4500"/>
+            </a:lvl1pPr>
+          </a:lstStyle>
+          <a:p>
+            <a:r>
+              <a:rPr lang="nl-NL"/>
+              <a:t>Klik om stijl te bewerken</a:t>
+            </a:r>
+            <a:endParaRPr lang="en-NL"/>
+          </a:p>
+        </p:txBody>
+      </p:sp>
+      <p:sp>
+        <p:nvSpPr>
+          <p:cNvPr id="3" name="Tijdelijke aanduiding voor tekst 2">
+            <a:extLst>
+              <a:ext uri="{FF2B5EF4-FFF2-40B4-BE49-F238E27FC236}">
+                <a16:creationId xmlns:a16="http://schemas.microsoft.com/office/drawing/2014/main" id="{88ADBEA0-C6AF-43E7-9C1A-ED62006EF9F8}"/>
+              </a:ext>
+            </a:extLst>
+          </p:cNvPr>
+          <p:cNvSpPr>
+            <a:spLocks noGrp="1"/>
+          </p:cNvSpPr>
+          <p:nvPr>
+            <p:ph type="body" idx="1"/>
+          </p:nvPr>
+        </p:nvSpPr>
+        <p:spPr>
+          <a:xfrm>
+            <a:off x="623888" y="4589464"/>
+            <a:ext cx="7886700" cy="1500187"/>
+          </a:xfrm>
+        </p:spPr>
+        <p:txBody>
+          <a:bodyPr/>
+          <a:lstStyle>
+            <a:lvl1pPr marL="0" indent="0">
+              <a:buNone/>
+              <a:defRPr sz="1800">
+                <a:solidFill>
+                  <a:schemeClr val="tx1">
+                    <a:tint val="75000"/>
+                  </a:schemeClr>
+                </a:solidFill>
+              </a:defRPr>
+            </a:lvl1pPr>
+            <a:lvl2pPr marL="342900" indent="0">
+              <a:buNone/>
+              <a:defRPr sz="1500">
+                <a:solidFill>
+                  <a:schemeClr val="tx1">
+                    <a:tint val="75000"/>
+                  </a:schemeClr>
+                </a:solidFill>
+              </a:defRPr>
+            </a:lvl2pPr>
+            <a:lvl3pPr marL="685800" indent="0">
+              <a:buNone/>
+              <a:defRPr sz="1350">
+                <a:solidFill>
+                  <a:schemeClr val="tx1">
+                    <a:tint val="75000"/>
+                  </a:schemeClr>
+                </a:solidFill>
+              </a:defRPr>
+            </a:lvl3pPr>
+            <a:lvl4pPr marL="1028700" indent="0">
+              <a:buNone/>
+              <a:defRPr sz="1200">
+                <a:solidFill>
+                  <a:schemeClr val="tx1">
+                    <a:tint val="75000"/>
+                  </a:schemeClr>
+                </a:solidFill>
+              </a:defRPr>
+            </a:lvl4pPr>
+            <a:lvl5pPr marL="1371600" indent="0">
+              <a:buNone/>
+              <a:defRPr sz="1200">
+                <a:solidFill>
+                  <a:schemeClr val="tx1">
+                    <a:tint val="75000"/>
+                  </a:schemeClr>
+                </a:solidFill>
+              </a:defRPr>
+            </a:lvl5pPr>
+            <a:lvl6pPr marL="1714500" indent="0">
+              <a:buNone/>
+              <a:defRPr sz="1200">
+                <a:solidFill>
+                  <a:schemeClr val="tx1">
+                    <a:tint val="75000"/>
+                  </a:schemeClr>
+                </a:solidFill>
+              </a:defRPr>
+            </a:lvl6pPr>
+            <a:lvl7pPr marL="2057400" indent="0">
+              <a:buNone/>
+              <a:defRPr sz="1200">
+                <a:solidFill>
+                  <a:schemeClr val="tx1">
+                    <a:tint val="75000"/>
+                  </a:schemeClr>
+                </a:solidFill>
+              </a:defRPr>
+            </a:lvl7pPr>
+            <a:lvl8pPr marL="2400300" indent="0">
+              <a:buNone/>
+              <a:defRPr sz="1200">
+                <a:solidFill>
+                  <a:schemeClr val="tx1">
+                    <a:tint val="75000"/>
+                  </a:schemeClr>
+                </a:solidFill>
+              </a:defRPr>
+            </a:lvl8pPr>
+            <a:lvl9pPr marL="2743200" indent="0">
+              <a:buNone/>
+              <a:defRPr sz="1200">
+                <a:solidFill>
+                  <a:schemeClr val="tx1">
+                    <a:tint val="75000"/>
+                  </a:schemeClr>
+                </a:solidFill>
+              </a:defRPr>
+            </a:lvl9pPr>
+          </a:lstStyle>
+          <a:p>
+            <a:pPr lvl="0"/>
+            <a:r>
+              <a:rPr lang="nl-NL"/>
+              <a:t>Klikken om de tekststijl van het model te bewerken</a:t>
+            </a:r>
+          </a:p>
+        </p:txBody>
+      </p:sp>
+      <p:sp>
+        <p:nvSpPr>
+          <p:cNvPr id="4" name="Tijdelijke aanduiding voor datum 3">
+            <a:extLst>
+              <a:ext uri="{FF2B5EF4-FFF2-40B4-BE49-F238E27FC236}">
+                <a16:creationId xmlns:a16="http://schemas.microsoft.com/office/drawing/2014/main" id="{C4137D23-27B2-48D5-9B8C-90A517FD863C}"/>
+              </a:ext>
+            </a:extLst>
+          </p:cNvPr>
+          <p:cNvSpPr>
+            <a:spLocks noGrp="1"/>
+          </p:cNvSpPr>
+          <p:nvPr>
+            <p:ph type="dt" sz="half" idx="10"/>
+          </p:nvPr>
+        </p:nvSpPr>
+        <p:spPr/>
+        <p:txBody>
+          <a:bodyPr/>
+          <a:lstStyle/>
+          <a:p>
+            <a:fld id="{592F7374-05C7-44A5-810C-143878B86AB6}" type="datetimeFigureOut">
+              <a:rPr lang="en-NL" smtClean="0"/>
+              <a:t>03/11/2020</a:t>
+            </a:fld>
+            <a:endParaRPr lang="en-NL"/>
+          </a:p>
+        </p:txBody>
+      </p:sp>
+      <p:sp>
+        <p:nvSpPr>
+          <p:cNvPr id="5" name="Tijdelijke aanduiding voor voettekst 4">
+            <a:extLst>
+              <a:ext uri="{FF2B5EF4-FFF2-40B4-BE49-F238E27FC236}">
+                <a16:creationId xmlns:a16="http://schemas.microsoft.com/office/drawing/2014/main" id="{1C4BE74E-27EF-485D-B34C-351681DBCF25}"/>
+              </a:ext>
+            </a:extLst>
+          </p:cNvPr>
+          <p:cNvSpPr>
+            <a:spLocks noGrp="1"/>
+          </p:cNvSpPr>
+          <p:nvPr>
+            <p:ph type="ftr" sz="quarter" idx="11"/>
+          </p:nvPr>
+        </p:nvSpPr>
+        <p:spPr/>
+        <p:txBody>
+          <a:bodyPr/>
+          <a:lstStyle/>
+          <a:p>
+            <a:endParaRPr lang="en-NL"/>
+          </a:p>
+        </p:txBody>
+      </p:sp>
+      <p:sp>
+        <p:nvSpPr>
+          <p:cNvPr id="6" name="Tijdelijke aanduiding voor dianummer 5">
+            <a:extLst>
+              <a:ext uri="{FF2B5EF4-FFF2-40B4-BE49-F238E27FC236}">
+                <a16:creationId xmlns:a16="http://schemas.microsoft.com/office/drawing/2014/main" id="{1BE62A48-A417-4B99-9922-280248942418}"/>
+              </a:ext>
+            </a:extLst>
+          </p:cNvPr>
+          <p:cNvSpPr>
+            <a:spLocks noGrp="1"/>
+          </p:cNvSpPr>
+          <p:nvPr>
+            <p:ph type="sldNum" sz="quarter" idx="12"/>
+          </p:nvPr>
+        </p:nvSpPr>
+        <p:spPr/>
+        <p:txBody>
+          <a:bodyPr/>
+          <a:lstStyle/>
+          <a:p>
+            <a:fld id="{01222468-D19A-4707-B488-EDA48313789E}" type="slidenum">
+              <a:rPr lang="en-NL" smtClean="0"/>
+              <a:t>‹nr.›</a:t>
+            </a:fld>
+            <a:endParaRPr lang="en-NL"/>
+          </a:p>
+        </p:txBody>
+      </p:sp>
+    </p:spTree>
+    <p:extLst>
+      <p:ext uri="{BB962C8B-B14F-4D97-AF65-F5344CB8AC3E}">
+        <p14:creationId xmlns:p14="http://schemas.microsoft.com/office/powerpoint/2010/main" val="4050617529"/>
+      </p:ext>
+    </p:extLst>
+  </p:cSld>
+  <p:clrMapOvr>
+    <a:masterClrMapping/>
+  </p:clrMapOvr>
+  <p:hf sldNum="0" hdr="0" ftr="0"/>
+</p:sldLayout>
+</file>
+
+<file path=ppt/slideLayouts/slideLayout4.xml><?xml version="1.0" encoding="utf-8"?>
 <p:sldLayout xmlns:a="http://schemas.openxmlformats.org/drawingml/2006/main" xmlns:r="http://schemas.openxmlformats.org/officeDocument/2006/relationships" xmlns:p="http://schemas.openxmlformats.org/presentationml/2006/main" type="twoObj" preserve="1">
   <p:cSld name="Inhoud van twee">
     <p:spTree>
@@ -2511,7 +3748,13 @@
       </p:grpSpPr>
       <p:sp>
         <p:nvSpPr>
-          <p:cNvPr id="2" name="Title 1"/>
+          <p:cNvPr id="2" name="Titel 1">
+            <a:extLst>
+              <a:ext uri="{FF2B5EF4-FFF2-40B4-BE49-F238E27FC236}">
+                <a16:creationId xmlns:a16="http://schemas.microsoft.com/office/drawing/2014/main" id="{9AF303EC-260D-4522-9A24-75FEB17B8452}"/>
+              </a:ext>
+            </a:extLst>
+          </p:cNvPr>
           <p:cNvSpPr>
             <a:spLocks noGrp="1"/>
           </p:cNvSpPr>
@@ -2522,28 +3765,25 @@
         <p:spPr/>
         <p:txBody>
           <a:bodyPr/>
-          <a:lstStyle>
-            <a:lvl1pPr algn="l">
-              <a:defRPr cap="none" baseline="0">
-                <a:solidFill>
-                  <a:srgbClr val="008080"/>
-                </a:solidFill>
-                <a:latin typeface="Syntax LT Std" pitchFamily="34" charset="0"/>
-              </a:defRPr>
-            </a:lvl1pPr>
-          </a:lstStyle>
-          <a:p>
-            <a:r>
-              <a:rPr lang="en-US"/>
-              <a:t>Click to edit Master title style</a:t>
-            </a:r>
-            <a:endParaRPr lang="nl-NL" dirty="0"/>
-          </a:p>
-        </p:txBody>
-      </p:sp>
-      <p:sp>
-        <p:nvSpPr>
-          <p:cNvPr id="3" name="Content Placeholder 2"/>
+          <a:lstStyle/>
+          <a:p>
+            <a:r>
+              <a:rPr lang="nl-NL"/>
+              <a:t>Klik om stijl te bewerken</a:t>
+            </a:r>
+            <a:endParaRPr lang="en-NL"/>
+          </a:p>
+        </p:txBody>
+      </p:sp>
+      <p:sp>
+        <p:nvSpPr>
+          <p:cNvPr id="3" name="Tijdelijke aanduiding voor inhoud 2">
+            <a:extLst>
+              <a:ext uri="{FF2B5EF4-FFF2-40B4-BE49-F238E27FC236}">
+                <a16:creationId xmlns:a16="http://schemas.microsoft.com/office/drawing/2014/main" id="{33D4938C-DE99-46AA-8C20-BF6BC20DF553}"/>
+              </a:ext>
+            </a:extLst>
+          </p:cNvPr>
           <p:cNvSpPr>
             <a:spLocks noGrp="1"/>
           </p:cNvSpPr>
@@ -2553,107 +3793,60 @@
         </p:nvSpPr>
         <p:spPr>
           <a:xfrm>
-            <a:off x="457200" y="1600200"/>
-            <a:ext cx="4038600" cy="4525963"/>
+            <a:off x="628650" y="1825625"/>
+            <a:ext cx="3886200" cy="4351338"/>
           </a:xfrm>
         </p:spPr>
         <p:txBody>
           <a:bodyPr/>
-          <a:lstStyle>
-            <a:lvl1pPr>
-              <a:buClr>
-                <a:srgbClr val="008080"/>
-              </a:buClr>
-              <a:defRPr sz="2800">
-                <a:latin typeface="Syntax LT Std" pitchFamily="34" charset="0"/>
-              </a:defRPr>
-            </a:lvl1pPr>
-            <a:lvl2pPr>
-              <a:buClr>
-                <a:srgbClr val="008080"/>
-              </a:buClr>
-              <a:defRPr sz="2400">
-                <a:latin typeface="Syntax LT Std" pitchFamily="34" charset="0"/>
-              </a:defRPr>
-            </a:lvl2pPr>
-            <a:lvl3pPr>
-              <a:buClr>
-                <a:srgbClr val="008080"/>
-              </a:buClr>
-              <a:defRPr sz="2000">
-                <a:latin typeface="Syntax LT Std" pitchFamily="34" charset="0"/>
-              </a:defRPr>
-            </a:lvl3pPr>
-            <a:lvl4pPr>
-              <a:buClr>
-                <a:srgbClr val="008080"/>
-              </a:buClr>
-              <a:defRPr sz="1800">
-                <a:latin typeface="Syntax LT Std" pitchFamily="34" charset="0"/>
-              </a:defRPr>
-            </a:lvl4pPr>
-            <a:lvl5pPr>
-              <a:buClr>
-                <a:srgbClr val="008080"/>
-              </a:buClr>
-              <a:defRPr sz="1800">
-                <a:latin typeface="Syntax LT Std" pitchFamily="34" charset="0"/>
-              </a:defRPr>
-            </a:lvl5pPr>
-            <a:lvl6pPr>
-              <a:defRPr sz="1800"/>
-            </a:lvl6pPr>
-            <a:lvl7pPr>
-              <a:defRPr sz="1800"/>
-            </a:lvl7pPr>
-            <a:lvl8pPr>
-              <a:defRPr sz="1800"/>
-            </a:lvl8pPr>
-            <a:lvl9pPr>
-              <a:defRPr sz="1800"/>
-            </a:lvl9pPr>
-          </a:lstStyle>
+          <a:lstStyle/>
           <a:p>
             <a:pPr lvl="0"/>
             <a:r>
-              <a:rPr lang="en-US"/>
-              <a:t>Click to edit Master text styles</a:t>
+              <a:rPr lang="nl-NL"/>
+              <a:t>Klikken om de tekststijl van het model te bewerken</a:t>
             </a:r>
           </a:p>
           <a:p>
             <a:pPr lvl="1"/>
             <a:r>
-              <a:rPr lang="en-US"/>
-              <a:t>Second level</a:t>
+              <a:rPr lang="nl-NL"/>
+              <a:t>Tweede niveau</a:t>
             </a:r>
           </a:p>
           <a:p>
             <a:pPr lvl="2"/>
             <a:r>
-              <a:rPr lang="en-US"/>
-              <a:t>Third level</a:t>
+              <a:rPr lang="nl-NL"/>
+              <a:t>Derde niveau</a:t>
             </a:r>
           </a:p>
           <a:p>
             <a:pPr lvl="3"/>
             <a:r>
-              <a:rPr lang="en-US"/>
-              <a:t>Fourth level</a:t>
+              <a:rPr lang="nl-NL"/>
+              <a:t>Vierde niveau</a:t>
             </a:r>
           </a:p>
           <a:p>
             <a:pPr lvl="4"/>
             <a:r>
-              <a:rPr lang="en-US"/>
-              <a:t>Fifth level</a:t>
-            </a:r>
-            <a:endParaRPr lang="nl-NL" dirty="0"/>
-          </a:p>
-        </p:txBody>
-      </p:sp>
-      <p:sp>
-        <p:nvSpPr>
-          <p:cNvPr id="4" name="Content Placeholder 3"/>
+              <a:rPr lang="nl-NL"/>
+              <a:t>Vijfde niveau</a:t>
+            </a:r>
+            <a:endParaRPr lang="en-NL"/>
+          </a:p>
+        </p:txBody>
+      </p:sp>
+      <p:sp>
+        <p:nvSpPr>
+          <p:cNvPr id="4" name="Tijdelijke aanduiding voor inhoud 3">
+            <a:extLst>
+              <a:ext uri="{FF2B5EF4-FFF2-40B4-BE49-F238E27FC236}">
+                <a16:creationId xmlns:a16="http://schemas.microsoft.com/office/drawing/2014/main" id="{4BCC6AC3-854B-4581-9BA7-C305994AC081}"/>
+              </a:ext>
+            </a:extLst>
+          </p:cNvPr>
           <p:cNvSpPr>
             <a:spLocks noGrp="1"/>
           </p:cNvSpPr>
@@ -2663,105 +3856,138 @@
         </p:nvSpPr>
         <p:spPr>
           <a:xfrm>
-            <a:off x="4648200" y="1600200"/>
-            <a:ext cx="4038600" cy="4525963"/>
+            <a:off x="4629150" y="1825625"/>
+            <a:ext cx="3886200" cy="4351338"/>
           </a:xfrm>
         </p:spPr>
         <p:txBody>
           <a:bodyPr/>
-          <a:lstStyle>
-            <a:lvl1pPr>
-              <a:buClr>
-                <a:srgbClr val="008080"/>
-              </a:buClr>
-              <a:defRPr sz="2800">
-                <a:latin typeface="Syntax LT Std" pitchFamily="34" charset="0"/>
-              </a:defRPr>
-            </a:lvl1pPr>
-            <a:lvl2pPr>
-              <a:buClr>
-                <a:srgbClr val="008080"/>
-              </a:buClr>
-              <a:defRPr sz="2400">
-                <a:latin typeface="Syntax LT Std" pitchFamily="34" charset="0"/>
-              </a:defRPr>
-            </a:lvl2pPr>
-            <a:lvl3pPr>
-              <a:buClr>
-                <a:srgbClr val="008080"/>
-              </a:buClr>
-              <a:defRPr sz="2000">
-                <a:latin typeface="Syntax LT Std" pitchFamily="34" charset="0"/>
-              </a:defRPr>
-            </a:lvl3pPr>
-            <a:lvl4pPr>
-              <a:defRPr sz="1800">
-                <a:latin typeface="Syntax LT Std" pitchFamily="34" charset="0"/>
-              </a:defRPr>
-            </a:lvl4pPr>
-            <a:lvl5pPr>
-              <a:buClr>
-                <a:srgbClr val="008080"/>
-              </a:buClr>
-              <a:defRPr sz="1800">
-                <a:latin typeface="Syntax LT Std" pitchFamily="34" charset="0"/>
-              </a:defRPr>
-            </a:lvl5pPr>
-            <a:lvl6pPr>
-              <a:defRPr sz="1800"/>
-            </a:lvl6pPr>
-            <a:lvl7pPr>
-              <a:defRPr sz="1800"/>
-            </a:lvl7pPr>
-            <a:lvl8pPr>
-              <a:defRPr sz="1800"/>
-            </a:lvl8pPr>
-            <a:lvl9pPr>
-              <a:defRPr sz="1800"/>
-            </a:lvl9pPr>
-          </a:lstStyle>
+          <a:lstStyle/>
           <a:p>
             <a:pPr lvl="0"/>
             <a:r>
-              <a:rPr lang="en-US"/>
-              <a:t>Click to edit Master text styles</a:t>
+              <a:rPr lang="nl-NL"/>
+              <a:t>Klikken om de tekststijl van het model te bewerken</a:t>
             </a:r>
           </a:p>
           <a:p>
             <a:pPr lvl="1"/>
             <a:r>
-              <a:rPr lang="en-US"/>
-              <a:t>Second level</a:t>
+              <a:rPr lang="nl-NL"/>
+              <a:t>Tweede niveau</a:t>
             </a:r>
           </a:p>
           <a:p>
             <a:pPr lvl="2"/>
             <a:r>
-              <a:rPr lang="en-US"/>
-              <a:t>Third level</a:t>
+              <a:rPr lang="nl-NL"/>
+              <a:t>Derde niveau</a:t>
             </a:r>
           </a:p>
           <a:p>
             <a:pPr lvl="3"/>
             <a:r>
-              <a:rPr lang="en-US"/>
-              <a:t>Fourth level</a:t>
+              <a:rPr lang="nl-NL"/>
+              <a:t>Vierde niveau</a:t>
             </a:r>
           </a:p>
           <a:p>
             <a:pPr lvl="4"/>
             <a:r>
-              <a:rPr lang="en-US"/>
-              <a:t>Fifth level</a:t>
-            </a:r>
-            <a:endParaRPr lang="nl-NL" dirty="0"/>
+              <a:rPr lang="nl-NL"/>
+              <a:t>Vijfde niveau</a:t>
+            </a:r>
+            <a:endParaRPr lang="en-NL"/>
+          </a:p>
+        </p:txBody>
+      </p:sp>
+      <p:sp>
+        <p:nvSpPr>
+          <p:cNvPr id="5" name="Tijdelijke aanduiding voor datum 4">
+            <a:extLst>
+              <a:ext uri="{FF2B5EF4-FFF2-40B4-BE49-F238E27FC236}">
+                <a16:creationId xmlns:a16="http://schemas.microsoft.com/office/drawing/2014/main" id="{FD11134F-0BA8-4014-8A06-43E06916A1A8}"/>
+              </a:ext>
+            </a:extLst>
+          </p:cNvPr>
+          <p:cNvSpPr>
+            <a:spLocks noGrp="1"/>
+          </p:cNvSpPr>
+          <p:nvPr>
+            <p:ph type="dt" sz="half" idx="10"/>
+          </p:nvPr>
+        </p:nvSpPr>
+        <p:spPr/>
+        <p:txBody>
+          <a:bodyPr/>
+          <a:lstStyle/>
+          <a:p>
+            <a:fld id="{592F7374-05C7-44A5-810C-143878B86AB6}" type="datetimeFigureOut">
+              <a:rPr lang="en-NL" smtClean="0"/>
+              <a:t>03/11/2020</a:t>
+            </a:fld>
+            <a:endParaRPr lang="en-NL"/>
+          </a:p>
+        </p:txBody>
+      </p:sp>
+      <p:sp>
+        <p:nvSpPr>
+          <p:cNvPr id="6" name="Tijdelijke aanduiding voor voettekst 5">
+            <a:extLst>
+              <a:ext uri="{FF2B5EF4-FFF2-40B4-BE49-F238E27FC236}">
+                <a16:creationId xmlns:a16="http://schemas.microsoft.com/office/drawing/2014/main" id="{BC1F9536-77D6-45B4-9229-0C6EDDEC2102}"/>
+              </a:ext>
+            </a:extLst>
+          </p:cNvPr>
+          <p:cNvSpPr>
+            <a:spLocks noGrp="1"/>
+          </p:cNvSpPr>
+          <p:nvPr>
+            <p:ph type="ftr" sz="quarter" idx="11"/>
+          </p:nvPr>
+        </p:nvSpPr>
+        <p:spPr/>
+        <p:txBody>
+          <a:bodyPr/>
+          <a:lstStyle/>
+          <a:p>
+            <a:endParaRPr lang="en-NL"/>
+          </a:p>
+        </p:txBody>
+      </p:sp>
+      <p:sp>
+        <p:nvSpPr>
+          <p:cNvPr id="7" name="Tijdelijke aanduiding voor dianummer 6">
+            <a:extLst>
+              <a:ext uri="{FF2B5EF4-FFF2-40B4-BE49-F238E27FC236}">
+                <a16:creationId xmlns:a16="http://schemas.microsoft.com/office/drawing/2014/main" id="{95640E60-2B73-49EB-B5C6-CC06E5CDE4AA}"/>
+              </a:ext>
+            </a:extLst>
+          </p:cNvPr>
+          <p:cNvSpPr>
+            <a:spLocks noGrp="1"/>
+          </p:cNvSpPr>
+          <p:nvPr>
+            <p:ph type="sldNum" sz="quarter" idx="12"/>
+          </p:nvPr>
+        </p:nvSpPr>
+        <p:spPr/>
+        <p:txBody>
+          <a:bodyPr/>
+          <a:lstStyle/>
+          <a:p>
+            <a:fld id="{01222468-D19A-4707-B488-EDA48313789E}" type="slidenum">
+              <a:rPr lang="en-NL" smtClean="0"/>
+              <a:t>‹nr.›</a:t>
+            </a:fld>
+            <a:endParaRPr lang="en-NL"/>
           </a:p>
         </p:txBody>
       </p:sp>
     </p:spTree>
     <p:extLst>
       <p:ext uri="{BB962C8B-B14F-4D97-AF65-F5344CB8AC3E}">
-        <p14:creationId xmlns:p14="http://schemas.microsoft.com/office/powerpoint/2010/main" val="2796179238"/>
+        <p14:creationId xmlns:p14="http://schemas.microsoft.com/office/powerpoint/2010/main" val="3162926483"/>
       </p:ext>
     </p:extLst>
   </p:cSld>
@@ -2771,7 +3997,7 @@
 </p:sldLayout>
 </file>
 
-<file path=ppt/slideLayouts/slideLayout4.xml><?xml version="1.0" encoding="utf-8"?>
+<file path=ppt/slideLayouts/slideLayout5.xml><?xml version="1.0" encoding="utf-8"?>
 <p:sldLayout xmlns:a="http://schemas.openxmlformats.org/drawingml/2006/main" xmlns:r="http://schemas.openxmlformats.org/officeDocument/2006/relationships" xmlns:p="http://schemas.openxmlformats.org/presentationml/2006/main" type="twoTxTwoObj" preserve="1">
   <p:cSld name="Vergelijking">
     <p:spTree>
@@ -2790,105 +4016,118 @@
       </p:grpSpPr>
       <p:sp>
         <p:nvSpPr>
-          <p:cNvPr id="2" name="Title 1"/>
+          <p:cNvPr id="2" name="Titel 1">
+            <a:extLst>
+              <a:ext uri="{FF2B5EF4-FFF2-40B4-BE49-F238E27FC236}">
+                <a16:creationId xmlns:a16="http://schemas.microsoft.com/office/drawing/2014/main" id="{E9574B1D-6EE9-4902-A922-61DE446BBC7D}"/>
+              </a:ext>
+            </a:extLst>
+          </p:cNvPr>
           <p:cNvSpPr>
             <a:spLocks noGrp="1"/>
           </p:cNvSpPr>
           <p:nvPr>
             <p:ph type="title"/>
-          </p:nvPr>
-        </p:nvSpPr>
-        <p:spPr/>
-        <p:txBody>
-          <a:bodyPr/>
-          <a:lstStyle>
-            <a:lvl1pPr>
-              <a:defRPr>
-                <a:solidFill>
-                  <a:srgbClr val="008080"/>
-                </a:solidFill>
-              </a:defRPr>
-            </a:lvl1pPr>
-          </a:lstStyle>
-          <a:p>
-            <a:r>
-              <a:rPr lang="en-US"/>
-              <a:t>Click to edit Master title style</a:t>
-            </a:r>
-            <a:endParaRPr lang="nl-NL" dirty="0"/>
-          </a:p>
-        </p:txBody>
-      </p:sp>
-      <p:sp>
-        <p:nvSpPr>
-          <p:cNvPr id="3" name="Text Placeholder 2"/>
-          <p:cNvSpPr>
-            <a:spLocks noGrp="1"/>
-          </p:cNvSpPr>
-          <p:nvPr>
-            <p:ph type="body" idx="1"/>
           </p:nvPr>
         </p:nvSpPr>
         <p:spPr>
           <a:xfrm>
-            <a:off x="457200" y="1535113"/>
-            <a:ext cx="4040188" cy="639762"/>
+            <a:off x="629841" y="365126"/>
+            <a:ext cx="7886700" cy="1325563"/>
           </a:xfrm>
         </p:spPr>
         <p:txBody>
-          <a:bodyPr anchor="b">
-            <a:normAutofit/>
-          </a:bodyPr>
+          <a:bodyPr/>
+          <a:lstStyle/>
+          <a:p>
+            <a:r>
+              <a:rPr lang="nl-NL"/>
+              <a:t>Klik om stijl te bewerken</a:t>
+            </a:r>
+            <a:endParaRPr lang="en-NL"/>
+          </a:p>
+        </p:txBody>
+      </p:sp>
+      <p:sp>
+        <p:nvSpPr>
+          <p:cNvPr id="3" name="Tijdelijke aanduiding voor tekst 2">
+            <a:extLst>
+              <a:ext uri="{FF2B5EF4-FFF2-40B4-BE49-F238E27FC236}">
+                <a16:creationId xmlns:a16="http://schemas.microsoft.com/office/drawing/2014/main" id="{A4BC5BFB-4CA9-4F7C-B5BB-32614FA0AF3B}"/>
+              </a:ext>
+            </a:extLst>
+          </p:cNvPr>
+          <p:cNvSpPr>
+            <a:spLocks noGrp="1"/>
+          </p:cNvSpPr>
+          <p:nvPr>
+            <p:ph type="body" idx="1"/>
+          </p:nvPr>
+        </p:nvSpPr>
+        <p:spPr>
+          <a:xfrm>
+            <a:off x="629842" y="1681163"/>
+            <a:ext cx="3868340" cy="823912"/>
+          </a:xfrm>
+        </p:spPr>
+        <p:txBody>
+          <a:bodyPr anchor="b"/>
           <a:lstStyle>
             <a:lvl1pPr marL="0" indent="0">
               <a:buNone/>
-              <a:defRPr sz="2000" b="1"/>
+              <a:defRPr sz="1800" b="1"/>
             </a:lvl1pPr>
-            <a:lvl2pPr marL="457200" indent="0">
+            <a:lvl2pPr marL="342900" indent="0">
               <a:buNone/>
-              <a:defRPr sz="2000" b="1"/>
+              <a:defRPr sz="1500" b="1"/>
             </a:lvl2pPr>
-            <a:lvl3pPr marL="914400" indent="0">
+            <a:lvl3pPr marL="685800" indent="0">
               <a:buNone/>
-              <a:defRPr sz="1800" b="1"/>
+              <a:defRPr sz="1350" b="1"/>
             </a:lvl3pPr>
-            <a:lvl4pPr marL="1371600" indent="0">
+            <a:lvl4pPr marL="1028700" indent="0">
               <a:buNone/>
-              <a:defRPr sz="1600" b="1"/>
+              <a:defRPr sz="1200" b="1"/>
             </a:lvl4pPr>
-            <a:lvl5pPr marL="1828800" indent="0">
+            <a:lvl5pPr marL="1371600" indent="0">
               <a:buNone/>
-              <a:defRPr sz="1600" b="1"/>
+              <a:defRPr sz="1200" b="1"/>
             </a:lvl5pPr>
-            <a:lvl6pPr marL="2286000" indent="0">
+            <a:lvl6pPr marL="1714500" indent="0">
               <a:buNone/>
-              <a:defRPr sz="1600" b="1"/>
+              <a:defRPr sz="1200" b="1"/>
             </a:lvl6pPr>
-            <a:lvl7pPr marL="2743200" indent="0">
+            <a:lvl7pPr marL="2057400" indent="0">
               <a:buNone/>
-              <a:defRPr sz="1600" b="1"/>
+              <a:defRPr sz="1200" b="1"/>
             </a:lvl7pPr>
-            <a:lvl8pPr marL="3200400" indent="0">
+            <a:lvl8pPr marL="2400300" indent="0">
               <a:buNone/>
-              <a:defRPr sz="1600" b="1"/>
+              <a:defRPr sz="1200" b="1"/>
             </a:lvl8pPr>
-            <a:lvl9pPr marL="3657600" indent="0">
+            <a:lvl9pPr marL="2743200" indent="0">
               <a:buNone/>
-              <a:defRPr sz="1600" b="1"/>
+              <a:defRPr sz="1200" b="1"/>
             </a:lvl9pPr>
           </a:lstStyle>
           <a:p>
             <a:pPr lvl="0"/>
             <a:r>
-              <a:rPr lang="en-US"/>
-              <a:t>Click to edit Master text styles</a:t>
-            </a:r>
-          </a:p>
-        </p:txBody>
-      </p:sp>
-      <p:sp>
-        <p:nvSpPr>
-          <p:cNvPr id="4" name="Content Placeholder 3"/>
+              <a:rPr lang="nl-NL"/>
+              <a:t>Klikken om de tekststijl van het model te bewerken</a:t>
+            </a:r>
+          </a:p>
+        </p:txBody>
+      </p:sp>
+      <p:sp>
+        <p:nvSpPr>
+          <p:cNvPr id="4" name="Tijdelijke aanduiding voor inhoud 3">
+            <a:extLst>
+              <a:ext uri="{FF2B5EF4-FFF2-40B4-BE49-F238E27FC236}">
+                <a16:creationId xmlns:a16="http://schemas.microsoft.com/office/drawing/2014/main" id="{C85AEE60-0D51-46EF-B204-F4CF2C4A8FBE}"/>
+              </a:ext>
+            </a:extLst>
+          </p:cNvPr>
           <p:cNvSpPr>
             <a:spLocks noGrp="1"/>
           </p:cNvSpPr>
@@ -2898,97 +4137,60 @@
         </p:nvSpPr>
         <p:spPr>
           <a:xfrm>
-            <a:off x="457200" y="2174875"/>
-            <a:ext cx="4040188" cy="3951288"/>
+            <a:off x="629842" y="2505075"/>
+            <a:ext cx="3868340" cy="3684588"/>
           </a:xfrm>
         </p:spPr>
         <p:txBody>
           <a:bodyPr/>
-          <a:lstStyle>
-            <a:lvl1pPr>
-              <a:buClr>
-                <a:srgbClr val="008080"/>
-              </a:buClr>
-              <a:defRPr sz="2400"/>
-            </a:lvl1pPr>
-            <a:lvl2pPr>
-              <a:buClr>
-                <a:srgbClr val="008080"/>
-              </a:buClr>
-              <a:defRPr sz="2000"/>
-            </a:lvl2pPr>
-            <a:lvl3pPr>
-              <a:buClr>
-                <a:srgbClr val="008080"/>
-              </a:buClr>
-              <a:defRPr sz="1800"/>
-            </a:lvl3pPr>
-            <a:lvl4pPr>
-              <a:buClr>
-                <a:srgbClr val="008080"/>
-              </a:buClr>
-              <a:defRPr sz="1600"/>
-            </a:lvl4pPr>
-            <a:lvl5pPr>
-              <a:buClr>
-                <a:srgbClr val="008080"/>
-              </a:buClr>
-              <a:defRPr sz="1600"/>
-            </a:lvl5pPr>
-            <a:lvl6pPr>
-              <a:defRPr sz="1600"/>
-            </a:lvl6pPr>
-            <a:lvl7pPr>
-              <a:defRPr sz="1600"/>
-            </a:lvl7pPr>
-            <a:lvl8pPr>
-              <a:defRPr sz="1600"/>
-            </a:lvl8pPr>
-            <a:lvl9pPr>
-              <a:defRPr sz="1600"/>
-            </a:lvl9pPr>
-          </a:lstStyle>
+          <a:lstStyle/>
           <a:p>
             <a:pPr lvl="0"/>
             <a:r>
-              <a:rPr lang="en-US"/>
-              <a:t>Click to edit Master text styles</a:t>
+              <a:rPr lang="nl-NL"/>
+              <a:t>Klikken om de tekststijl van het model te bewerken</a:t>
             </a:r>
           </a:p>
           <a:p>
             <a:pPr lvl="1"/>
             <a:r>
-              <a:rPr lang="en-US"/>
-              <a:t>Second level</a:t>
+              <a:rPr lang="nl-NL"/>
+              <a:t>Tweede niveau</a:t>
             </a:r>
           </a:p>
           <a:p>
             <a:pPr lvl="2"/>
             <a:r>
-              <a:rPr lang="en-US"/>
-              <a:t>Third level</a:t>
+              <a:rPr lang="nl-NL"/>
+              <a:t>Derde niveau</a:t>
             </a:r>
           </a:p>
           <a:p>
             <a:pPr lvl="3"/>
             <a:r>
-              <a:rPr lang="en-US"/>
-              <a:t>Fourth level</a:t>
+              <a:rPr lang="nl-NL"/>
+              <a:t>Vierde niveau</a:t>
             </a:r>
           </a:p>
           <a:p>
             <a:pPr lvl="4"/>
             <a:r>
-              <a:rPr lang="en-US"/>
-              <a:t>Fifth level</a:t>
-            </a:r>
-            <a:endParaRPr lang="nl-NL" dirty="0"/>
-          </a:p>
-        </p:txBody>
-      </p:sp>
-      <p:sp>
-        <p:nvSpPr>
-          <p:cNvPr id="5" name="Text Placeholder 4"/>
+              <a:rPr lang="nl-NL"/>
+              <a:t>Vijfde niveau</a:t>
+            </a:r>
+            <a:endParaRPr lang="en-NL"/>
+          </a:p>
+        </p:txBody>
+      </p:sp>
+      <p:sp>
+        <p:nvSpPr>
+          <p:cNvPr id="5" name="Tijdelijke aanduiding voor tekst 4">
+            <a:extLst>
+              <a:ext uri="{FF2B5EF4-FFF2-40B4-BE49-F238E27FC236}">
+                <a16:creationId xmlns:a16="http://schemas.microsoft.com/office/drawing/2014/main" id="{5AABAE65-4673-4D0E-B0B7-78B0F342B560}"/>
+              </a:ext>
+            </a:extLst>
+          </p:cNvPr>
           <p:cNvSpPr>
             <a:spLocks noGrp="1"/>
           </p:cNvSpPr>
@@ -2998,64 +4200,68 @@
         </p:nvSpPr>
         <p:spPr>
           <a:xfrm>
-            <a:off x="4645025" y="1535113"/>
-            <a:ext cx="4041775" cy="639762"/>
+            <a:off x="4629150" y="1681163"/>
+            <a:ext cx="3887391" cy="823912"/>
           </a:xfrm>
         </p:spPr>
         <p:txBody>
-          <a:bodyPr anchor="b">
-            <a:normAutofit/>
-          </a:bodyPr>
+          <a:bodyPr anchor="b"/>
           <a:lstStyle>
             <a:lvl1pPr marL="0" indent="0">
               <a:buNone/>
-              <a:defRPr sz="2000" b="1"/>
+              <a:defRPr sz="1800" b="1"/>
             </a:lvl1pPr>
-            <a:lvl2pPr marL="457200" indent="0">
+            <a:lvl2pPr marL="342900" indent="0">
               <a:buNone/>
-              <a:defRPr sz="2000" b="1"/>
+              <a:defRPr sz="1500" b="1"/>
             </a:lvl2pPr>
-            <a:lvl3pPr marL="914400" indent="0">
+            <a:lvl3pPr marL="685800" indent="0">
               <a:buNone/>
-              <a:defRPr sz="1800" b="1"/>
+              <a:defRPr sz="1350" b="1"/>
             </a:lvl3pPr>
-            <a:lvl4pPr marL="1371600" indent="0">
+            <a:lvl4pPr marL="1028700" indent="0">
               <a:buNone/>
-              <a:defRPr sz="1600" b="1"/>
+              <a:defRPr sz="1200" b="1"/>
             </a:lvl4pPr>
-            <a:lvl5pPr marL="1828800" indent="0">
+            <a:lvl5pPr marL="1371600" indent="0">
               <a:buNone/>
-              <a:defRPr sz="1600" b="1"/>
+              <a:defRPr sz="1200" b="1"/>
             </a:lvl5pPr>
-            <a:lvl6pPr marL="2286000" indent="0">
+            <a:lvl6pPr marL="1714500" indent="0">
               <a:buNone/>
-              <a:defRPr sz="1600" b="1"/>
+              <a:defRPr sz="1200" b="1"/>
             </a:lvl6pPr>
-            <a:lvl7pPr marL="2743200" indent="0">
+            <a:lvl7pPr marL="2057400" indent="0">
               <a:buNone/>
-              <a:defRPr sz="1600" b="1"/>
+              <a:defRPr sz="1200" b="1"/>
             </a:lvl7pPr>
-            <a:lvl8pPr marL="3200400" indent="0">
+            <a:lvl8pPr marL="2400300" indent="0">
               <a:buNone/>
-              <a:defRPr sz="1600" b="1"/>
+              <a:defRPr sz="1200" b="1"/>
             </a:lvl8pPr>
-            <a:lvl9pPr marL="3657600" indent="0">
+            <a:lvl9pPr marL="2743200" indent="0">
               <a:buNone/>
-              <a:defRPr sz="1600" b="1"/>
+              <a:defRPr sz="1200" b="1"/>
             </a:lvl9pPr>
           </a:lstStyle>
           <a:p>
             <a:pPr lvl="0"/>
             <a:r>
-              <a:rPr lang="en-US"/>
-              <a:t>Click to edit Master text styles</a:t>
-            </a:r>
-          </a:p>
-        </p:txBody>
-      </p:sp>
-      <p:sp>
-        <p:nvSpPr>
-          <p:cNvPr id="6" name="Content Placeholder 5"/>
+              <a:rPr lang="nl-NL"/>
+              <a:t>Klikken om de tekststijl van het model te bewerken</a:t>
+            </a:r>
+          </a:p>
+        </p:txBody>
+      </p:sp>
+      <p:sp>
+        <p:nvSpPr>
+          <p:cNvPr id="6" name="Tijdelijke aanduiding voor inhoud 5">
+            <a:extLst>
+              <a:ext uri="{FF2B5EF4-FFF2-40B4-BE49-F238E27FC236}">
+                <a16:creationId xmlns:a16="http://schemas.microsoft.com/office/drawing/2014/main" id="{14439B98-C5F2-4CAC-B257-06876A2668D2}"/>
+              </a:ext>
+            </a:extLst>
+          </p:cNvPr>
           <p:cNvSpPr>
             <a:spLocks noGrp="1"/>
           </p:cNvSpPr>
@@ -3065,98 +4271,138 @@
         </p:nvSpPr>
         <p:spPr>
           <a:xfrm>
-            <a:off x="4645025" y="2174875"/>
-            <a:ext cx="4041775" cy="3951288"/>
+            <a:off x="4629150" y="2505075"/>
+            <a:ext cx="3887391" cy="3684588"/>
           </a:xfrm>
         </p:spPr>
         <p:txBody>
           <a:bodyPr/>
-          <a:lstStyle>
-            <a:lvl1pPr>
-              <a:buClr>
-                <a:srgbClr val="008080"/>
-              </a:buClr>
-              <a:defRPr sz="2400"/>
-            </a:lvl1pPr>
-            <a:lvl2pPr>
-              <a:buClr>
-                <a:srgbClr val="008080"/>
-              </a:buClr>
-              <a:defRPr sz="2000"/>
-            </a:lvl2pPr>
-            <a:lvl3pPr>
-              <a:buClr>
-                <a:srgbClr val="008080"/>
-              </a:buClr>
-              <a:defRPr sz="1800"/>
-            </a:lvl3pPr>
-            <a:lvl4pPr>
-              <a:buClr>
-                <a:srgbClr val="008080"/>
-              </a:buClr>
-              <a:defRPr sz="1600"/>
-            </a:lvl4pPr>
-            <a:lvl5pPr>
-              <a:buClr>
-                <a:srgbClr val="008080"/>
-              </a:buClr>
-              <a:defRPr sz="1600"/>
-            </a:lvl5pPr>
-            <a:lvl6pPr>
-              <a:defRPr sz="1600"/>
-            </a:lvl6pPr>
-            <a:lvl7pPr>
-              <a:defRPr sz="1600"/>
-            </a:lvl7pPr>
-            <a:lvl8pPr>
-              <a:defRPr sz="1600"/>
-            </a:lvl8pPr>
-            <a:lvl9pPr>
-              <a:defRPr sz="1600"/>
-            </a:lvl9pPr>
-          </a:lstStyle>
+          <a:lstStyle/>
           <a:p>
             <a:pPr lvl="0"/>
             <a:r>
-              <a:rPr lang="en-US"/>
-              <a:t>Click to edit Master text styles</a:t>
+              <a:rPr lang="nl-NL"/>
+              <a:t>Klikken om de tekststijl van het model te bewerken</a:t>
             </a:r>
           </a:p>
           <a:p>
             <a:pPr lvl="1"/>
             <a:r>
-              <a:rPr lang="en-US"/>
-              <a:t>Second level</a:t>
+              <a:rPr lang="nl-NL"/>
+              <a:t>Tweede niveau</a:t>
             </a:r>
           </a:p>
           <a:p>
             <a:pPr lvl="2"/>
             <a:r>
-              <a:rPr lang="en-US"/>
-              <a:t>Third level</a:t>
+              <a:rPr lang="nl-NL"/>
+              <a:t>Derde niveau</a:t>
             </a:r>
           </a:p>
           <a:p>
             <a:pPr lvl="3"/>
             <a:r>
-              <a:rPr lang="en-US"/>
-              <a:t>Fourth level</a:t>
+              <a:rPr lang="nl-NL"/>
+              <a:t>Vierde niveau</a:t>
             </a:r>
           </a:p>
           <a:p>
             <a:pPr lvl="4"/>
             <a:r>
-              <a:rPr lang="en-US"/>
-              <a:t>Fifth level</a:t>
-            </a:r>
-            <a:endParaRPr lang="nl-NL" dirty="0"/>
+              <a:rPr lang="nl-NL"/>
+              <a:t>Vijfde niveau</a:t>
+            </a:r>
+            <a:endParaRPr lang="en-NL"/>
+          </a:p>
+        </p:txBody>
+      </p:sp>
+      <p:sp>
+        <p:nvSpPr>
+          <p:cNvPr id="7" name="Tijdelijke aanduiding voor datum 6">
+            <a:extLst>
+              <a:ext uri="{FF2B5EF4-FFF2-40B4-BE49-F238E27FC236}">
+                <a16:creationId xmlns:a16="http://schemas.microsoft.com/office/drawing/2014/main" id="{83ABDBA8-94A4-44FF-AC10-758B4D3F2AEE}"/>
+              </a:ext>
+            </a:extLst>
+          </p:cNvPr>
+          <p:cNvSpPr>
+            <a:spLocks noGrp="1"/>
+          </p:cNvSpPr>
+          <p:nvPr>
+            <p:ph type="dt" sz="half" idx="10"/>
+          </p:nvPr>
+        </p:nvSpPr>
+        <p:spPr/>
+        <p:txBody>
+          <a:bodyPr/>
+          <a:lstStyle/>
+          <a:p>
+            <a:fld id="{592F7374-05C7-44A5-810C-143878B86AB6}" type="datetimeFigureOut">
+              <a:rPr lang="en-NL" smtClean="0"/>
+              <a:t>03/11/2020</a:t>
+            </a:fld>
+            <a:endParaRPr lang="en-NL"/>
+          </a:p>
+        </p:txBody>
+      </p:sp>
+      <p:sp>
+        <p:nvSpPr>
+          <p:cNvPr id="8" name="Tijdelijke aanduiding voor voettekst 7">
+            <a:extLst>
+              <a:ext uri="{FF2B5EF4-FFF2-40B4-BE49-F238E27FC236}">
+                <a16:creationId xmlns:a16="http://schemas.microsoft.com/office/drawing/2014/main" id="{7D299053-DA2E-480A-8881-8D1D633BA284}"/>
+              </a:ext>
+            </a:extLst>
+          </p:cNvPr>
+          <p:cNvSpPr>
+            <a:spLocks noGrp="1"/>
+          </p:cNvSpPr>
+          <p:nvPr>
+            <p:ph type="ftr" sz="quarter" idx="11"/>
+          </p:nvPr>
+        </p:nvSpPr>
+        <p:spPr/>
+        <p:txBody>
+          <a:bodyPr/>
+          <a:lstStyle/>
+          <a:p>
+            <a:endParaRPr lang="en-NL"/>
+          </a:p>
+        </p:txBody>
+      </p:sp>
+      <p:sp>
+        <p:nvSpPr>
+          <p:cNvPr id="9" name="Tijdelijke aanduiding voor dianummer 8">
+            <a:extLst>
+              <a:ext uri="{FF2B5EF4-FFF2-40B4-BE49-F238E27FC236}">
+                <a16:creationId xmlns:a16="http://schemas.microsoft.com/office/drawing/2014/main" id="{833C5B1D-4681-498E-B700-BC16CA18E3FB}"/>
+              </a:ext>
+            </a:extLst>
+          </p:cNvPr>
+          <p:cNvSpPr>
+            <a:spLocks noGrp="1"/>
+          </p:cNvSpPr>
+          <p:nvPr>
+            <p:ph type="sldNum" sz="quarter" idx="12"/>
+          </p:nvPr>
+        </p:nvSpPr>
+        <p:spPr/>
+        <p:txBody>
+          <a:bodyPr/>
+          <a:lstStyle/>
+          <a:p>
+            <a:fld id="{01222468-D19A-4707-B488-EDA48313789E}" type="slidenum">
+              <a:rPr lang="en-NL" smtClean="0"/>
+              <a:t>‹nr.›</a:t>
+            </a:fld>
+            <a:endParaRPr lang="en-NL"/>
           </a:p>
         </p:txBody>
       </p:sp>
     </p:spTree>
     <p:extLst>
       <p:ext uri="{BB962C8B-B14F-4D97-AF65-F5344CB8AC3E}">
-        <p14:creationId xmlns:p14="http://schemas.microsoft.com/office/powerpoint/2010/main" val="1229673828"/>
+        <p14:creationId xmlns:p14="http://schemas.microsoft.com/office/powerpoint/2010/main" val="2188324160"/>
       </p:ext>
     </p:extLst>
   </p:cSld>
@@ -3166,7 +4412,7 @@
 </p:sldLayout>
 </file>
 
-<file path=ppt/slideLayouts/slideLayout5.xml><?xml version="1.0" encoding="utf-8"?>
+<file path=ppt/slideLayouts/slideLayout6.xml><?xml version="1.0" encoding="utf-8"?>
 <p:sldLayout xmlns:a="http://schemas.openxmlformats.org/drawingml/2006/main" xmlns:r="http://schemas.openxmlformats.org/officeDocument/2006/relationships" xmlns:p="http://schemas.openxmlformats.org/presentationml/2006/main" type="titleOnly" preserve="1">
   <p:cSld name="Alleen titel">
     <p:spTree>
@@ -3185,7 +4431,13 @@
       </p:grpSpPr>
       <p:sp>
         <p:nvSpPr>
-          <p:cNvPr id="2" name="Title 1"/>
+          <p:cNvPr id="2" name="Titel 1">
+            <a:extLst>
+              <a:ext uri="{FF2B5EF4-FFF2-40B4-BE49-F238E27FC236}">
+                <a16:creationId xmlns:a16="http://schemas.microsoft.com/office/drawing/2014/main" id="{2D747055-3BC3-446E-B8F1-CD4206C3E53B}"/>
+              </a:ext>
+            </a:extLst>
+          </p:cNvPr>
           <p:cNvSpPr>
             <a:spLocks noGrp="1"/>
           </p:cNvSpPr>
@@ -3196,28 +4448,103 @@
         <p:spPr/>
         <p:txBody>
           <a:bodyPr/>
-          <a:lstStyle>
-            <a:lvl1pPr>
-              <a:defRPr>
-                <a:solidFill>
-                  <a:srgbClr val="008080"/>
-                </a:solidFill>
-              </a:defRPr>
-            </a:lvl1pPr>
-          </a:lstStyle>
-          <a:p>
-            <a:r>
-              <a:rPr lang="en-US"/>
-              <a:t>Click to edit Master title style</a:t>
-            </a:r>
-            <a:endParaRPr lang="nl-NL" dirty="0"/>
+          <a:lstStyle/>
+          <a:p>
+            <a:r>
+              <a:rPr lang="nl-NL"/>
+              <a:t>Klik om stijl te bewerken</a:t>
+            </a:r>
+            <a:endParaRPr lang="en-NL"/>
+          </a:p>
+        </p:txBody>
+      </p:sp>
+      <p:sp>
+        <p:nvSpPr>
+          <p:cNvPr id="3" name="Tijdelijke aanduiding voor datum 2">
+            <a:extLst>
+              <a:ext uri="{FF2B5EF4-FFF2-40B4-BE49-F238E27FC236}">
+                <a16:creationId xmlns:a16="http://schemas.microsoft.com/office/drawing/2014/main" id="{DA15603F-C130-4CAE-B6CC-66B8DAD1BAEA}"/>
+              </a:ext>
+            </a:extLst>
+          </p:cNvPr>
+          <p:cNvSpPr>
+            <a:spLocks noGrp="1"/>
+          </p:cNvSpPr>
+          <p:nvPr>
+            <p:ph type="dt" sz="half" idx="10"/>
+          </p:nvPr>
+        </p:nvSpPr>
+        <p:spPr/>
+        <p:txBody>
+          <a:bodyPr/>
+          <a:lstStyle/>
+          <a:p>
+            <a:fld id="{592F7374-05C7-44A5-810C-143878B86AB6}" type="datetimeFigureOut">
+              <a:rPr lang="en-NL" smtClean="0"/>
+              <a:t>03/11/2020</a:t>
+            </a:fld>
+            <a:endParaRPr lang="en-NL"/>
+          </a:p>
+        </p:txBody>
+      </p:sp>
+      <p:sp>
+        <p:nvSpPr>
+          <p:cNvPr id="4" name="Tijdelijke aanduiding voor voettekst 3">
+            <a:extLst>
+              <a:ext uri="{FF2B5EF4-FFF2-40B4-BE49-F238E27FC236}">
+                <a16:creationId xmlns:a16="http://schemas.microsoft.com/office/drawing/2014/main" id="{36A577A1-9E3E-4F62-A3CA-6172F7504282}"/>
+              </a:ext>
+            </a:extLst>
+          </p:cNvPr>
+          <p:cNvSpPr>
+            <a:spLocks noGrp="1"/>
+          </p:cNvSpPr>
+          <p:nvPr>
+            <p:ph type="ftr" sz="quarter" idx="11"/>
+          </p:nvPr>
+        </p:nvSpPr>
+        <p:spPr/>
+        <p:txBody>
+          <a:bodyPr/>
+          <a:lstStyle/>
+          <a:p>
+            <a:endParaRPr lang="en-NL"/>
+          </a:p>
+        </p:txBody>
+      </p:sp>
+      <p:sp>
+        <p:nvSpPr>
+          <p:cNvPr id="5" name="Tijdelijke aanduiding voor dianummer 4">
+            <a:extLst>
+              <a:ext uri="{FF2B5EF4-FFF2-40B4-BE49-F238E27FC236}">
+                <a16:creationId xmlns:a16="http://schemas.microsoft.com/office/drawing/2014/main" id="{83269784-AB69-4A72-83F4-2FCD016AF92D}"/>
+              </a:ext>
+            </a:extLst>
+          </p:cNvPr>
+          <p:cNvSpPr>
+            <a:spLocks noGrp="1"/>
+          </p:cNvSpPr>
+          <p:nvPr>
+            <p:ph type="sldNum" sz="quarter" idx="12"/>
+          </p:nvPr>
+        </p:nvSpPr>
+        <p:spPr/>
+        <p:txBody>
+          <a:bodyPr/>
+          <a:lstStyle/>
+          <a:p>
+            <a:fld id="{01222468-D19A-4707-B488-EDA48313789E}" type="slidenum">
+              <a:rPr lang="en-NL" smtClean="0"/>
+              <a:t>‹nr.›</a:t>
+            </a:fld>
+            <a:endParaRPr lang="en-NL"/>
           </a:p>
         </p:txBody>
       </p:sp>
     </p:spTree>
     <p:extLst>
       <p:ext uri="{BB962C8B-B14F-4D97-AF65-F5344CB8AC3E}">
-        <p14:creationId xmlns:p14="http://schemas.microsoft.com/office/powerpoint/2010/main" val="2579238484"/>
+        <p14:creationId xmlns:p14="http://schemas.microsoft.com/office/powerpoint/2010/main" val="3658393671"/>
       </p:ext>
     </p:extLst>
   </p:cSld>
@@ -3227,7 +4554,7 @@
 </p:sldLayout>
 </file>
 
-<file path=ppt/slideLayouts/slideLayout6.xml><?xml version="1.0" encoding="utf-8"?>
+<file path=ppt/slideLayouts/slideLayout7.xml><?xml version="1.0" encoding="utf-8"?>
 <p:sldLayout xmlns:a="http://schemas.openxmlformats.org/drawingml/2006/main" xmlns:r="http://schemas.openxmlformats.org/officeDocument/2006/relationships" xmlns:p="http://schemas.openxmlformats.org/presentationml/2006/main" type="blank" preserve="1">
   <p:cSld name="Leeg">
     <p:spTree>
@@ -3244,10 +4571,93 @@
           <a:chExt cx="0" cy="0"/>
         </a:xfrm>
       </p:grpSpPr>
+      <p:sp>
+        <p:nvSpPr>
+          <p:cNvPr id="2" name="Tijdelijke aanduiding voor datum 1">
+            <a:extLst>
+              <a:ext uri="{FF2B5EF4-FFF2-40B4-BE49-F238E27FC236}">
+                <a16:creationId xmlns:a16="http://schemas.microsoft.com/office/drawing/2014/main" id="{27C27DBE-79AA-4DC9-96C3-D1A331772DB7}"/>
+              </a:ext>
+            </a:extLst>
+          </p:cNvPr>
+          <p:cNvSpPr>
+            <a:spLocks noGrp="1"/>
+          </p:cNvSpPr>
+          <p:nvPr>
+            <p:ph type="dt" sz="half" idx="10"/>
+          </p:nvPr>
+        </p:nvSpPr>
+        <p:spPr/>
+        <p:txBody>
+          <a:bodyPr/>
+          <a:lstStyle/>
+          <a:p>
+            <a:fld id="{592F7374-05C7-44A5-810C-143878B86AB6}" type="datetimeFigureOut">
+              <a:rPr lang="en-NL" smtClean="0"/>
+              <a:t>03/11/2020</a:t>
+            </a:fld>
+            <a:endParaRPr lang="en-NL"/>
+          </a:p>
+        </p:txBody>
+      </p:sp>
+      <p:sp>
+        <p:nvSpPr>
+          <p:cNvPr id="3" name="Tijdelijke aanduiding voor voettekst 2">
+            <a:extLst>
+              <a:ext uri="{FF2B5EF4-FFF2-40B4-BE49-F238E27FC236}">
+                <a16:creationId xmlns:a16="http://schemas.microsoft.com/office/drawing/2014/main" id="{5635A323-A0B6-43D5-99F6-0E4B7CF5D470}"/>
+              </a:ext>
+            </a:extLst>
+          </p:cNvPr>
+          <p:cNvSpPr>
+            <a:spLocks noGrp="1"/>
+          </p:cNvSpPr>
+          <p:nvPr>
+            <p:ph type="ftr" sz="quarter" idx="11"/>
+          </p:nvPr>
+        </p:nvSpPr>
+        <p:spPr/>
+        <p:txBody>
+          <a:bodyPr/>
+          <a:lstStyle/>
+          <a:p>
+            <a:endParaRPr lang="en-NL"/>
+          </a:p>
+        </p:txBody>
+      </p:sp>
+      <p:sp>
+        <p:nvSpPr>
+          <p:cNvPr id="4" name="Tijdelijke aanduiding voor dianummer 3">
+            <a:extLst>
+              <a:ext uri="{FF2B5EF4-FFF2-40B4-BE49-F238E27FC236}">
+                <a16:creationId xmlns:a16="http://schemas.microsoft.com/office/drawing/2014/main" id="{05899384-F9B7-4B18-A911-F3868A0EC6BE}"/>
+              </a:ext>
+            </a:extLst>
+          </p:cNvPr>
+          <p:cNvSpPr>
+            <a:spLocks noGrp="1"/>
+          </p:cNvSpPr>
+          <p:nvPr>
+            <p:ph type="sldNum" sz="quarter" idx="12"/>
+          </p:nvPr>
+        </p:nvSpPr>
+        <p:spPr/>
+        <p:txBody>
+          <a:bodyPr/>
+          <a:lstStyle/>
+          <a:p>
+            <a:fld id="{01222468-D19A-4707-B488-EDA48313789E}" type="slidenum">
+              <a:rPr lang="en-NL" smtClean="0"/>
+              <a:t>‹nr.›</a:t>
+            </a:fld>
+            <a:endParaRPr lang="en-NL"/>
+          </a:p>
+        </p:txBody>
+      </p:sp>
     </p:spTree>
     <p:extLst>
       <p:ext uri="{BB962C8B-B14F-4D97-AF65-F5344CB8AC3E}">
-        <p14:creationId xmlns:p14="http://schemas.microsoft.com/office/powerpoint/2010/main" val="3931044484"/>
+        <p14:creationId xmlns:p14="http://schemas.microsoft.com/office/powerpoint/2010/main" val="512076181"/>
       </p:ext>
     </p:extLst>
   </p:cSld>
@@ -3257,7 +4667,7 @@
 </p:sldLayout>
 </file>
 
-<file path=ppt/slideLayouts/slideLayout7.xml><?xml version="1.0" encoding="utf-8"?>
+<file path=ppt/slideLayouts/slideLayout8.xml><?xml version="1.0" encoding="utf-8"?>
 <p:sldLayout xmlns:a="http://schemas.openxmlformats.org/drawingml/2006/main" xmlns:r="http://schemas.openxmlformats.org/officeDocument/2006/relationships" xmlns:p="http://schemas.openxmlformats.org/presentationml/2006/main" type="objTx" preserve="1">
   <p:cSld name="Inhoud met bijschrift">
     <p:spTree>
@@ -3276,7 +4686,13 @@
       </p:grpSpPr>
       <p:sp>
         <p:nvSpPr>
-          <p:cNvPr id="2" name="Title 1"/>
+          <p:cNvPr id="2" name="Titel 1">
+            <a:extLst>
+              <a:ext uri="{FF2B5EF4-FFF2-40B4-BE49-F238E27FC236}">
+                <a16:creationId xmlns:a16="http://schemas.microsoft.com/office/drawing/2014/main" id="{CD080795-0683-44BC-9951-8D878D04DC7C}"/>
+              </a:ext>
+            </a:extLst>
+          </p:cNvPr>
           <p:cNvSpPr>
             <a:spLocks noGrp="1"/>
           </p:cNvSpPr>
@@ -3286,33 +4702,35 @@
         </p:nvSpPr>
         <p:spPr>
           <a:xfrm>
-            <a:off x="971600" y="273050"/>
-            <a:ext cx="6984776" cy="851694"/>
+            <a:off x="629841" y="457200"/>
+            <a:ext cx="2949178" cy="1600200"/>
           </a:xfrm>
         </p:spPr>
         <p:txBody>
           <a:bodyPr anchor="b"/>
           <a:lstStyle>
-            <a:lvl1pPr algn="l">
-              <a:defRPr sz="2000" b="1">
-                <a:solidFill>
-                  <a:srgbClr val="008080"/>
-                </a:solidFill>
-              </a:defRPr>
+            <a:lvl1pPr>
+              <a:defRPr sz="2400"/>
             </a:lvl1pPr>
           </a:lstStyle>
           <a:p>
             <a:r>
-              <a:rPr lang="en-US"/>
-              <a:t>Click to edit Master title style</a:t>
-            </a:r>
-            <a:endParaRPr lang="nl-NL" dirty="0"/>
-          </a:p>
-        </p:txBody>
-      </p:sp>
-      <p:sp>
-        <p:nvSpPr>
-          <p:cNvPr id="3" name="Content Placeholder 2"/>
+              <a:rPr lang="nl-NL"/>
+              <a:t>Klik om stijl te bewerken</a:t>
+            </a:r>
+            <a:endParaRPr lang="en-NL"/>
+          </a:p>
+        </p:txBody>
+      </p:sp>
+      <p:sp>
+        <p:nvSpPr>
+          <p:cNvPr id="3" name="Tijdelijke aanduiding voor inhoud 2">
+            <a:extLst>
+              <a:ext uri="{FF2B5EF4-FFF2-40B4-BE49-F238E27FC236}">
+                <a16:creationId xmlns:a16="http://schemas.microsoft.com/office/drawing/2014/main" id="{D323043F-A4AC-4DA9-B7AF-F3E8F3CA9865}"/>
+              </a:ext>
+            </a:extLst>
+          </p:cNvPr>
           <p:cNvSpPr>
             <a:spLocks noGrp="1"/>
           </p:cNvSpPr>
@@ -3322,97 +4740,88 @@
         </p:nvSpPr>
         <p:spPr>
           <a:xfrm>
-            <a:off x="3575050" y="1412776"/>
-            <a:ext cx="5111750" cy="4713387"/>
+            <a:off x="3887391" y="987426"/>
+            <a:ext cx="4629150" cy="4873625"/>
           </a:xfrm>
         </p:spPr>
         <p:txBody>
           <a:bodyPr/>
           <a:lstStyle>
             <a:lvl1pPr>
-              <a:buClr>
-                <a:srgbClr val="008080"/>
-              </a:buClr>
-              <a:defRPr sz="3200"/>
+              <a:defRPr sz="2400"/>
             </a:lvl1pPr>
             <a:lvl2pPr>
-              <a:buClr>
-                <a:srgbClr val="008080"/>
-              </a:buClr>
-              <a:defRPr sz="2800"/>
+              <a:defRPr sz="2100"/>
             </a:lvl2pPr>
             <a:lvl3pPr>
-              <a:buClr>
-                <a:srgbClr val="008080"/>
-              </a:buClr>
-              <a:defRPr sz="2400"/>
+              <a:defRPr sz="1800"/>
             </a:lvl3pPr>
             <a:lvl4pPr>
-              <a:buClr>
-                <a:srgbClr val="008080"/>
-              </a:buClr>
-              <a:defRPr sz="2000"/>
+              <a:defRPr sz="1500"/>
             </a:lvl4pPr>
             <a:lvl5pPr>
-              <a:buClr>
-                <a:srgbClr val="008080"/>
-              </a:buClr>
-              <a:defRPr sz="2000"/>
+              <a:defRPr sz="1500"/>
             </a:lvl5pPr>
             <a:lvl6pPr>
-              <a:defRPr sz="2000"/>
+              <a:defRPr sz="1500"/>
             </a:lvl6pPr>
             <a:lvl7pPr>
-              <a:defRPr sz="2000"/>
+              <a:defRPr sz="1500"/>
             </a:lvl7pPr>
             <a:lvl8pPr>
-              <a:defRPr sz="2000"/>
+              <a:defRPr sz="1500"/>
             </a:lvl8pPr>
             <a:lvl9pPr>
-              <a:defRPr sz="2000"/>
+              <a:defRPr sz="1500"/>
             </a:lvl9pPr>
           </a:lstStyle>
           <a:p>
             <a:pPr lvl="0"/>
             <a:r>
-              <a:rPr lang="en-US"/>
-              <a:t>Click to edit Master text styles</a:t>
+              <a:rPr lang="nl-NL"/>
+              <a:t>Klikken om de tekststijl van het model te bewerken</a:t>
             </a:r>
           </a:p>
           <a:p>
             <a:pPr lvl="1"/>
             <a:r>
-              <a:rPr lang="en-US"/>
-              <a:t>Second level</a:t>
+              <a:rPr lang="nl-NL"/>
+              <a:t>Tweede niveau</a:t>
             </a:r>
           </a:p>
           <a:p>
             <a:pPr lvl="2"/>
             <a:r>
-              <a:rPr lang="en-US"/>
-              <a:t>Third level</a:t>
+              <a:rPr lang="nl-NL"/>
+              <a:t>Derde niveau</a:t>
             </a:r>
           </a:p>
           <a:p>
             <a:pPr lvl="3"/>
             <a:r>
-              <a:rPr lang="en-US"/>
-              <a:t>Fourth level</a:t>
+              <a:rPr lang="nl-NL"/>
+              <a:t>Vierde niveau</a:t>
             </a:r>
           </a:p>
           <a:p>
             <a:pPr lvl="4"/>
             <a:r>
-              <a:rPr lang="en-US"/>
-              <a:t>Fifth level</a:t>
-            </a:r>
-            <a:endParaRPr lang="nl-NL" dirty="0"/>
-          </a:p>
-        </p:txBody>
-      </p:sp>
-      <p:sp>
-        <p:nvSpPr>
-          <p:cNvPr id="4" name="Text Placeholder 3"/>
+              <a:rPr lang="nl-NL"/>
+              <a:t>Vijfde niveau</a:t>
+            </a:r>
+            <a:endParaRPr lang="en-NL"/>
+          </a:p>
+        </p:txBody>
+      </p:sp>
+      <p:sp>
+        <p:nvSpPr>
+          <p:cNvPr id="4" name="Tijdelijke aanduiding voor tekst 3">
+            <a:extLst>
+              <a:ext uri="{FF2B5EF4-FFF2-40B4-BE49-F238E27FC236}">
+                <a16:creationId xmlns:a16="http://schemas.microsoft.com/office/drawing/2014/main" id="{C1CF3482-46EE-4F77-AD2D-18104046247D}"/>
+              </a:ext>
+            </a:extLst>
+          </p:cNvPr>
           <p:cNvSpPr>
             <a:spLocks noGrp="1"/>
           </p:cNvSpPr>
@@ -3422,8 +4831,8 @@
         </p:nvSpPr>
         <p:spPr>
           <a:xfrm>
-            <a:off x="457200" y="1435100"/>
-            <a:ext cx="3008313" cy="4691063"/>
+            <a:off x="629841" y="2057400"/>
+            <a:ext cx="2949178" cy="3811588"/>
           </a:xfrm>
         </p:spPr>
         <p:txBody>
@@ -3431,54 +4840,137 @@
           <a:lstStyle>
             <a:lvl1pPr marL="0" indent="0">
               <a:buNone/>
-              <a:defRPr sz="1400"/>
+              <a:defRPr sz="1200"/>
             </a:lvl1pPr>
-            <a:lvl2pPr marL="457200" indent="0">
+            <a:lvl2pPr marL="342900" indent="0">
               <a:buNone/>
-              <a:defRPr sz="1200"/>
+              <a:defRPr sz="1050"/>
             </a:lvl2pPr>
-            <a:lvl3pPr marL="914400" indent="0">
-              <a:buNone/>
-              <a:defRPr sz="1000"/>
-            </a:lvl3pPr>
-            <a:lvl4pPr marL="1371600" indent="0">
+            <a:lvl3pPr marL="685800" indent="0">
               <a:buNone/>
               <a:defRPr sz="900"/>
+            </a:lvl3pPr>
+            <a:lvl4pPr marL="1028700" indent="0">
+              <a:buNone/>
+              <a:defRPr sz="750"/>
             </a:lvl4pPr>
-            <a:lvl5pPr marL="1828800" indent="0">
+            <a:lvl5pPr marL="1371600" indent="0">
               <a:buNone/>
-              <a:defRPr sz="900"/>
+              <a:defRPr sz="750"/>
             </a:lvl5pPr>
-            <a:lvl6pPr marL="2286000" indent="0">
+            <a:lvl6pPr marL="1714500" indent="0">
               <a:buNone/>
-              <a:defRPr sz="900"/>
+              <a:defRPr sz="750"/>
             </a:lvl6pPr>
-            <a:lvl7pPr marL="2743200" indent="0">
+            <a:lvl7pPr marL="2057400" indent="0">
               <a:buNone/>
-              <a:defRPr sz="900"/>
+              <a:defRPr sz="750"/>
             </a:lvl7pPr>
-            <a:lvl8pPr marL="3200400" indent="0">
+            <a:lvl8pPr marL="2400300" indent="0">
               <a:buNone/>
-              <a:defRPr sz="900"/>
+              <a:defRPr sz="750"/>
             </a:lvl8pPr>
-            <a:lvl9pPr marL="3657600" indent="0">
+            <a:lvl9pPr marL="2743200" indent="0">
               <a:buNone/>
-              <a:defRPr sz="900"/>
+              <a:defRPr sz="750"/>
             </a:lvl9pPr>
           </a:lstStyle>
           <a:p>
             <a:pPr lvl="0"/>
             <a:r>
-              <a:rPr lang="en-US"/>
-              <a:t>Click to edit Master text styles</a:t>
-            </a:r>
+              <a:rPr lang="nl-NL"/>
+              <a:t>Klikken om de tekststijl van het model te bewerken</a:t>
+            </a:r>
+          </a:p>
+        </p:txBody>
+      </p:sp>
+      <p:sp>
+        <p:nvSpPr>
+          <p:cNvPr id="5" name="Tijdelijke aanduiding voor datum 4">
+            <a:extLst>
+              <a:ext uri="{FF2B5EF4-FFF2-40B4-BE49-F238E27FC236}">
+                <a16:creationId xmlns:a16="http://schemas.microsoft.com/office/drawing/2014/main" id="{84C100C9-4BEA-4576-A90B-622DB5F489EC}"/>
+              </a:ext>
+            </a:extLst>
+          </p:cNvPr>
+          <p:cNvSpPr>
+            <a:spLocks noGrp="1"/>
+          </p:cNvSpPr>
+          <p:nvPr>
+            <p:ph type="dt" sz="half" idx="10"/>
+          </p:nvPr>
+        </p:nvSpPr>
+        <p:spPr/>
+        <p:txBody>
+          <a:bodyPr/>
+          <a:lstStyle/>
+          <a:p>
+            <a:fld id="{592F7374-05C7-44A5-810C-143878B86AB6}" type="datetimeFigureOut">
+              <a:rPr lang="en-NL" smtClean="0"/>
+              <a:t>03/11/2020</a:t>
+            </a:fld>
+            <a:endParaRPr lang="en-NL"/>
+          </a:p>
+        </p:txBody>
+      </p:sp>
+      <p:sp>
+        <p:nvSpPr>
+          <p:cNvPr id="6" name="Tijdelijke aanduiding voor voettekst 5">
+            <a:extLst>
+              <a:ext uri="{FF2B5EF4-FFF2-40B4-BE49-F238E27FC236}">
+                <a16:creationId xmlns:a16="http://schemas.microsoft.com/office/drawing/2014/main" id="{03258E99-BAB1-4562-AA2F-B56AFA9C71B2}"/>
+              </a:ext>
+            </a:extLst>
+          </p:cNvPr>
+          <p:cNvSpPr>
+            <a:spLocks noGrp="1"/>
+          </p:cNvSpPr>
+          <p:nvPr>
+            <p:ph type="ftr" sz="quarter" idx="11"/>
+          </p:nvPr>
+        </p:nvSpPr>
+        <p:spPr/>
+        <p:txBody>
+          <a:bodyPr/>
+          <a:lstStyle/>
+          <a:p>
+            <a:endParaRPr lang="en-NL"/>
+          </a:p>
+        </p:txBody>
+      </p:sp>
+      <p:sp>
+        <p:nvSpPr>
+          <p:cNvPr id="7" name="Tijdelijke aanduiding voor dianummer 6">
+            <a:extLst>
+              <a:ext uri="{FF2B5EF4-FFF2-40B4-BE49-F238E27FC236}">
+                <a16:creationId xmlns:a16="http://schemas.microsoft.com/office/drawing/2014/main" id="{11174AB7-F467-44FB-BF50-B1F209524C22}"/>
+              </a:ext>
+            </a:extLst>
+          </p:cNvPr>
+          <p:cNvSpPr>
+            <a:spLocks noGrp="1"/>
+          </p:cNvSpPr>
+          <p:nvPr>
+            <p:ph type="sldNum" sz="quarter" idx="12"/>
+          </p:nvPr>
+        </p:nvSpPr>
+        <p:spPr/>
+        <p:txBody>
+          <a:bodyPr/>
+          <a:lstStyle/>
+          <a:p>
+            <a:fld id="{01222468-D19A-4707-B488-EDA48313789E}" type="slidenum">
+              <a:rPr lang="en-NL" smtClean="0"/>
+              <a:t>‹nr.›</a:t>
+            </a:fld>
+            <a:endParaRPr lang="en-NL"/>
           </a:p>
         </p:txBody>
       </p:sp>
     </p:spTree>
     <p:extLst>
       <p:ext uri="{BB962C8B-B14F-4D97-AF65-F5344CB8AC3E}">
-        <p14:creationId xmlns:p14="http://schemas.microsoft.com/office/powerpoint/2010/main" val="3639294513"/>
+        <p14:creationId xmlns:p14="http://schemas.microsoft.com/office/powerpoint/2010/main" val="2398061034"/>
       </p:ext>
     </p:extLst>
   </p:cSld>
@@ -3488,7 +4980,7 @@
 </p:sldLayout>
 </file>
 
-<file path=ppt/slideLayouts/slideLayout8.xml><?xml version="1.0" encoding="utf-8"?>
+<file path=ppt/slideLayouts/slideLayout9.xml><?xml version="1.0" encoding="utf-8"?>
 <p:sldLayout xmlns:a="http://schemas.openxmlformats.org/drawingml/2006/main" xmlns:r="http://schemas.openxmlformats.org/officeDocument/2006/relationships" xmlns:p="http://schemas.openxmlformats.org/presentationml/2006/main" type="picTx" preserve="1">
   <p:cSld name="Afbeelding met bijschrift">
     <p:spTree>
@@ -3507,7 +4999,13 @@
       </p:grpSpPr>
       <p:sp>
         <p:nvSpPr>
-          <p:cNvPr id="2" name="Title 1"/>
+          <p:cNvPr id="2" name="Titel 1">
+            <a:extLst>
+              <a:ext uri="{FF2B5EF4-FFF2-40B4-BE49-F238E27FC236}">
+                <a16:creationId xmlns:a16="http://schemas.microsoft.com/office/drawing/2014/main" id="{D50035F9-7C51-420B-AF16-06BCE46FD195}"/>
+              </a:ext>
+            </a:extLst>
+          </p:cNvPr>
           <p:cNvSpPr>
             <a:spLocks noGrp="1"/>
           </p:cNvSpPr>
@@ -3517,33 +5015,35 @@
         </p:nvSpPr>
         <p:spPr>
           <a:xfrm>
-            <a:off x="1792288" y="4800600"/>
-            <a:ext cx="5486400" cy="566738"/>
+            <a:off x="629841" y="457200"/>
+            <a:ext cx="2949178" cy="1600200"/>
           </a:xfrm>
         </p:spPr>
         <p:txBody>
           <a:bodyPr anchor="b"/>
           <a:lstStyle>
-            <a:lvl1pPr algn="l">
-              <a:defRPr sz="2000" b="1">
-                <a:solidFill>
-                  <a:srgbClr val="008080"/>
-                </a:solidFill>
-              </a:defRPr>
+            <a:lvl1pPr>
+              <a:defRPr sz="2400"/>
             </a:lvl1pPr>
           </a:lstStyle>
           <a:p>
             <a:r>
-              <a:rPr lang="en-US"/>
-              <a:t>Click to edit Master title style</a:t>
-            </a:r>
-            <a:endParaRPr lang="nl-NL" dirty="0"/>
-          </a:p>
-        </p:txBody>
-      </p:sp>
-      <p:sp>
-        <p:nvSpPr>
-          <p:cNvPr id="3" name="Picture Placeholder 2"/>
+              <a:rPr lang="nl-NL"/>
+              <a:t>Klik om stijl te bewerken</a:t>
+            </a:r>
+            <a:endParaRPr lang="en-NL"/>
+          </a:p>
+        </p:txBody>
+      </p:sp>
+      <p:sp>
+        <p:nvSpPr>
+          <p:cNvPr id="3" name="Tijdelijke aanduiding voor afbeelding 2">
+            <a:extLst>
+              <a:ext uri="{FF2B5EF4-FFF2-40B4-BE49-F238E27FC236}">
+                <a16:creationId xmlns:a16="http://schemas.microsoft.com/office/drawing/2014/main" id="{4CE58800-C81F-44A5-BA7C-7AD007D45815}"/>
+              </a:ext>
+            </a:extLst>
+          </p:cNvPr>
           <p:cNvSpPr>
             <a:spLocks noGrp="1"/>
           </p:cNvSpPr>
@@ -3553,8 +5053,8 @@
         </p:nvSpPr>
         <p:spPr>
           <a:xfrm>
-            <a:off x="1792288" y="612775"/>
-            <a:ext cx="5486400" cy="4114800"/>
+            <a:off x="3887391" y="987426"/>
+            <a:ext cx="4629150" cy="4873625"/>
           </a:xfrm>
         </p:spPr>
         <p:txBody>
@@ -3562,53 +5062,55 @@
           <a:lstStyle>
             <a:lvl1pPr marL="0" indent="0">
               <a:buNone/>
-              <a:defRPr sz="3200"/>
+              <a:defRPr sz="2400"/>
             </a:lvl1pPr>
-            <a:lvl2pPr marL="457200" indent="0">
+            <a:lvl2pPr marL="342900" indent="0">
               <a:buNone/>
-              <a:defRPr sz="2800"/>
+              <a:defRPr sz="2100"/>
             </a:lvl2pPr>
-            <a:lvl3pPr marL="914400" indent="0">
+            <a:lvl3pPr marL="685800" indent="0">
               <a:buNone/>
-              <a:defRPr sz="2400"/>
+              <a:defRPr sz="1800"/>
             </a:lvl3pPr>
-            <a:lvl4pPr marL="1371600" indent="0">
+            <a:lvl4pPr marL="1028700" indent="0">
               <a:buNone/>
-              <a:defRPr sz="2000"/>
+              <a:defRPr sz="1500"/>
             </a:lvl4pPr>
-            <a:lvl5pPr marL="1828800" indent="0">
+            <a:lvl5pPr marL="1371600" indent="0">
               <a:buNone/>
-              <a:defRPr sz="2000"/>
+              <a:defRPr sz="1500"/>
             </a:lvl5pPr>
-            <a:lvl6pPr marL="2286000" indent="0">
+            <a:lvl6pPr marL="1714500" indent="0">
               <a:buNone/>
-              <a:defRPr sz="2000"/>
+              <a:defRPr sz="1500"/>
             </a:lvl6pPr>
-            <a:lvl7pPr marL="2743200" indent="0">
+            <a:lvl7pPr marL="2057400" indent="0">
               <a:buNone/>
-              <a:defRPr sz="2000"/>
+              <a:defRPr sz="1500"/>
             </a:lvl7pPr>
-            <a:lvl8pPr marL="3200400" indent="0">
+            <a:lvl8pPr marL="2400300" indent="0">
               <a:buNone/>
-              <a:defRPr sz="2000"/>
+              <a:defRPr sz="1500"/>
             </a:lvl8pPr>
-            <a:lvl9pPr marL="3657600" indent="0">
+            <a:lvl9pPr marL="2743200" indent="0">
               <a:buNone/>
-              <a:defRPr sz="2000"/>
+              <a:defRPr sz="1500"/>
             </a:lvl9pPr>
           </a:lstStyle>
           <a:p>
-            <a:r>
-              <a:rPr lang="en-US"/>
-              <a:t>Click icon to add picture</a:t>
-            </a:r>
-            <a:endParaRPr lang="nl-NL"/>
-          </a:p>
-        </p:txBody>
-      </p:sp>
-      <p:sp>
-        <p:nvSpPr>
-          <p:cNvPr id="4" name="Text Placeholder 3"/>
+            <a:endParaRPr lang="en-NL"/>
+          </a:p>
+        </p:txBody>
+      </p:sp>
+      <p:sp>
+        <p:nvSpPr>
+          <p:cNvPr id="4" name="Tijdelijke aanduiding voor tekst 3">
+            <a:extLst>
+              <a:ext uri="{FF2B5EF4-FFF2-40B4-BE49-F238E27FC236}">
+                <a16:creationId xmlns:a16="http://schemas.microsoft.com/office/drawing/2014/main" id="{BB749AF7-D487-4923-AEC6-FB7F6F5CE917}"/>
+              </a:ext>
+            </a:extLst>
+          </p:cNvPr>
           <p:cNvSpPr>
             <a:spLocks noGrp="1"/>
           </p:cNvSpPr>
@@ -3618,8 +5120,8 @@
         </p:nvSpPr>
         <p:spPr>
           <a:xfrm>
-            <a:off x="1792288" y="5367338"/>
-            <a:ext cx="5486400" cy="804862"/>
+            <a:off x="629841" y="2057400"/>
+            <a:ext cx="2949178" cy="3811588"/>
           </a:xfrm>
         </p:spPr>
         <p:txBody>
@@ -3627,167 +5129,137 @@
           <a:lstStyle>
             <a:lvl1pPr marL="0" indent="0">
               <a:buNone/>
-              <a:defRPr sz="1400"/>
+              <a:defRPr sz="1200"/>
             </a:lvl1pPr>
-            <a:lvl2pPr marL="457200" indent="0">
+            <a:lvl2pPr marL="342900" indent="0">
               <a:buNone/>
-              <a:defRPr sz="1200"/>
+              <a:defRPr sz="1050"/>
             </a:lvl2pPr>
-            <a:lvl3pPr marL="914400" indent="0">
-              <a:buNone/>
-              <a:defRPr sz="1000"/>
-            </a:lvl3pPr>
-            <a:lvl4pPr marL="1371600" indent="0">
+            <a:lvl3pPr marL="685800" indent="0">
               <a:buNone/>
               <a:defRPr sz="900"/>
+            </a:lvl3pPr>
+            <a:lvl4pPr marL="1028700" indent="0">
+              <a:buNone/>
+              <a:defRPr sz="750"/>
             </a:lvl4pPr>
-            <a:lvl5pPr marL="1828800" indent="0">
+            <a:lvl5pPr marL="1371600" indent="0">
               <a:buNone/>
-              <a:defRPr sz="900"/>
+              <a:defRPr sz="750"/>
             </a:lvl5pPr>
-            <a:lvl6pPr marL="2286000" indent="0">
+            <a:lvl6pPr marL="1714500" indent="0">
               <a:buNone/>
-              <a:defRPr sz="900"/>
+              <a:defRPr sz="750"/>
             </a:lvl6pPr>
-            <a:lvl7pPr marL="2743200" indent="0">
+            <a:lvl7pPr marL="2057400" indent="0">
               <a:buNone/>
-              <a:defRPr sz="900"/>
+              <a:defRPr sz="750"/>
             </a:lvl7pPr>
-            <a:lvl8pPr marL="3200400" indent="0">
+            <a:lvl8pPr marL="2400300" indent="0">
               <a:buNone/>
-              <a:defRPr sz="900"/>
+              <a:defRPr sz="750"/>
             </a:lvl8pPr>
-            <a:lvl9pPr marL="3657600" indent="0">
+            <a:lvl9pPr marL="2743200" indent="0">
               <a:buNone/>
-              <a:defRPr sz="900"/>
+              <a:defRPr sz="750"/>
             </a:lvl9pPr>
           </a:lstStyle>
           <a:p>
             <a:pPr lvl="0"/>
             <a:r>
-              <a:rPr lang="en-US"/>
-              <a:t>Click to edit Master text styles</a:t>
-            </a:r>
+              <a:rPr lang="nl-NL"/>
+              <a:t>Klikken om de tekststijl van het model te bewerken</a:t>
+            </a:r>
+          </a:p>
+        </p:txBody>
+      </p:sp>
+      <p:sp>
+        <p:nvSpPr>
+          <p:cNvPr id="5" name="Tijdelijke aanduiding voor datum 4">
+            <a:extLst>
+              <a:ext uri="{FF2B5EF4-FFF2-40B4-BE49-F238E27FC236}">
+                <a16:creationId xmlns:a16="http://schemas.microsoft.com/office/drawing/2014/main" id="{1F4CE160-1CEA-4584-A8FE-333A90B61623}"/>
+              </a:ext>
+            </a:extLst>
+          </p:cNvPr>
+          <p:cNvSpPr>
+            <a:spLocks noGrp="1"/>
+          </p:cNvSpPr>
+          <p:nvPr>
+            <p:ph type="dt" sz="half" idx="10"/>
+          </p:nvPr>
+        </p:nvSpPr>
+        <p:spPr/>
+        <p:txBody>
+          <a:bodyPr/>
+          <a:lstStyle/>
+          <a:p>
+            <a:fld id="{592F7374-05C7-44A5-810C-143878B86AB6}" type="datetimeFigureOut">
+              <a:rPr lang="en-NL" smtClean="0"/>
+              <a:t>03/11/2020</a:t>
+            </a:fld>
+            <a:endParaRPr lang="en-NL"/>
+          </a:p>
+        </p:txBody>
+      </p:sp>
+      <p:sp>
+        <p:nvSpPr>
+          <p:cNvPr id="6" name="Tijdelijke aanduiding voor voettekst 5">
+            <a:extLst>
+              <a:ext uri="{FF2B5EF4-FFF2-40B4-BE49-F238E27FC236}">
+                <a16:creationId xmlns:a16="http://schemas.microsoft.com/office/drawing/2014/main" id="{9F90C3A6-E0D5-40C8-8A8C-CBD2DD4074C2}"/>
+              </a:ext>
+            </a:extLst>
+          </p:cNvPr>
+          <p:cNvSpPr>
+            <a:spLocks noGrp="1"/>
+          </p:cNvSpPr>
+          <p:nvPr>
+            <p:ph type="ftr" sz="quarter" idx="11"/>
+          </p:nvPr>
+        </p:nvSpPr>
+        <p:spPr/>
+        <p:txBody>
+          <a:bodyPr/>
+          <a:lstStyle/>
+          <a:p>
+            <a:endParaRPr lang="en-NL"/>
+          </a:p>
+        </p:txBody>
+      </p:sp>
+      <p:sp>
+        <p:nvSpPr>
+          <p:cNvPr id="7" name="Tijdelijke aanduiding voor dianummer 6">
+            <a:extLst>
+              <a:ext uri="{FF2B5EF4-FFF2-40B4-BE49-F238E27FC236}">
+                <a16:creationId xmlns:a16="http://schemas.microsoft.com/office/drawing/2014/main" id="{9D74B7A2-2FF6-43BE-9B0A-791311A64C7B}"/>
+              </a:ext>
+            </a:extLst>
+          </p:cNvPr>
+          <p:cNvSpPr>
+            <a:spLocks noGrp="1"/>
+          </p:cNvSpPr>
+          <p:nvPr>
+            <p:ph type="sldNum" sz="quarter" idx="12"/>
+          </p:nvPr>
+        </p:nvSpPr>
+        <p:spPr/>
+        <p:txBody>
+          <a:bodyPr/>
+          <a:lstStyle/>
+          <a:p>
+            <a:fld id="{01222468-D19A-4707-B488-EDA48313789E}" type="slidenum">
+              <a:rPr lang="en-NL" smtClean="0"/>
+              <a:t>‹nr.›</a:t>
+            </a:fld>
+            <a:endParaRPr lang="en-NL"/>
           </a:p>
         </p:txBody>
       </p:sp>
     </p:spTree>
     <p:extLst>
       <p:ext uri="{BB962C8B-B14F-4D97-AF65-F5344CB8AC3E}">
-        <p14:creationId xmlns:p14="http://schemas.microsoft.com/office/powerpoint/2010/main" val="489504683"/>
-      </p:ext>
-    </p:extLst>
-  </p:cSld>
-  <p:clrMapOvr>
-    <a:masterClrMapping/>
-  </p:clrMapOvr>
-</p:sldLayout>
-</file>
-
-<file path=ppt/slideLayouts/slideLayout9.xml><?xml version="1.0" encoding="utf-8"?>
-<p:sldLayout xmlns:a="http://schemas.openxmlformats.org/drawingml/2006/main" xmlns:r="http://schemas.openxmlformats.org/officeDocument/2006/relationships" xmlns:p="http://schemas.openxmlformats.org/presentationml/2006/main" type="vertTx" preserve="1">
-  <p:cSld name="Titel en verticale tekst">
-    <p:spTree>
-      <p:nvGrpSpPr>
-        <p:cNvPr id="1" name=""/>
-        <p:cNvGrpSpPr/>
-        <p:nvPr/>
-      </p:nvGrpSpPr>
-      <p:grpSpPr>
-        <a:xfrm>
-          <a:off x="0" y="0"/>
-          <a:ext cx="0" cy="0"/>
-          <a:chOff x="0" y="0"/>
-          <a:chExt cx="0" cy="0"/>
-        </a:xfrm>
-      </p:grpSpPr>
-      <p:sp>
-        <p:nvSpPr>
-          <p:cNvPr id="2" name="Title 1"/>
-          <p:cNvSpPr>
-            <a:spLocks noGrp="1"/>
-          </p:cNvSpPr>
-          <p:nvPr>
-            <p:ph type="title"/>
-          </p:nvPr>
-        </p:nvSpPr>
-        <p:spPr/>
-        <p:txBody>
-          <a:bodyPr/>
-          <a:lstStyle>
-            <a:lvl1pPr>
-              <a:defRPr>
-                <a:solidFill>
-                  <a:srgbClr val="008080"/>
-                </a:solidFill>
-              </a:defRPr>
-            </a:lvl1pPr>
-          </a:lstStyle>
-          <a:p>
-            <a:r>
-              <a:rPr lang="en-US"/>
-              <a:t>Click to edit Master title style</a:t>
-            </a:r>
-            <a:endParaRPr lang="nl-NL" dirty="0"/>
-          </a:p>
-        </p:txBody>
-      </p:sp>
-      <p:sp>
-        <p:nvSpPr>
-          <p:cNvPr id="3" name="Vertical Text Placeholder 2"/>
-          <p:cNvSpPr>
-            <a:spLocks noGrp="1"/>
-          </p:cNvSpPr>
-          <p:nvPr>
-            <p:ph type="body" orient="vert" idx="1"/>
-          </p:nvPr>
-        </p:nvSpPr>
-        <p:spPr/>
-        <p:txBody>
-          <a:bodyPr vert="eaVert"/>
-          <a:lstStyle/>
-          <a:p>
-            <a:pPr lvl="0"/>
-            <a:r>
-              <a:rPr lang="en-US"/>
-              <a:t>Click to edit Master text styles</a:t>
-            </a:r>
-          </a:p>
-          <a:p>
-            <a:pPr lvl="1"/>
-            <a:r>
-              <a:rPr lang="en-US"/>
-              <a:t>Second level</a:t>
-            </a:r>
-          </a:p>
-          <a:p>
-            <a:pPr lvl="2"/>
-            <a:r>
-              <a:rPr lang="en-US"/>
-              <a:t>Third level</a:t>
-            </a:r>
-          </a:p>
-          <a:p>
-            <a:pPr lvl="3"/>
-            <a:r>
-              <a:rPr lang="en-US"/>
-              <a:t>Fourth level</a:t>
-            </a:r>
-          </a:p>
-          <a:p>
-            <a:pPr lvl="4"/>
-            <a:r>
-              <a:rPr lang="en-US"/>
-              <a:t>Fifth level</a:t>
-            </a:r>
-            <a:endParaRPr lang="nl-NL" dirty="0"/>
-          </a:p>
-        </p:txBody>
-      </p:sp>
-    </p:spTree>
-    <p:extLst>
-      <p:ext uri="{BB962C8B-B14F-4D97-AF65-F5344CB8AC3E}">
-        <p14:creationId xmlns:p14="http://schemas.microsoft.com/office/powerpoint/2010/main" val="1331895853"/>
+        <p14:creationId xmlns:p14="http://schemas.microsoft.com/office/powerpoint/2010/main" val="714954257"/>
       </p:ext>
     </p:extLst>
   </p:cSld>
@@ -3821,7 +5293,13 @@
       </p:grpSpPr>
       <p:sp>
         <p:nvSpPr>
-          <p:cNvPr id="2" name="Title Placeholder 1"/>
+          <p:cNvPr id="2" name="Tijdelijke aanduiding voor titel 1">
+            <a:extLst>
+              <a:ext uri="{FF2B5EF4-FFF2-40B4-BE49-F238E27FC236}">
+                <a16:creationId xmlns:a16="http://schemas.microsoft.com/office/drawing/2014/main" id="{C3223455-6CFF-4B00-AB79-117A20B51CA5}"/>
+              </a:ext>
+            </a:extLst>
+          </p:cNvPr>
           <p:cNvSpPr>
             <a:spLocks noGrp="1"/>
           </p:cNvSpPr>
@@ -3831,8 +5309,8 @@
         </p:nvSpPr>
         <p:spPr>
           <a:xfrm>
-            <a:off x="971600" y="274638"/>
-            <a:ext cx="7742932" cy="1143000"/>
+            <a:off x="628650" y="365126"/>
+            <a:ext cx="7886700" cy="1325563"/>
           </a:xfrm>
           <a:prstGeom prst="rect">
             <a:avLst/>
@@ -3845,15 +5323,22 @@
           <a:lstStyle/>
           <a:p>
             <a:r>
-              <a:rPr lang="nl-NL" dirty="0"/>
-              <a:t>Klik om de stijl te bewerken</a:t>
-            </a:r>
-          </a:p>
-        </p:txBody>
-      </p:sp>
-      <p:sp>
-        <p:nvSpPr>
-          <p:cNvPr id="3" name="Text Placeholder 2"/>
+              <a:rPr lang="nl-NL"/>
+              <a:t>Klik om stijl te bewerken</a:t>
+            </a:r>
+            <a:endParaRPr lang="en-NL"/>
+          </a:p>
+        </p:txBody>
+      </p:sp>
+      <p:sp>
+        <p:nvSpPr>
+          <p:cNvPr id="3" name="Tijdelijke aanduiding voor tekst 2">
+            <a:extLst>
+              <a:ext uri="{FF2B5EF4-FFF2-40B4-BE49-F238E27FC236}">
+                <a16:creationId xmlns:a16="http://schemas.microsoft.com/office/drawing/2014/main" id="{374A8D50-1C35-4F3B-9EEF-A5BD20F0C8EB}"/>
+              </a:ext>
+            </a:extLst>
+          </p:cNvPr>
           <p:cNvSpPr>
             <a:spLocks noGrp="1"/>
           </p:cNvSpPr>
@@ -3863,8 +5348,8 @@
         </p:nvSpPr>
         <p:spPr>
           <a:xfrm>
-            <a:off x="457200" y="1600200"/>
-            <a:ext cx="8229600" cy="4525963"/>
+            <a:off x="628650" y="1825625"/>
+            <a:ext cx="7886700" cy="4351338"/>
           </a:xfrm>
           <a:prstGeom prst="rect">
             <a:avLst/>
@@ -3878,145 +5363,175 @@
           <a:p>
             <a:pPr lvl="0"/>
             <a:r>
-              <a:rPr lang="nl-NL" dirty="0"/>
-              <a:t>Klik om de modelstijlen te bewerken</a:t>
+              <a:rPr lang="nl-NL"/>
+              <a:t>Klikken om de tekststijl van het model te bewerken</a:t>
             </a:r>
           </a:p>
           <a:p>
             <a:pPr lvl="1"/>
             <a:r>
-              <a:rPr lang="nl-NL" dirty="0"/>
+              <a:rPr lang="nl-NL"/>
               <a:t>Tweede niveau</a:t>
             </a:r>
           </a:p>
           <a:p>
             <a:pPr lvl="2"/>
             <a:r>
-              <a:rPr lang="nl-NL" dirty="0"/>
+              <a:rPr lang="nl-NL"/>
               <a:t>Derde niveau</a:t>
             </a:r>
           </a:p>
           <a:p>
             <a:pPr lvl="3"/>
             <a:r>
-              <a:rPr lang="nl-NL" dirty="0"/>
+              <a:rPr lang="nl-NL"/>
               <a:t>Vierde niveau</a:t>
             </a:r>
           </a:p>
           <a:p>
             <a:pPr lvl="4"/>
             <a:r>
-              <a:rPr lang="nl-NL" dirty="0"/>
+              <a:rPr lang="nl-NL"/>
               <a:t>Vijfde niveau</a:t>
             </a:r>
-          </a:p>
-        </p:txBody>
-      </p:sp>
-      <p:sp>
-        <p:nvSpPr>
-          <p:cNvPr id="11" name="Chevron 10"/>
-          <p:cNvSpPr>
-            <a:spLocks noChangeAspect="1"/>
-          </p:cNvSpPr>
-          <p:nvPr/>
+            <a:endParaRPr lang="en-NL"/>
+          </a:p>
+        </p:txBody>
+      </p:sp>
+      <p:sp>
+        <p:nvSpPr>
+          <p:cNvPr id="4" name="Tijdelijke aanduiding voor datum 3">
+            <a:extLst>
+              <a:ext uri="{FF2B5EF4-FFF2-40B4-BE49-F238E27FC236}">
+                <a16:creationId xmlns:a16="http://schemas.microsoft.com/office/drawing/2014/main" id="{AE4D576D-0448-45C8-B8E8-498E4AEF5DCF}"/>
+              </a:ext>
+            </a:extLst>
+          </p:cNvPr>
+          <p:cNvSpPr>
+            <a:spLocks noGrp="1"/>
+          </p:cNvSpPr>
+          <p:nvPr>
+            <p:ph type="dt" sz="half" idx="2"/>
+          </p:nvPr>
         </p:nvSpPr>
         <p:spPr>
           <a:xfrm>
-            <a:off x="503548" y="548680"/>
-            <a:ext cx="324036" cy="534600"/>
+            <a:off x="628650" y="6356351"/>
+            <a:ext cx="2057400" cy="365125"/>
           </a:xfrm>
-          <a:prstGeom prst="chevron">
+          <a:prstGeom prst="rect">
             <a:avLst/>
           </a:prstGeom>
-          <a:solidFill>
-            <a:schemeClr val="bg1"/>
-          </a:solidFill>
-          <a:ln>
-            <a:solidFill>
-              <a:schemeClr val="accent3"/>
-            </a:solidFill>
-          </a:ln>
         </p:spPr>
-        <p:style>
-          <a:lnRef idx="2">
-            <a:schemeClr val="accent1">
-              <a:shade val="50000"/>
-            </a:schemeClr>
-          </a:lnRef>
-          <a:fillRef idx="1">
-            <a:schemeClr val="accent1"/>
-          </a:fillRef>
-          <a:effectRef idx="0">
-            <a:schemeClr val="accent1"/>
-          </a:effectRef>
-          <a:fontRef idx="minor">
-            <a:schemeClr val="lt1"/>
-          </a:fontRef>
-        </p:style>
-        <p:txBody>
-          <a:bodyPr rtlCol="0" anchor="ctr"/>
-          <a:lstStyle/>
-          <a:p>
-            <a:pPr algn="ctr"/>
-            <a:endParaRPr lang="nl-NL">
-              <a:solidFill>
-                <a:schemeClr val="tx1"/>
-              </a:solidFill>
-            </a:endParaRPr>
-          </a:p>
-        </p:txBody>
-      </p:sp>
-      <p:sp>
-        <p:nvSpPr>
-          <p:cNvPr id="12" name="Chevron 11"/>
-          <p:cNvSpPr>
-            <a:spLocks noChangeAspect="1"/>
-          </p:cNvSpPr>
-          <p:nvPr/>
+        <p:txBody>
+          <a:bodyPr vert="horz" lIns="91440" tIns="45720" rIns="91440" bIns="45720" rtlCol="0" anchor="ctr"/>
+          <a:lstStyle>
+            <a:lvl1pPr algn="l">
+              <a:defRPr sz="900">
+                <a:solidFill>
+                  <a:schemeClr val="tx1">
+                    <a:tint val="75000"/>
+                  </a:schemeClr>
+                </a:solidFill>
+              </a:defRPr>
+            </a:lvl1pPr>
+          </a:lstStyle>
+          <a:p>
+            <a:fld id="{592F7374-05C7-44A5-810C-143878B86AB6}" type="datetimeFigureOut">
+              <a:rPr lang="en-NL" smtClean="0"/>
+              <a:t>03/11/2020</a:t>
+            </a:fld>
+            <a:endParaRPr lang="en-NL"/>
+          </a:p>
+        </p:txBody>
+      </p:sp>
+      <p:sp>
+        <p:nvSpPr>
+          <p:cNvPr id="5" name="Tijdelijke aanduiding voor voettekst 4">
+            <a:extLst>
+              <a:ext uri="{FF2B5EF4-FFF2-40B4-BE49-F238E27FC236}">
+                <a16:creationId xmlns:a16="http://schemas.microsoft.com/office/drawing/2014/main" id="{ACB28B1D-8136-464D-9C32-5C49E4176AEB}"/>
+              </a:ext>
+            </a:extLst>
+          </p:cNvPr>
+          <p:cNvSpPr>
+            <a:spLocks noGrp="1"/>
+          </p:cNvSpPr>
+          <p:nvPr>
+            <p:ph type="ftr" sz="quarter" idx="3"/>
+          </p:nvPr>
         </p:nvSpPr>
         <p:spPr>
           <a:xfrm>
-            <a:off x="251520" y="548680"/>
-            <a:ext cx="324036" cy="534600"/>
+            <a:off x="3028950" y="6356351"/>
+            <a:ext cx="3086100" cy="365125"/>
           </a:xfrm>
-          <a:prstGeom prst="chevron">
+          <a:prstGeom prst="rect">
             <a:avLst/>
           </a:prstGeom>
-          <a:solidFill>
-            <a:schemeClr val="bg1"/>
-          </a:solidFill>
-          <a:ln>
-            <a:solidFill>
-              <a:schemeClr val="accent3"/>
-            </a:solidFill>
-          </a:ln>
         </p:spPr>
-        <p:style>
-          <a:lnRef idx="2">
-            <a:schemeClr val="accent1">
-              <a:shade val="50000"/>
-            </a:schemeClr>
-          </a:lnRef>
-          <a:fillRef idx="1">
-            <a:schemeClr val="accent1"/>
-          </a:fillRef>
-          <a:effectRef idx="0">
-            <a:schemeClr val="accent1"/>
-          </a:effectRef>
-          <a:fontRef idx="minor">
-            <a:schemeClr val="lt1"/>
-          </a:fontRef>
-        </p:style>
-        <p:txBody>
-          <a:bodyPr rtlCol="0" anchor="ctr"/>
-          <a:lstStyle/>
-          <a:p>
-            <a:pPr algn="ctr"/>
-            <a:endParaRPr lang="nl-NL">
-              <a:solidFill>
-                <a:schemeClr val="tx1"/>
-              </a:solidFill>
-            </a:endParaRPr>
+        <p:txBody>
+          <a:bodyPr vert="horz" lIns="91440" tIns="45720" rIns="91440" bIns="45720" rtlCol="0" anchor="ctr"/>
+          <a:lstStyle>
+            <a:lvl1pPr algn="ctr">
+              <a:defRPr sz="900">
+                <a:solidFill>
+                  <a:schemeClr val="tx1">
+                    <a:tint val="75000"/>
+                  </a:schemeClr>
+                </a:solidFill>
+              </a:defRPr>
+            </a:lvl1pPr>
+          </a:lstStyle>
+          <a:p>
+            <a:endParaRPr lang="en-NL"/>
+          </a:p>
+        </p:txBody>
+      </p:sp>
+      <p:sp>
+        <p:nvSpPr>
+          <p:cNvPr id="6" name="Tijdelijke aanduiding voor dianummer 5">
+            <a:extLst>
+              <a:ext uri="{FF2B5EF4-FFF2-40B4-BE49-F238E27FC236}">
+                <a16:creationId xmlns:a16="http://schemas.microsoft.com/office/drawing/2014/main" id="{32B164BA-5486-4ABE-AD7D-2231E2E857FF}"/>
+              </a:ext>
+            </a:extLst>
+          </p:cNvPr>
+          <p:cNvSpPr>
+            <a:spLocks noGrp="1"/>
+          </p:cNvSpPr>
+          <p:nvPr>
+            <p:ph type="sldNum" sz="quarter" idx="4"/>
+          </p:nvPr>
+        </p:nvSpPr>
+        <p:spPr>
+          <a:xfrm>
+            <a:off x="6457950" y="6356351"/>
+            <a:ext cx="2057400" cy="365125"/>
+          </a:xfrm>
+          <a:prstGeom prst="rect">
+            <a:avLst/>
+          </a:prstGeom>
+        </p:spPr>
+        <p:txBody>
+          <a:bodyPr vert="horz" lIns="91440" tIns="45720" rIns="91440" bIns="45720" rtlCol="0" anchor="ctr"/>
+          <a:lstStyle>
+            <a:lvl1pPr algn="r">
+              <a:defRPr sz="900">
+                <a:solidFill>
+                  <a:schemeClr val="tx1">
+                    <a:tint val="75000"/>
+                  </a:schemeClr>
+                </a:solidFill>
+              </a:defRPr>
+            </a:lvl1pPr>
+          </a:lstStyle>
+          <a:p>
+            <a:fld id="{01222468-D19A-4707-B488-EDA48313789E}" type="slidenum">
+              <a:rPr lang="en-NL" smtClean="0"/>
+              <a:t>‹nr.›</a:t>
+            </a:fld>
+            <a:endParaRPr lang="en-NL"/>
           </a:p>
         </p:txBody>
       </p:sp>
@@ -4025,7 +5540,7 @@
           <p:cNvPr id="7" name="Tijdelijke aanduiding voor inhoud 4">
             <a:extLst>
               <a:ext uri="{FF2B5EF4-FFF2-40B4-BE49-F238E27FC236}">
-                <a16:creationId xmlns:a16="http://schemas.microsoft.com/office/drawing/2014/main" id="{A90323CD-E5F0-4756-B19F-54558F16C84F}"/>
+                <a16:creationId xmlns:a16="http://schemas.microsoft.com/office/drawing/2014/main" id="{48CFFE92-667A-4C1C-9CCA-C7C74FCBD3CB}"/>
               </a:ext>
             </a:extLst>
           </p:cNvPr>
@@ -4035,7 +5550,7 @@
           <p:nvPr userDrawn="1"/>
         </p:nvPicPr>
         <p:blipFill>
-          <a:blip r:embed="rId11" cstate="print">
+          <a:blip r:embed="rId15" cstate="print">
             <a:extLst>
               <a:ext uri="{28A0092B-C50C-407E-A947-70E740481C1C}">
                 <a14:useLocalDpi xmlns:a14="http://schemas.microsoft.com/office/drawing/2010/main" val="0"/>
@@ -4059,153 +5574,148 @@
     </p:spTree>
     <p:extLst>
       <p:ext uri="{BB962C8B-B14F-4D97-AF65-F5344CB8AC3E}">
-        <p14:creationId xmlns:p14="http://schemas.microsoft.com/office/powerpoint/2010/main" val="516896191"/>
+        <p14:creationId xmlns:p14="http://schemas.microsoft.com/office/powerpoint/2010/main" val="1941941363"/>
       </p:ext>
     </p:extLst>
   </p:cSld>
   <p:clrMap bg1="lt1" tx1="dk1" bg2="lt2" tx2="dk2" accent1="accent1" accent2="accent2" accent3="accent3" accent4="accent4" accent5="accent5" accent6="accent6" hlink="hlink" folHlink="folHlink"/>
   <p:sldLayoutIdLst>
-    <p:sldLayoutId id="2147483649" r:id="rId1"/>
-    <p:sldLayoutId id="2147483650" r:id="rId2"/>
-    <p:sldLayoutId id="2147483652" r:id="rId3"/>
-    <p:sldLayoutId id="2147483653" r:id="rId4"/>
-    <p:sldLayoutId id="2147483654" r:id="rId5"/>
-    <p:sldLayoutId id="2147483655" r:id="rId6"/>
-    <p:sldLayoutId id="2147483656" r:id="rId7"/>
-    <p:sldLayoutId id="2147483657" r:id="rId8"/>
-    <p:sldLayoutId id="2147483658" r:id="rId9"/>
+    <p:sldLayoutId id="2147483660" r:id="rId1"/>
+    <p:sldLayoutId id="2147483661" r:id="rId2"/>
+    <p:sldLayoutId id="2147483662" r:id="rId3"/>
+    <p:sldLayoutId id="2147483663" r:id="rId4"/>
+    <p:sldLayoutId id="2147483664" r:id="rId5"/>
+    <p:sldLayoutId id="2147483665" r:id="rId6"/>
+    <p:sldLayoutId id="2147483666" r:id="rId7"/>
+    <p:sldLayoutId id="2147483667" r:id="rId8"/>
+    <p:sldLayoutId id="2147483668" r:id="rId9"/>
+    <p:sldLayoutId id="2147483669" r:id="rId10"/>
+    <p:sldLayoutId id="2147483670" r:id="rId11"/>
+    <p:sldLayoutId id="2147483671" r:id="rId12"/>
+    <p:sldLayoutId id="2147483650" r:id="rId13"/>
   </p:sldLayoutIdLst>
   <p:hf sldNum="0" hdr="0" ftr="0"/>
   <p:txStyles>
     <p:titleStyle>
-      <a:lvl1pPr algn="l" defTabSz="914400" rtl="0" eaLnBrk="1" latinLnBrk="0" hangingPunct="1">
+      <a:lvl1pPr algn="l" defTabSz="685800" rtl="0" eaLnBrk="1" latinLnBrk="0" hangingPunct="1">
+        <a:lnSpc>
+          <a:spcPct val="90000"/>
+        </a:lnSpc>
         <a:spcBef>
           <a:spcPct val="0"/>
         </a:spcBef>
         <a:buNone/>
-        <a:defRPr sz="3200" b="1" kern="1200" cap="none" baseline="0">
+        <a:defRPr sz="3300" kern="1200">
           <a:solidFill>
-            <a:srgbClr val="008080"/>
+            <a:schemeClr val="tx1"/>
           </a:solidFill>
-          <a:latin typeface="Syntax LT Std" pitchFamily="34" charset="0"/>
+          <a:latin typeface="+mj-lt"/>
           <a:ea typeface="+mj-ea"/>
           <a:cs typeface="+mj-cs"/>
         </a:defRPr>
       </a:lvl1pPr>
     </p:titleStyle>
     <p:bodyStyle>
-      <a:lvl1pPr marL="342900" indent="-342900" algn="l" defTabSz="914400" rtl="0" eaLnBrk="1" latinLnBrk="0" hangingPunct="1">
+      <a:lvl1pPr marL="171450" indent="-171450" algn="l" defTabSz="685800" rtl="0" eaLnBrk="1" latinLnBrk="0" hangingPunct="1">
         <a:lnSpc>
-          <a:spcPct val="150000"/>
+          <a:spcPct val="90000"/>
         </a:lnSpc>
         <a:spcBef>
-          <a:spcPct val="20000"/>
+          <a:spcPts val="750"/>
         </a:spcBef>
-        <a:buClr>
-          <a:srgbClr val="008080"/>
-        </a:buClr>
-        <a:buFont typeface="Syntax LT Std" pitchFamily="34" charset="0"/>
-        <a:buChar char="›"/>
-        <a:defRPr sz="2400" kern="1200">
+        <a:buFont typeface="Arial" panose="020B0604020202020204" pitchFamily="34" charset="0"/>
+        <a:buChar char="•"/>
+        <a:defRPr sz="2100" kern="1200">
           <a:solidFill>
             <a:schemeClr val="tx1"/>
           </a:solidFill>
-          <a:latin typeface="Syntax LT Std" pitchFamily="34" charset="0"/>
+          <a:latin typeface="+mn-lt"/>
           <a:ea typeface="+mn-ea"/>
           <a:cs typeface="+mn-cs"/>
         </a:defRPr>
       </a:lvl1pPr>
-      <a:lvl2pPr marL="742950" indent="-285750" algn="l" defTabSz="914400" rtl="0" eaLnBrk="1" latinLnBrk="0" hangingPunct="1">
+      <a:lvl2pPr marL="514350" indent="-171450" algn="l" defTabSz="685800" rtl="0" eaLnBrk="1" latinLnBrk="0" hangingPunct="1">
         <a:lnSpc>
-          <a:spcPct val="150000"/>
+          <a:spcPct val="90000"/>
         </a:lnSpc>
         <a:spcBef>
-          <a:spcPct val="20000"/>
+          <a:spcPts val="375"/>
         </a:spcBef>
-        <a:buClr>
-          <a:srgbClr val="008080"/>
-        </a:buClr>
-        <a:buFont typeface="Syntax LT Std" pitchFamily="34" charset="0"/>
-        <a:buChar char="›"/>
-        <a:defRPr sz="2400" kern="1200">
+        <a:buFont typeface="Arial" panose="020B0604020202020204" pitchFamily="34" charset="0"/>
+        <a:buChar char="•"/>
+        <a:defRPr sz="1800" kern="1200">
           <a:solidFill>
             <a:schemeClr val="tx1"/>
           </a:solidFill>
-          <a:latin typeface="Syntax LT Std" pitchFamily="34" charset="0"/>
+          <a:latin typeface="+mn-lt"/>
           <a:ea typeface="+mn-ea"/>
           <a:cs typeface="+mn-cs"/>
         </a:defRPr>
       </a:lvl2pPr>
-      <a:lvl3pPr marL="1143000" indent="-228600" algn="l" defTabSz="914400" rtl="0" eaLnBrk="1" latinLnBrk="0" hangingPunct="1">
+      <a:lvl3pPr marL="857250" indent="-171450" algn="l" defTabSz="685800" rtl="0" eaLnBrk="1" latinLnBrk="0" hangingPunct="1">
         <a:lnSpc>
-          <a:spcPct val="150000"/>
+          <a:spcPct val="90000"/>
         </a:lnSpc>
         <a:spcBef>
-          <a:spcPct val="20000"/>
+          <a:spcPts val="375"/>
         </a:spcBef>
-        <a:buClr>
-          <a:srgbClr val="008080"/>
-        </a:buClr>
-        <a:buFont typeface="Syntax LT Std" pitchFamily="34" charset="0"/>
-        <a:buChar char="›"/>
-        <a:defRPr sz="2400" kern="1200">
+        <a:buFont typeface="Arial" panose="020B0604020202020204" pitchFamily="34" charset="0"/>
+        <a:buChar char="•"/>
+        <a:defRPr sz="1500" kern="1200">
           <a:solidFill>
             <a:schemeClr val="tx1"/>
           </a:solidFill>
-          <a:latin typeface="Syntax LT Std" pitchFamily="34" charset="0"/>
+          <a:latin typeface="+mn-lt"/>
           <a:ea typeface="+mn-ea"/>
           <a:cs typeface="+mn-cs"/>
         </a:defRPr>
       </a:lvl3pPr>
-      <a:lvl4pPr marL="1600200" indent="-228600" algn="l" defTabSz="914400" rtl="0" eaLnBrk="1" latinLnBrk="0" hangingPunct="1">
+      <a:lvl4pPr marL="1200150" indent="-171450" algn="l" defTabSz="685800" rtl="0" eaLnBrk="1" latinLnBrk="0" hangingPunct="1">
         <a:lnSpc>
-          <a:spcPct val="150000"/>
+          <a:spcPct val="90000"/>
         </a:lnSpc>
         <a:spcBef>
-          <a:spcPct val="20000"/>
+          <a:spcPts val="375"/>
         </a:spcBef>
-        <a:buClr>
-          <a:srgbClr val="008080"/>
-        </a:buClr>
-        <a:buFont typeface="Syntax LT Std" pitchFamily="34" charset="0"/>
-        <a:buChar char="›"/>
-        <a:defRPr sz="2000" kern="1200">
+        <a:buFont typeface="Arial" panose="020B0604020202020204" pitchFamily="34" charset="0"/>
+        <a:buChar char="•"/>
+        <a:defRPr sz="1350" kern="1200">
           <a:solidFill>
             <a:schemeClr val="tx1"/>
           </a:solidFill>
-          <a:latin typeface="Syntax LT Std" pitchFamily="34" charset="0"/>
+          <a:latin typeface="+mn-lt"/>
           <a:ea typeface="+mn-ea"/>
           <a:cs typeface="+mn-cs"/>
         </a:defRPr>
       </a:lvl4pPr>
-      <a:lvl5pPr marL="2057400" indent="-228600" algn="l" defTabSz="914400" rtl="0" eaLnBrk="1" latinLnBrk="0" hangingPunct="1">
+      <a:lvl5pPr marL="1543050" indent="-171450" algn="l" defTabSz="685800" rtl="0" eaLnBrk="1" latinLnBrk="0" hangingPunct="1">
         <a:lnSpc>
-          <a:spcPct val="150000"/>
+          <a:spcPct val="90000"/>
         </a:lnSpc>
         <a:spcBef>
-          <a:spcPct val="20000"/>
+          <a:spcPts val="375"/>
         </a:spcBef>
-        <a:buClr>
-          <a:srgbClr val="008080"/>
-        </a:buClr>
-        <a:buFont typeface="Syntax LT Std" pitchFamily="34" charset="0"/>
-        <a:buChar char="›"/>
-        <a:defRPr sz="2000" kern="1200">
+        <a:buFont typeface="Arial" panose="020B0604020202020204" pitchFamily="34" charset="0"/>
+        <a:buChar char="•"/>
+        <a:defRPr sz="1350" kern="1200">
           <a:solidFill>
             <a:schemeClr val="tx1"/>
           </a:solidFill>
-          <a:latin typeface="Syntax LT Std" pitchFamily="34" charset="0"/>
+          <a:latin typeface="+mn-lt"/>
           <a:ea typeface="+mn-ea"/>
           <a:cs typeface="+mn-cs"/>
         </a:defRPr>
       </a:lvl5pPr>
-      <a:lvl6pPr marL="2514600" indent="-228600" algn="l" defTabSz="914400" rtl="0" eaLnBrk="1" latinLnBrk="0" hangingPunct="1">
+      <a:lvl6pPr marL="1885950" indent="-171450" algn="l" defTabSz="685800" rtl="0" eaLnBrk="1" latinLnBrk="0" hangingPunct="1">
+        <a:lnSpc>
+          <a:spcPct val="90000"/>
+        </a:lnSpc>
         <a:spcBef>
-          <a:spcPct val="20000"/>
+          <a:spcPts val="375"/>
         </a:spcBef>
-        <a:buFont typeface="Arial" pitchFamily="34" charset="0"/>
+        <a:buFont typeface="Arial" panose="020B0604020202020204" pitchFamily="34" charset="0"/>
         <a:buChar char="•"/>
-        <a:defRPr sz="2000" kern="1200">
+        <a:defRPr sz="1350" kern="1200">
           <a:solidFill>
             <a:schemeClr val="tx1"/>
           </a:solidFill>
@@ -4214,13 +5724,16 @@
           <a:cs typeface="+mn-cs"/>
         </a:defRPr>
       </a:lvl6pPr>
-      <a:lvl7pPr marL="2971800" indent="-228600" algn="l" defTabSz="914400" rtl="0" eaLnBrk="1" latinLnBrk="0" hangingPunct="1">
+      <a:lvl7pPr marL="2228850" indent="-171450" algn="l" defTabSz="685800" rtl="0" eaLnBrk="1" latinLnBrk="0" hangingPunct="1">
+        <a:lnSpc>
+          <a:spcPct val="90000"/>
+        </a:lnSpc>
         <a:spcBef>
-          <a:spcPct val="20000"/>
+          <a:spcPts val="375"/>
         </a:spcBef>
-        <a:buFont typeface="Arial" pitchFamily="34" charset="0"/>
+        <a:buFont typeface="Arial" panose="020B0604020202020204" pitchFamily="34" charset="0"/>
         <a:buChar char="•"/>
-        <a:defRPr sz="2000" kern="1200">
+        <a:defRPr sz="1350" kern="1200">
           <a:solidFill>
             <a:schemeClr val="tx1"/>
           </a:solidFill>
@@ -4229,13 +5742,16 @@
           <a:cs typeface="+mn-cs"/>
         </a:defRPr>
       </a:lvl7pPr>
-      <a:lvl8pPr marL="3429000" indent="-228600" algn="l" defTabSz="914400" rtl="0" eaLnBrk="1" latinLnBrk="0" hangingPunct="1">
+      <a:lvl8pPr marL="2571750" indent="-171450" algn="l" defTabSz="685800" rtl="0" eaLnBrk="1" latinLnBrk="0" hangingPunct="1">
+        <a:lnSpc>
+          <a:spcPct val="90000"/>
+        </a:lnSpc>
         <a:spcBef>
-          <a:spcPct val="20000"/>
+          <a:spcPts val="375"/>
         </a:spcBef>
-        <a:buFont typeface="Arial" pitchFamily="34" charset="0"/>
+        <a:buFont typeface="Arial" panose="020B0604020202020204" pitchFamily="34" charset="0"/>
         <a:buChar char="•"/>
-        <a:defRPr sz="2000" kern="1200">
+        <a:defRPr sz="1350" kern="1200">
           <a:solidFill>
             <a:schemeClr val="tx1"/>
           </a:solidFill>
@@ -4244,13 +5760,16 @@
           <a:cs typeface="+mn-cs"/>
         </a:defRPr>
       </a:lvl8pPr>
-      <a:lvl9pPr marL="3886200" indent="-228600" algn="l" defTabSz="914400" rtl="0" eaLnBrk="1" latinLnBrk="0" hangingPunct="1">
+      <a:lvl9pPr marL="2914650" indent="-171450" algn="l" defTabSz="685800" rtl="0" eaLnBrk="1" latinLnBrk="0" hangingPunct="1">
+        <a:lnSpc>
+          <a:spcPct val="90000"/>
+        </a:lnSpc>
         <a:spcBef>
-          <a:spcPct val="20000"/>
+          <a:spcPts val="375"/>
         </a:spcBef>
-        <a:buFont typeface="Arial" pitchFamily="34" charset="0"/>
+        <a:buFont typeface="Arial" panose="020B0604020202020204" pitchFamily="34" charset="0"/>
         <a:buChar char="•"/>
-        <a:defRPr sz="2000" kern="1200">
+        <a:defRPr sz="1350" kern="1200">
           <a:solidFill>
             <a:schemeClr val="tx1"/>
           </a:solidFill>
@@ -4262,10 +5781,10 @@
     </p:bodyStyle>
     <p:otherStyle>
       <a:defPPr>
-        <a:defRPr lang="nl-NL"/>
+        <a:defRPr lang="en-NL"/>
       </a:defPPr>
-      <a:lvl1pPr marL="0" algn="l" defTabSz="914400" rtl="0" eaLnBrk="1" latinLnBrk="0" hangingPunct="1">
-        <a:defRPr sz="1800" kern="1200">
+      <a:lvl1pPr marL="0" algn="l" defTabSz="685800" rtl="0" eaLnBrk="1" latinLnBrk="0" hangingPunct="1">
+        <a:defRPr sz="1350" kern="1200">
           <a:solidFill>
             <a:schemeClr val="tx1"/>
           </a:solidFill>
@@ -4274,8 +5793,8 @@
           <a:cs typeface="+mn-cs"/>
         </a:defRPr>
       </a:lvl1pPr>
-      <a:lvl2pPr marL="457200" algn="l" defTabSz="914400" rtl="0" eaLnBrk="1" latinLnBrk="0" hangingPunct="1">
-        <a:defRPr sz="1800" kern="1200">
+      <a:lvl2pPr marL="342900" algn="l" defTabSz="685800" rtl="0" eaLnBrk="1" latinLnBrk="0" hangingPunct="1">
+        <a:defRPr sz="1350" kern="1200">
           <a:solidFill>
             <a:schemeClr val="tx1"/>
           </a:solidFill>
@@ -4284,8 +5803,8 @@
           <a:cs typeface="+mn-cs"/>
         </a:defRPr>
       </a:lvl2pPr>
-      <a:lvl3pPr marL="914400" algn="l" defTabSz="914400" rtl="0" eaLnBrk="1" latinLnBrk="0" hangingPunct="1">
-        <a:defRPr sz="1800" kern="1200">
+      <a:lvl3pPr marL="685800" algn="l" defTabSz="685800" rtl="0" eaLnBrk="1" latinLnBrk="0" hangingPunct="1">
+        <a:defRPr sz="1350" kern="1200">
           <a:solidFill>
             <a:schemeClr val="tx1"/>
           </a:solidFill>
@@ -4294,8 +5813,8 @@
           <a:cs typeface="+mn-cs"/>
         </a:defRPr>
       </a:lvl3pPr>
-      <a:lvl4pPr marL="1371600" algn="l" defTabSz="914400" rtl="0" eaLnBrk="1" latinLnBrk="0" hangingPunct="1">
-        <a:defRPr sz="1800" kern="1200">
+      <a:lvl4pPr marL="1028700" algn="l" defTabSz="685800" rtl="0" eaLnBrk="1" latinLnBrk="0" hangingPunct="1">
+        <a:defRPr sz="1350" kern="1200">
           <a:solidFill>
             <a:schemeClr val="tx1"/>
           </a:solidFill>
@@ -4304,8 +5823,8 @@
           <a:cs typeface="+mn-cs"/>
         </a:defRPr>
       </a:lvl4pPr>
-      <a:lvl5pPr marL="1828800" algn="l" defTabSz="914400" rtl="0" eaLnBrk="1" latinLnBrk="0" hangingPunct="1">
-        <a:defRPr sz="1800" kern="1200">
+      <a:lvl5pPr marL="1371600" algn="l" defTabSz="685800" rtl="0" eaLnBrk="1" latinLnBrk="0" hangingPunct="1">
+        <a:defRPr sz="1350" kern="1200">
           <a:solidFill>
             <a:schemeClr val="tx1"/>
           </a:solidFill>
@@ -4314,8 +5833,8 @@
           <a:cs typeface="+mn-cs"/>
         </a:defRPr>
       </a:lvl5pPr>
-      <a:lvl6pPr marL="2286000" algn="l" defTabSz="914400" rtl="0" eaLnBrk="1" latinLnBrk="0" hangingPunct="1">
-        <a:defRPr sz="1800" kern="1200">
+      <a:lvl6pPr marL="1714500" algn="l" defTabSz="685800" rtl="0" eaLnBrk="1" latinLnBrk="0" hangingPunct="1">
+        <a:defRPr sz="1350" kern="1200">
           <a:solidFill>
             <a:schemeClr val="tx1"/>
           </a:solidFill>
@@ -4324,8 +5843,8 @@
           <a:cs typeface="+mn-cs"/>
         </a:defRPr>
       </a:lvl6pPr>
-      <a:lvl7pPr marL="2743200" algn="l" defTabSz="914400" rtl="0" eaLnBrk="1" latinLnBrk="0" hangingPunct="1">
-        <a:defRPr sz="1800" kern="1200">
+      <a:lvl7pPr marL="2057400" algn="l" defTabSz="685800" rtl="0" eaLnBrk="1" latinLnBrk="0" hangingPunct="1">
+        <a:defRPr sz="1350" kern="1200">
           <a:solidFill>
             <a:schemeClr val="tx1"/>
           </a:solidFill>
@@ -4334,8 +5853,8 @@
           <a:cs typeface="+mn-cs"/>
         </a:defRPr>
       </a:lvl7pPr>
-      <a:lvl8pPr marL="3200400" algn="l" defTabSz="914400" rtl="0" eaLnBrk="1" latinLnBrk="0" hangingPunct="1">
-        <a:defRPr sz="1800" kern="1200">
+      <a:lvl8pPr marL="2400300" algn="l" defTabSz="685800" rtl="0" eaLnBrk="1" latinLnBrk="0" hangingPunct="1">
+        <a:defRPr sz="1350" kern="1200">
           <a:solidFill>
             <a:schemeClr val="tx1"/>
           </a:solidFill>
@@ -4344,8 +5863,8 @@
           <a:cs typeface="+mn-cs"/>
         </a:defRPr>
       </a:lvl8pPr>
-      <a:lvl9pPr marL="3657600" algn="l" defTabSz="914400" rtl="0" eaLnBrk="1" latinLnBrk="0" hangingPunct="1">
-        <a:defRPr sz="1800" kern="1200">
+      <a:lvl9pPr marL="2743200" algn="l" defTabSz="685800" rtl="0" eaLnBrk="1" latinLnBrk="0" hangingPunct="1">
+        <a:defRPr sz="1350" kern="1200">
           <a:solidFill>
             <a:schemeClr val="tx1"/>
           </a:solidFill>
@@ -4591,224 +6110,42 @@
           </a:p>
         </p:txBody>
       </p:sp>
-      <p:sp>
-        <p:nvSpPr>
-          <p:cNvPr id="9" name="Subtitle 1">
-            <a:extLst>
-              <a:ext uri="{FF2B5EF4-FFF2-40B4-BE49-F238E27FC236}">
-                <a16:creationId xmlns:a16="http://schemas.microsoft.com/office/drawing/2014/main" id="{0297FED9-28CC-4C04-B82E-FF325375481C}"/>
-              </a:ext>
-            </a:extLst>
-          </p:cNvPr>
-          <p:cNvSpPr txBox="1">
-            <a:spLocks/>
-          </p:cNvSpPr>
+      <p:pic>
+        <p:nvPicPr>
+          <p:cNvPr id="7" name="Afbeelding 6">
+            <a:extLst>
+              <a:ext uri="{FF2B5EF4-FFF2-40B4-BE49-F238E27FC236}">
+                <a16:creationId xmlns:a16="http://schemas.microsoft.com/office/drawing/2014/main" id="{F7BFC80E-DE6C-4CE9-BC60-AB65EFDA34CE}"/>
+              </a:ext>
+            </a:extLst>
+          </p:cNvPr>
+          <p:cNvPicPr>
+            <a:picLocks noChangeAspect="1"/>
+          </p:cNvPicPr>
           <p:nvPr/>
-        </p:nvSpPr>
+        </p:nvPicPr>
+        <p:blipFill>
+          <a:blip r:embed="rId3" cstate="print">
+            <a:extLst>
+              <a:ext uri="{28A0092B-C50C-407E-A947-70E740481C1C}">
+                <a14:useLocalDpi xmlns:a14="http://schemas.microsoft.com/office/drawing/2010/main" val="0"/>
+              </a:ext>
+            </a:extLst>
+          </a:blip>
+          <a:stretch>
+            <a:fillRect/>
+          </a:stretch>
+        </p:blipFill>
         <p:spPr>
           <a:xfrm>
-            <a:off x="4283968" y="4955154"/>
-            <a:ext cx="3384376" cy="978205"/>
+            <a:off x="63116" y="3821930"/>
+            <a:ext cx="962744" cy="989148"/>
           </a:xfrm>
           <a:prstGeom prst="rect">
             <a:avLst/>
           </a:prstGeom>
         </p:spPr>
-        <p:txBody>
-          <a:bodyPr vert="horz" lIns="91440" tIns="45720" rIns="91440" bIns="45720" rtlCol="0" anchor="ctr">
-            <a:normAutofit/>
-          </a:bodyPr>
-          <a:lstStyle>
-            <a:lvl1pPr marL="0" indent="0" algn="l" defTabSz="914400" rtl="0" eaLnBrk="1" latinLnBrk="0" hangingPunct="1">
-              <a:lnSpc>
-                <a:spcPct val="150000"/>
-              </a:lnSpc>
-              <a:spcBef>
-                <a:spcPct val="20000"/>
-              </a:spcBef>
-              <a:buClr>
-                <a:srgbClr val="008080"/>
-              </a:buClr>
-              <a:buFont typeface="Syntax LT Std" pitchFamily="34" charset="0"/>
-              <a:buNone/>
-              <a:defRPr sz="2400" kern="1200">
-                <a:solidFill>
-                  <a:srgbClr val="008080"/>
-                </a:solidFill>
-                <a:latin typeface="Syntax LT Std" pitchFamily="34" charset="0"/>
-                <a:ea typeface="+mn-ea"/>
-                <a:cs typeface="+mn-cs"/>
-              </a:defRPr>
-            </a:lvl1pPr>
-            <a:lvl2pPr marL="457200" indent="0" algn="ctr" defTabSz="914400" rtl="0" eaLnBrk="1" latinLnBrk="0" hangingPunct="1">
-              <a:lnSpc>
-                <a:spcPct val="150000"/>
-              </a:lnSpc>
-              <a:spcBef>
-                <a:spcPct val="20000"/>
-              </a:spcBef>
-              <a:buClr>
-                <a:srgbClr val="008080"/>
-              </a:buClr>
-              <a:buFont typeface="Syntax LT Std" pitchFamily="34" charset="0"/>
-              <a:buNone/>
-              <a:defRPr sz="2400" kern="1200">
-                <a:solidFill>
-                  <a:schemeClr val="tx1">
-                    <a:tint val="75000"/>
-                  </a:schemeClr>
-                </a:solidFill>
-                <a:latin typeface="Syntax LT Std" pitchFamily="34" charset="0"/>
-                <a:ea typeface="+mn-ea"/>
-                <a:cs typeface="+mn-cs"/>
-              </a:defRPr>
-            </a:lvl2pPr>
-            <a:lvl3pPr marL="914400" indent="0" algn="ctr" defTabSz="914400" rtl="0" eaLnBrk="1" latinLnBrk="0" hangingPunct="1">
-              <a:lnSpc>
-                <a:spcPct val="150000"/>
-              </a:lnSpc>
-              <a:spcBef>
-                <a:spcPct val="20000"/>
-              </a:spcBef>
-              <a:buClr>
-                <a:srgbClr val="008080"/>
-              </a:buClr>
-              <a:buFont typeface="Syntax LT Std" pitchFamily="34" charset="0"/>
-              <a:buNone/>
-              <a:defRPr sz="2400" kern="1200">
-                <a:solidFill>
-                  <a:schemeClr val="tx1">
-                    <a:tint val="75000"/>
-                  </a:schemeClr>
-                </a:solidFill>
-                <a:latin typeface="Syntax LT Std" pitchFamily="34" charset="0"/>
-                <a:ea typeface="+mn-ea"/>
-                <a:cs typeface="+mn-cs"/>
-              </a:defRPr>
-            </a:lvl3pPr>
-            <a:lvl4pPr marL="1371600" indent="0" algn="ctr" defTabSz="914400" rtl="0" eaLnBrk="1" latinLnBrk="0" hangingPunct="1">
-              <a:lnSpc>
-                <a:spcPct val="150000"/>
-              </a:lnSpc>
-              <a:spcBef>
-                <a:spcPct val="20000"/>
-              </a:spcBef>
-              <a:buClr>
-                <a:srgbClr val="008080"/>
-              </a:buClr>
-              <a:buFont typeface="Syntax LT Std" pitchFamily="34" charset="0"/>
-              <a:buNone/>
-              <a:defRPr sz="2000" kern="1200">
-                <a:solidFill>
-                  <a:schemeClr val="tx1">
-                    <a:tint val="75000"/>
-                  </a:schemeClr>
-                </a:solidFill>
-                <a:latin typeface="Syntax LT Std" pitchFamily="34" charset="0"/>
-                <a:ea typeface="+mn-ea"/>
-                <a:cs typeface="+mn-cs"/>
-              </a:defRPr>
-            </a:lvl4pPr>
-            <a:lvl5pPr marL="1828800" indent="0" algn="ctr" defTabSz="914400" rtl="0" eaLnBrk="1" latinLnBrk="0" hangingPunct="1">
-              <a:lnSpc>
-                <a:spcPct val="150000"/>
-              </a:lnSpc>
-              <a:spcBef>
-                <a:spcPct val="20000"/>
-              </a:spcBef>
-              <a:buClr>
-                <a:srgbClr val="008080"/>
-              </a:buClr>
-              <a:buFont typeface="Syntax LT Std" pitchFamily="34" charset="0"/>
-              <a:buNone/>
-              <a:defRPr sz="2000" kern="1200">
-                <a:solidFill>
-                  <a:schemeClr val="tx1">
-                    <a:tint val="75000"/>
-                  </a:schemeClr>
-                </a:solidFill>
-                <a:latin typeface="Syntax LT Std" pitchFamily="34" charset="0"/>
-                <a:ea typeface="+mn-ea"/>
-                <a:cs typeface="+mn-cs"/>
-              </a:defRPr>
-            </a:lvl5pPr>
-            <a:lvl6pPr marL="2286000" indent="0" algn="ctr" defTabSz="914400" rtl="0" eaLnBrk="1" latinLnBrk="0" hangingPunct="1">
-              <a:spcBef>
-                <a:spcPct val="20000"/>
-              </a:spcBef>
-              <a:buFont typeface="Arial" pitchFamily="34" charset="0"/>
-              <a:buNone/>
-              <a:defRPr sz="2000" kern="1200">
-                <a:solidFill>
-                  <a:schemeClr val="tx1">
-                    <a:tint val="75000"/>
-                  </a:schemeClr>
-                </a:solidFill>
-                <a:latin typeface="+mn-lt"/>
-                <a:ea typeface="+mn-ea"/>
-                <a:cs typeface="+mn-cs"/>
-              </a:defRPr>
-            </a:lvl6pPr>
-            <a:lvl7pPr marL="2743200" indent="0" algn="ctr" defTabSz="914400" rtl="0" eaLnBrk="1" latinLnBrk="0" hangingPunct="1">
-              <a:spcBef>
-                <a:spcPct val="20000"/>
-              </a:spcBef>
-              <a:buFont typeface="Arial" pitchFamily="34" charset="0"/>
-              <a:buNone/>
-              <a:defRPr sz="2000" kern="1200">
-                <a:solidFill>
-                  <a:schemeClr val="tx1">
-                    <a:tint val="75000"/>
-                  </a:schemeClr>
-                </a:solidFill>
-                <a:latin typeface="+mn-lt"/>
-                <a:ea typeface="+mn-ea"/>
-                <a:cs typeface="+mn-cs"/>
-              </a:defRPr>
-            </a:lvl7pPr>
-            <a:lvl8pPr marL="3200400" indent="0" algn="ctr" defTabSz="914400" rtl="0" eaLnBrk="1" latinLnBrk="0" hangingPunct="1">
-              <a:spcBef>
-                <a:spcPct val="20000"/>
-              </a:spcBef>
-              <a:buFont typeface="Arial" pitchFamily="34" charset="0"/>
-              <a:buNone/>
-              <a:defRPr sz="2000" kern="1200">
-                <a:solidFill>
-                  <a:schemeClr val="tx1">
-                    <a:tint val="75000"/>
-                  </a:schemeClr>
-                </a:solidFill>
-                <a:latin typeface="+mn-lt"/>
-                <a:ea typeface="+mn-ea"/>
-                <a:cs typeface="+mn-cs"/>
-              </a:defRPr>
-            </a:lvl8pPr>
-            <a:lvl9pPr marL="3657600" indent="0" algn="ctr" defTabSz="914400" rtl="0" eaLnBrk="1" latinLnBrk="0" hangingPunct="1">
-              <a:spcBef>
-                <a:spcPct val="20000"/>
-              </a:spcBef>
-              <a:buFont typeface="Arial" pitchFamily="34" charset="0"/>
-              <a:buNone/>
-              <a:defRPr sz="2000" kern="1200">
-                <a:solidFill>
-                  <a:schemeClr val="tx1">
-                    <a:tint val="75000"/>
-                  </a:schemeClr>
-                </a:solidFill>
-                <a:latin typeface="+mn-lt"/>
-                <a:ea typeface="+mn-ea"/>
-                <a:cs typeface="+mn-cs"/>
-              </a:defRPr>
-            </a:lvl9pPr>
-          </a:lstStyle>
-          <a:p>
-            <a:r>
-              <a:rPr lang="nl-NL" dirty="0"/>
-              <a:t>[ons teamlogo]</a:t>
-            </a:r>
-          </a:p>
-        </p:txBody>
-      </p:sp>
+      </p:pic>
     </p:spTree>
     <p:extLst>
       <p:ext uri="{BB962C8B-B14F-4D97-AF65-F5344CB8AC3E}">
@@ -4867,11 +6204,41 @@
                   <a:srgbClr val="008080"/>
                 </a:solidFill>
               </a:rPr>
-              <a:t>Kosten</a:t>
-            </a:r>
-          </a:p>
-        </p:txBody>
-      </p:sp>
+              <a:t>Financieel voordeel</a:t>
+            </a:r>
+          </a:p>
+        </p:txBody>
+      </p:sp>
+      <p:pic>
+        <p:nvPicPr>
+          <p:cNvPr id="2" name="Afbeelding 1">
+            <a:extLst>
+              <a:ext uri="{FF2B5EF4-FFF2-40B4-BE49-F238E27FC236}">
+                <a16:creationId xmlns:a16="http://schemas.microsoft.com/office/drawing/2014/main" id="{FB433DB3-BAF0-4DB5-92E4-902F84079319}"/>
+              </a:ext>
+            </a:extLst>
+          </p:cNvPr>
+          <p:cNvPicPr>
+            <a:picLocks noChangeAspect="1"/>
+          </p:cNvPicPr>
+          <p:nvPr/>
+        </p:nvPicPr>
+        <p:blipFill>
+          <a:blip r:embed="rId3"/>
+          <a:stretch>
+            <a:fillRect/>
+          </a:stretch>
+        </p:blipFill>
+        <p:spPr>
+          <a:xfrm>
+            <a:off x="539551" y="1196752"/>
+            <a:ext cx="5620599" cy="5112568"/>
+          </a:xfrm>
+          <a:prstGeom prst="rect">
+            <a:avLst/>
+          </a:prstGeom>
+        </p:spPr>
+      </p:pic>
     </p:spTree>
     <p:extLst>
       <p:ext uri="{BB962C8B-B14F-4D97-AF65-F5344CB8AC3E}">
@@ -4904,6 +6271,35 @@
       </p:grpSpPr>
       <p:sp>
         <p:nvSpPr>
+          <p:cNvPr id="3" name="Title 2">
+            <a:extLst>
+              <a:ext uri="{FF2B5EF4-FFF2-40B4-BE49-F238E27FC236}">
+                <a16:creationId xmlns:a16="http://schemas.microsoft.com/office/drawing/2014/main" id="{AA6F1265-B388-4F8A-9663-C5B26918A1C3}"/>
+              </a:ext>
+            </a:extLst>
+          </p:cNvPr>
+          <p:cNvSpPr>
+            <a:spLocks noGrp="1"/>
+          </p:cNvSpPr>
+          <p:nvPr>
+            <p:ph type="title"/>
+          </p:nvPr>
+        </p:nvSpPr>
+        <p:spPr/>
+        <p:txBody>
+          <a:bodyPr/>
+          <a:lstStyle/>
+          <a:p>
+            <a:r>
+              <a:rPr lang="en-US" dirty="0"/>
+              <a:t>Effecten op EVI</a:t>
+            </a:r>
+            <a:endParaRPr lang="nl-NL" dirty="0"/>
+          </a:p>
+        </p:txBody>
+      </p:sp>
+      <p:sp>
+        <p:nvSpPr>
           <p:cNvPr id="2" name="Content Placeholder 1">
             <a:extLst>
               <a:ext uri="{FF2B5EF4-FFF2-40B4-BE49-F238E27FC236}">
@@ -4968,7 +6364,7 @@
             </a:pPr>
             <a:r>
               <a:rPr lang="en-US" dirty="0"/>
-              <a:t>+ 0.679 </a:t>
+              <a:t>+ 679 </a:t>
             </a:r>
             <a:r>
               <a:rPr lang="en-US" dirty="0" err="1"/>
@@ -4990,37 +6386,8 @@
             </a:pPr>
             <a:r>
               <a:rPr lang="nl-NL" dirty="0"/>
-              <a:t>[nog nader te bepalen]</a:t>
-            </a:r>
-          </a:p>
-        </p:txBody>
-      </p:sp>
-      <p:sp>
-        <p:nvSpPr>
-          <p:cNvPr id="3" name="Title 2">
-            <a:extLst>
-              <a:ext uri="{FF2B5EF4-FFF2-40B4-BE49-F238E27FC236}">
-                <a16:creationId xmlns:a16="http://schemas.microsoft.com/office/drawing/2014/main" id="{AA6F1265-B388-4F8A-9663-C5B26918A1C3}"/>
-              </a:ext>
-            </a:extLst>
-          </p:cNvPr>
-          <p:cNvSpPr>
-            <a:spLocks noGrp="1"/>
-          </p:cNvSpPr>
-          <p:nvPr>
-            <p:ph type="title"/>
-          </p:nvPr>
-        </p:nvSpPr>
-        <p:spPr/>
-        <p:txBody>
-          <a:bodyPr/>
-          <a:lstStyle/>
-          <a:p>
-            <a:r>
-              <a:rPr lang="en-US" dirty="0"/>
-              <a:t>Effecten op EVI</a:t>
-            </a:r>
-            <a:endParaRPr lang="nl-NL" dirty="0"/>
+              <a:t>Verschilt per wijk</a:t>
+            </a:r>
           </a:p>
         </p:txBody>
       </p:sp>
@@ -5238,151 +6605,6 @@
                   <a:srgbClr val="008080"/>
                 </a:solidFill>
               </a:rPr>
-              <a:t>Van EVI naar % groen</a:t>
-            </a:r>
-          </a:p>
-        </p:txBody>
-      </p:sp>
-      <p:pic>
-        <p:nvPicPr>
-          <p:cNvPr id="2" name="Picture 1">
-            <a:extLst>
-              <a:ext uri="{FF2B5EF4-FFF2-40B4-BE49-F238E27FC236}">
-                <a16:creationId xmlns:a16="http://schemas.microsoft.com/office/drawing/2014/main" id="{422D994D-BB62-4486-84C7-F30321F48B1B}"/>
-              </a:ext>
-            </a:extLst>
-          </p:cNvPr>
-          <p:cNvPicPr>
-            <a:picLocks noChangeAspect="1"/>
-          </p:cNvPicPr>
-          <p:nvPr/>
-        </p:nvPicPr>
-        <p:blipFill>
-          <a:blip r:embed="rId3"/>
-          <a:stretch>
-            <a:fillRect/>
-          </a:stretch>
-        </p:blipFill>
-        <p:spPr>
-          <a:xfrm>
-            <a:off x="457200" y="1192817"/>
-            <a:ext cx="6168952" cy="5661248"/>
-          </a:xfrm>
-          <a:prstGeom prst="rect">
-            <a:avLst/>
-          </a:prstGeom>
-        </p:spPr>
-      </p:pic>
-      <p:sp>
-        <p:nvSpPr>
-          <p:cNvPr id="6" name="TextBox 5">
-            <a:extLst>
-              <a:ext uri="{FF2B5EF4-FFF2-40B4-BE49-F238E27FC236}">
-                <a16:creationId xmlns:a16="http://schemas.microsoft.com/office/drawing/2014/main" id="{D6A9AE85-3D88-467B-BBB1-3C42BE3D1161}"/>
-              </a:ext>
-            </a:extLst>
-          </p:cNvPr>
-          <p:cNvSpPr txBox="1"/>
-          <p:nvPr/>
-        </p:nvSpPr>
-        <p:spPr>
-          <a:xfrm>
-            <a:off x="6228184" y="2492896"/>
-            <a:ext cx="2592288" cy="369332"/>
-          </a:xfrm>
-          <a:prstGeom prst="rect">
-            <a:avLst/>
-          </a:prstGeom>
-          <a:noFill/>
-        </p:spPr>
-        <p:txBody>
-          <a:bodyPr wrap="square" rtlCol="0">
-            <a:spAutoFit/>
-          </a:bodyPr>
-          <a:lstStyle/>
-          <a:p>
-            <a:r>
-              <a:rPr lang="en-US" dirty="0"/>
-              <a:t>[</a:t>
-            </a:r>
-            <a:r>
-              <a:rPr lang="en-US" dirty="0" err="1"/>
-              <a:t>stuk</a:t>
-            </a:r>
-            <a:r>
-              <a:rPr lang="en-US" dirty="0"/>
-              <a:t> </a:t>
-            </a:r>
-            <a:r>
-              <a:rPr lang="en-US" dirty="0" err="1"/>
-              <a:t>uitleg</a:t>
-            </a:r>
-            <a:r>
-              <a:rPr lang="en-US" dirty="0"/>
-              <a:t>]</a:t>
-            </a:r>
-            <a:endParaRPr lang="nl-NL" dirty="0"/>
-          </a:p>
-        </p:txBody>
-      </p:sp>
-    </p:spTree>
-    <p:extLst>
-      <p:ext uri="{BB962C8B-B14F-4D97-AF65-F5344CB8AC3E}">
-        <p14:creationId xmlns:p14="http://schemas.microsoft.com/office/powerpoint/2010/main" val="3098917675"/>
-      </p:ext>
-    </p:extLst>
-  </p:cSld>
-  <p:clrMapOvr>
-    <a:masterClrMapping/>
-  </p:clrMapOvr>
-</p:sld>
-</file>
-
-<file path=ppt/slides/slide13.xml><?xml version="1.0" encoding="utf-8"?>
-<p:sld xmlns:a="http://schemas.openxmlformats.org/drawingml/2006/main" xmlns:r="http://schemas.openxmlformats.org/officeDocument/2006/relationships" xmlns:p="http://schemas.openxmlformats.org/presentationml/2006/main">
-  <p:cSld>
-    <p:spTree>
-      <p:nvGrpSpPr>
-        <p:cNvPr id="1" name=""/>
-        <p:cNvGrpSpPr/>
-        <p:nvPr/>
-      </p:nvGrpSpPr>
-      <p:grpSpPr>
-        <a:xfrm>
-          <a:off x="0" y="0"/>
-          <a:ext cx="0" cy="0"/>
-          <a:chOff x="0" y="0"/>
-          <a:chExt cx="0" cy="0"/>
-        </a:xfrm>
-      </p:grpSpPr>
-      <p:sp>
-        <p:nvSpPr>
-          <p:cNvPr id="3" name="Title 2"/>
-          <p:cNvSpPr>
-            <a:spLocks noGrp="1"/>
-          </p:cNvSpPr>
-          <p:nvPr>
-            <p:ph type="title"/>
-          </p:nvPr>
-        </p:nvSpPr>
-        <p:spPr>
-          <a:xfrm>
-            <a:off x="943868" y="260648"/>
-            <a:ext cx="7742932" cy="1143000"/>
-          </a:xfrm>
-        </p:spPr>
-        <p:txBody>
-          <a:bodyPr>
-            <a:noAutofit/>
-          </a:bodyPr>
-          <a:lstStyle/>
-          <a:p>
-            <a:r>
-              <a:rPr lang="nl-NL" dirty="0">
-                <a:solidFill>
-                  <a:srgbClr val="008080"/>
-                </a:solidFill>
-              </a:rPr>
               <a:t>Het dashboard</a:t>
             </a:r>
           </a:p>
@@ -5473,6 +6695,145 @@
 </p:sld>
 </file>
 
+<file path=ppt/slides/slide13.xml><?xml version="1.0" encoding="utf-8"?>
+<p:sld xmlns:a="http://schemas.openxmlformats.org/drawingml/2006/main" xmlns:r="http://schemas.openxmlformats.org/officeDocument/2006/relationships" xmlns:p="http://schemas.openxmlformats.org/presentationml/2006/main">
+  <p:cSld>
+    <p:spTree>
+      <p:nvGrpSpPr>
+        <p:cNvPr id="1" name=""/>
+        <p:cNvGrpSpPr/>
+        <p:nvPr/>
+      </p:nvGrpSpPr>
+      <p:grpSpPr>
+        <a:xfrm>
+          <a:off x="0" y="0"/>
+          <a:ext cx="0" cy="0"/>
+          <a:chOff x="0" y="0"/>
+          <a:chExt cx="0" cy="0"/>
+        </a:xfrm>
+      </p:grpSpPr>
+      <p:sp>
+        <p:nvSpPr>
+          <p:cNvPr id="3" name="Title 2"/>
+          <p:cNvSpPr>
+            <a:spLocks noGrp="1"/>
+          </p:cNvSpPr>
+          <p:nvPr>
+            <p:ph type="title"/>
+          </p:nvPr>
+        </p:nvSpPr>
+        <p:spPr>
+          <a:xfrm>
+            <a:off x="943868" y="260648"/>
+            <a:ext cx="7742932" cy="1143000"/>
+          </a:xfrm>
+        </p:spPr>
+        <p:txBody>
+          <a:bodyPr>
+            <a:noAutofit/>
+          </a:bodyPr>
+          <a:lstStyle/>
+          <a:p>
+            <a:r>
+              <a:rPr lang="nl-NL" dirty="0">
+                <a:solidFill>
+                  <a:srgbClr val="008080"/>
+                </a:solidFill>
+              </a:rPr>
+              <a:t>Vervolg</a:t>
+            </a:r>
+          </a:p>
+        </p:txBody>
+      </p:sp>
+      <p:sp>
+        <p:nvSpPr>
+          <p:cNvPr id="6" name="TextBox 5">
+            <a:extLst>
+              <a:ext uri="{FF2B5EF4-FFF2-40B4-BE49-F238E27FC236}">
+                <a16:creationId xmlns:a16="http://schemas.microsoft.com/office/drawing/2014/main" id="{D6A9AE85-3D88-467B-BBB1-3C42BE3D1161}"/>
+              </a:ext>
+            </a:extLst>
+          </p:cNvPr>
+          <p:cNvSpPr txBox="1"/>
+          <p:nvPr/>
+        </p:nvSpPr>
+        <p:spPr>
+          <a:xfrm>
+            <a:off x="611560" y="1412836"/>
+            <a:ext cx="5688632" cy="369332"/>
+          </a:xfrm>
+          <a:prstGeom prst="rect">
+            <a:avLst/>
+          </a:prstGeom>
+          <a:noFill/>
+        </p:spPr>
+        <p:txBody>
+          <a:bodyPr wrap="square" rtlCol="0">
+            <a:spAutoFit/>
+          </a:bodyPr>
+          <a:lstStyle/>
+          <a:p>
+            <a:r>
+              <a:rPr lang="en-US" dirty="0"/>
+              <a:t>[</a:t>
+            </a:r>
+            <a:r>
+              <a:rPr lang="en-US" dirty="0" err="1"/>
+              <a:t>goed</a:t>
+            </a:r>
+            <a:r>
+              <a:rPr lang="en-US" dirty="0"/>
+              <a:t> om </a:t>
+            </a:r>
+            <a:r>
+              <a:rPr lang="en-US" dirty="0" err="1"/>
+              <a:t>na</a:t>
+            </a:r>
+            <a:r>
+              <a:rPr lang="en-US" dirty="0"/>
+              <a:t> </a:t>
+            </a:r>
+            <a:r>
+              <a:rPr lang="en-US" dirty="0" err="1"/>
+              <a:t>te</a:t>
+            </a:r>
+            <a:r>
+              <a:rPr lang="en-US" dirty="0"/>
+              <a:t> </a:t>
+            </a:r>
+            <a:r>
+              <a:rPr lang="en-US" dirty="0" err="1"/>
+              <a:t>denken</a:t>
+            </a:r>
+            <a:r>
+              <a:rPr lang="en-US" dirty="0"/>
+              <a:t> over de </a:t>
+            </a:r>
+            <a:r>
+              <a:rPr lang="en-US" dirty="0" err="1"/>
+              <a:t>vervolgstappen</a:t>
+            </a:r>
+            <a:r>
+              <a:rPr lang="en-US" dirty="0"/>
+              <a:t>]</a:t>
+            </a:r>
+            <a:endParaRPr lang="nl-NL" dirty="0"/>
+          </a:p>
+        </p:txBody>
+      </p:sp>
+    </p:spTree>
+    <p:extLst>
+      <p:ext uri="{BB962C8B-B14F-4D97-AF65-F5344CB8AC3E}">
+        <p14:creationId xmlns:p14="http://schemas.microsoft.com/office/powerpoint/2010/main" val="3783038711"/>
+      </p:ext>
+    </p:extLst>
+  </p:cSld>
+  <p:clrMapOvr>
+    <a:masterClrMapping/>
+  </p:clrMapOvr>
+</p:sld>
+</file>
+
 <file path=ppt/slides/slide14.xml><?xml version="1.0" encoding="utf-8"?>
 <p:sld xmlns:a="http://schemas.openxmlformats.org/drawingml/2006/main" xmlns:r="http://schemas.openxmlformats.org/officeDocument/2006/relationships" xmlns:p="http://schemas.openxmlformats.org/presentationml/2006/main">
   <p:cSld>
@@ -5500,236 +6861,6 @@
             <p:ph type="title"/>
           </p:nvPr>
         </p:nvSpPr>
-        <p:spPr>
-          <a:xfrm>
-            <a:off x="943868" y="260648"/>
-            <a:ext cx="7742932" cy="1143000"/>
-          </a:xfrm>
-        </p:spPr>
-        <p:txBody>
-          <a:bodyPr>
-            <a:noAutofit/>
-          </a:bodyPr>
-          <a:lstStyle/>
-          <a:p>
-            <a:r>
-              <a:rPr lang="nl-NL" dirty="0">
-                <a:solidFill>
-                  <a:srgbClr val="008080"/>
-                </a:solidFill>
-              </a:rPr>
-              <a:t>Vervolg</a:t>
-            </a:r>
-          </a:p>
-        </p:txBody>
-      </p:sp>
-      <p:sp>
-        <p:nvSpPr>
-          <p:cNvPr id="6" name="TextBox 5">
-            <a:extLst>
-              <a:ext uri="{FF2B5EF4-FFF2-40B4-BE49-F238E27FC236}">
-                <a16:creationId xmlns:a16="http://schemas.microsoft.com/office/drawing/2014/main" id="{D6A9AE85-3D88-467B-BBB1-3C42BE3D1161}"/>
-              </a:ext>
-            </a:extLst>
-          </p:cNvPr>
-          <p:cNvSpPr txBox="1"/>
-          <p:nvPr/>
-        </p:nvSpPr>
-        <p:spPr>
-          <a:xfrm>
-            <a:off x="611560" y="1412836"/>
-            <a:ext cx="5688632" cy="369332"/>
-          </a:xfrm>
-          <a:prstGeom prst="rect">
-            <a:avLst/>
-          </a:prstGeom>
-          <a:noFill/>
-        </p:spPr>
-        <p:txBody>
-          <a:bodyPr wrap="square" rtlCol="0">
-            <a:spAutoFit/>
-          </a:bodyPr>
-          <a:lstStyle/>
-          <a:p>
-            <a:r>
-              <a:rPr lang="en-US" dirty="0"/>
-              <a:t>[</a:t>
-            </a:r>
-            <a:r>
-              <a:rPr lang="en-US" dirty="0" err="1"/>
-              <a:t>goed</a:t>
-            </a:r>
-            <a:r>
-              <a:rPr lang="en-US" dirty="0"/>
-              <a:t> om </a:t>
-            </a:r>
-            <a:r>
-              <a:rPr lang="en-US" dirty="0" err="1"/>
-              <a:t>na</a:t>
-            </a:r>
-            <a:r>
-              <a:rPr lang="en-US" dirty="0"/>
-              <a:t> </a:t>
-            </a:r>
-            <a:r>
-              <a:rPr lang="en-US" dirty="0" err="1"/>
-              <a:t>te</a:t>
-            </a:r>
-            <a:r>
-              <a:rPr lang="en-US" dirty="0"/>
-              <a:t> </a:t>
-            </a:r>
-            <a:r>
-              <a:rPr lang="en-US" dirty="0" err="1"/>
-              <a:t>denken</a:t>
-            </a:r>
-            <a:r>
-              <a:rPr lang="en-US" dirty="0"/>
-              <a:t> over de </a:t>
-            </a:r>
-            <a:r>
-              <a:rPr lang="en-US" dirty="0" err="1"/>
-              <a:t>vervolgstappen</a:t>
-            </a:r>
-            <a:r>
-              <a:rPr lang="en-US" dirty="0"/>
-              <a:t>]</a:t>
-            </a:r>
-            <a:endParaRPr lang="nl-NL" dirty="0"/>
-          </a:p>
-        </p:txBody>
-      </p:sp>
-    </p:spTree>
-    <p:extLst>
-      <p:ext uri="{BB962C8B-B14F-4D97-AF65-F5344CB8AC3E}">
-        <p14:creationId xmlns:p14="http://schemas.microsoft.com/office/powerpoint/2010/main" val="3783038711"/>
-      </p:ext>
-    </p:extLst>
-  </p:cSld>
-  <p:clrMapOvr>
-    <a:masterClrMapping/>
-  </p:clrMapOvr>
-</p:sld>
-</file>
-
-<file path=ppt/slides/slide15.xml><?xml version="1.0" encoding="utf-8"?>
-<p:sld xmlns:a="http://schemas.openxmlformats.org/drawingml/2006/main" xmlns:r="http://schemas.openxmlformats.org/officeDocument/2006/relationships" xmlns:p="http://schemas.openxmlformats.org/presentationml/2006/main">
-  <p:cSld>
-    <p:spTree>
-      <p:nvGrpSpPr>
-        <p:cNvPr id="1" name=""/>
-        <p:cNvGrpSpPr/>
-        <p:nvPr/>
-      </p:nvGrpSpPr>
-      <p:grpSpPr>
-        <a:xfrm>
-          <a:off x="0" y="0"/>
-          <a:ext cx="0" cy="0"/>
-          <a:chOff x="0" y="0"/>
-          <a:chExt cx="0" cy="0"/>
-        </a:xfrm>
-      </p:grpSpPr>
-      <p:sp>
-        <p:nvSpPr>
-          <p:cNvPr id="2" name="Content Placeholder 1"/>
-          <p:cNvSpPr>
-            <a:spLocks noGrp="1"/>
-          </p:cNvSpPr>
-          <p:nvPr>
-            <p:ph idx="1"/>
-          </p:nvPr>
-        </p:nvSpPr>
-        <p:spPr/>
-        <p:txBody>
-          <a:bodyPr/>
-          <a:lstStyle/>
-          <a:p>
-            <a:r>
-              <a:rPr lang="en-US" b="1" dirty="0" err="1"/>
-              <a:t>Ik</a:t>
-            </a:r>
-            <a:r>
-              <a:rPr lang="en-US" b="1" dirty="0"/>
-              <a:t> </a:t>
-            </a:r>
-            <a:r>
-              <a:rPr lang="en-US" b="1" dirty="0" err="1"/>
-              <a:t>ga</a:t>
-            </a:r>
-            <a:r>
-              <a:rPr lang="en-US" b="1" dirty="0"/>
-              <a:t> </a:t>
-            </a:r>
-            <a:r>
-              <a:rPr lang="en-US" b="1" dirty="0" err="1"/>
-              <a:t>snel</a:t>
-            </a:r>
-            <a:r>
-              <a:rPr lang="en-US" b="1" dirty="0"/>
-              <a:t> </a:t>
-            </a:r>
-            <a:r>
-              <a:rPr lang="en-US" b="1" dirty="0" err="1"/>
-              <a:t>mijn</a:t>
-            </a:r>
-            <a:r>
-              <a:rPr lang="en-US" b="1" dirty="0"/>
-              <a:t> </a:t>
-            </a:r>
-            <a:r>
-              <a:rPr lang="en-US" b="1" dirty="0" err="1"/>
-              <a:t>tuin</a:t>
-            </a:r>
-            <a:r>
-              <a:rPr lang="en-US" b="1" dirty="0"/>
-              <a:t> </a:t>
-            </a:r>
-            <a:r>
-              <a:rPr lang="en-US" b="1" dirty="0" err="1"/>
-              <a:t>vergroenen</a:t>
-            </a:r>
-            <a:r>
-              <a:rPr lang="en-US" b="1" dirty="0"/>
-              <a:t>, </a:t>
-            </a:r>
-            <a:r>
-              <a:rPr lang="en-US" b="1" dirty="0" err="1"/>
-              <a:t>wie</a:t>
-            </a:r>
-            <a:r>
-              <a:rPr lang="en-US" b="1" dirty="0"/>
-              <a:t> </a:t>
-            </a:r>
-            <a:r>
-              <a:rPr lang="en-US" b="1" dirty="0" err="1"/>
-              <a:t>doet</a:t>
-            </a:r>
-            <a:r>
-              <a:rPr lang="en-US" b="1" dirty="0"/>
-              <a:t> er met </a:t>
-            </a:r>
-            <a:r>
-              <a:rPr lang="en-US" b="1" dirty="0" err="1"/>
-              <a:t>ons</a:t>
-            </a:r>
-            <a:r>
-              <a:rPr lang="en-US" b="1" dirty="0"/>
-              <a:t> mee?</a:t>
-            </a:r>
-            <a:endParaRPr lang="nl-NL" b="1" dirty="0"/>
-          </a:p>
-        </p:txBody>
-      </p:sp>
-      <p:sp>
-        <p:nvSpPr>
-          <p:cNvPr id="3" name="Title 2"/>
-          <p:cNvSpPr>
-            <a:spLocks noGrp="1"/>
-          </p:cNvSpPr>
-          <p:nvPr>
-            <p:ph type="title"/>
-          </p:nvPr>
-        </p:nvSpPr>
         <p:spPr/>
         <p:txBody>
           <a:bodyPr/>
@@ -5748,6 +6879,97 @@
                 <a:srgbClr val="008080"/>
               </a:solidFill>
             </a:endParaRPr>
+          </a:p>
+        </p:txBody>
+      </p:sp>
+      <p:sp>
+        <p:nvSpPr>
+          <p:cNvPr id="2" name="Content Placeholder 1"/>
+          <p:cNvSpPr>
+            <a:spLocks noGrp="1"/>
+          </p:cNvSpPr>
+          <p:nvPr>
+            <p:ph idx="1"/>
+          </p:nvPr>
+        </p:nvSpPr>
+        <p:spPr/>
+        <p:txBody>
+          <a:bodyPr/>
+          <a:lstStyle/>
+          <a:p>
+            <a:r>
+              <a:rPr lang="en-US" b="1" dirty="0" err="1"/>
+              <a:t>Ik</a:t>
+            </a:r>
+            <a:r>
+              <a:rPr lang="en-US" b="1" dirty="0"/>
+              <a:t> </a:t>
+            </a:r>
+            <a:r>
+              <a:rPr lang="en-US" b="1" dirty="0" err="1"/>
+              <a:t>ga</a:t>
+            </a:r>
+            <a:r>
+              <a:rPr lang="en-US" b="1" dirty="0"/>
+              <a:t> </a:t>
+            </a:r>
+            <a:r>
+              <a:rPr lang="en-US" b="1" dirty="0" err="1"/>
+              <a:t>snel</a:t>
+            </a:r>
+            <a:r>
+              <a:rPr lang="en-US" b="1" dirty="0"/>
+              <a:t> </a:t>
+            </a:r>
+            <a:r>
+              <a:rPr lang="en-US" b="1" dirty="0" err="1"/>
+              <a:t>mijn</a:t>
+            </a:r>
+            <a:r>
+              <a:rPr lang="en-US" b="1" dirty="0"/>
+              <a:t> </a:t>
+            </a:r>
+            <a:r>
+              <a:rPr lang="en-US" b="1" dirty="0" err="1"/>
+              <a:t>tuin</a:t>
+            </a:r>
+            <a:r>
+              <a:rPr lang="en-US" b="1" dirty="0"/>
+              <a:t> </a:t>
+            </a:r>
+            <a:r>
+              <a:rPr lang="en-US" b="1" dirty="0" err="1"/>
+              <a:t>vergroenen</a:t>
+            </a:r>
+            <a:r>
+              <a:rPr lang="en-US" b="1" dirty="0"/>
+              <a:t>, </a:t>
+            </a:r>
+            <a:r>
+              <a:rPr lang="en-US" b="1" dirty="0" err="1"/>
+              <a:t>wie</a:t>
+            </a:r>
+            <a:r>
+              <a:rPr lang="en-US" b="1" dirty="0"/>
+              <a:t> </a:t>
+            </a:r>
+            <a:r>
+              <a:rPr lang="en-US" b="1" dirty="0" err="1"/>
+              <a:t>doet</a:t>
+            </a:r>
+            <a:r>
+              <a:rPr lang="en-US" b="1" dirty="0"/>
+              <a:t> er met </a:t>
+            </a:r>
+            <a:r>
+              <a:rPr lang="en-US" b="1" dirty="0" err="1"/>
+              <a:t>ons</a:t>
+            </a:r>
+            <a:r>
+              <a:rPr lang="en-US" b="1" dirty="0"/>
+              <a:t> mee?</a:t>
+            </a:r>
+            <a:endParaRPr lang="nl-NL" b="1" dirty="0"/>
           </a:p>
         </p:txBody>
       </p:sp>
@@ -5866,11 +7088,19 @@
             </a:r>
             <a:r>
               <a:rPr lang="en-US" b="1" dirty="0"/>
-              <a:t> van </a:t>
+              <a:t> van een </a:t>
             </a:r>
             <a:r>
               <a:rPr lang="en-US" b="1" dirty="0" err="1"/>
-              <a:t>een</a:t>
+              <a:t>perceel</a:t>
+            </a:r>
+            <a:r>
+              <a:rPr lang="en-US" b="1" dirty="0"/>
+              <a:t> een </a:t>
+            </a:r>
+            <a:r>
+              <a:rPr lang="en-US" b="1" dirty="0" err="1"/>
+              <a:t>bijdrage</a:t>
             </a:r>
             <a:r>
               <a:rPr lang="en-US" b="1" dirty="0"/>
@@ -5878,51 +7108,19 @@
             </a:r>
             <a:r>
               <a:rPr lang="en-US" b="1" dirty="0" err="1"/>
-              <a:t>perceel</a:t>
+              <a:t>levert</a:t>
             </a:r>
             <a:r>
               <a:rPr lang="en-US" b="1" dirty="0"/>
-              <a:t> </a:t>
+              <a:t> aan het </a:t>
             </a:r>
             <a:r>
               <a:rPr lang="en-US" b="1" dirty="0" err="1"/>
-              <a:t>een</a:t>
+              <a:t>verminderen</a:t>
             </a:r>
             <a:r>
               <a:rPr lang="en-US" b="1" dirty="0"/>
-              <a:t> </a:t>
-            </a:r>
-            <a:r>
-              <a:rPr lang="en-US" b="1" dirty="0" err="1"/>
-              <a:t>bijdrage</a:t>
-            </a:r>
-            <a:r>
-              <a:rPr lang="en-US" b="1" dirty="0"/>
-              <a:t> </a:t>
-            </a:r>
-            <a:r>
-              <a:rPr lang="en-US" b="1" dirty="0" err="1"/>
-              <a:t>levert</a:t>
-            </a:r>
-            <a:r>
-              <a:rPr lang="en-US" b="1" dirty="0"/>
-              <a:t> </a:t>
-            </a:r>
-            <a:r>
-              <a:rPr lang="en-US" b="1" dirty="0" err="1"/>
-              <a:t>aan</a:t>
-            </a:r>
-            <a:r>
-              <a:rPr lang="en-US" b="1" dirty="0"/>
-              <a:t> het </a:t>
-            </a:r>
-            <a:r>
-              <a:rPr lang="en-US" b="1" dirty="0" err="1"/>
-              <a:t>stoppen</a:t>
-            </a:r>
-            <a:r>
-              <a:rPr lang="en-US" b="1" dirty="0"/>
-              <a:t> van de </a:t>
+              <a:t> van </a:t>
             </a:r>
             <a:r>
               <a:rPr lang="en-US" b="1" dirty="0" err="1"/>
@@ -5930,15 +7128,7 @@
             </a:r>
             <a:r>
               <a:rPr lang="en-US" b="1" dirty="0"/>
-              <a:t> in </a:t>
-            </a:r>
-            <a:r>
-              <a:rPr lang="en-US" b="1" dirty="0" err="1"/>
-              <a:t>een</a:t>
-            </a:r>
-            <a:r>
-              <a:rPr lang="en-US" b="1" dirty="0"/>
-              <a:t> </a:t>
+              <a:t> in een </a:t>
             </a:r>
             <a:r>
               <a:rPr lang="en-US" b="1" dirty="0" err="1"/>
@@ -5995,161 +7185,12 @@
           <a:chExt cx="0" cy="0"/>
         </a:xfrm>
       </p:grpSpPr>
-      <p:sp>
-        <p:nvSpPr>
-          <p:cNvPr id="3" name="Title 2"/>
-          <p:cNvSpPr>
-            <a:spLocks noGrp="1"/>
-          </p:cNvSpPr>
-          <p:nvPr>
-            <p:ph type="title"/>
-          </p:nvPr>
-        </p:nvSpPr>
-        <p:spPr>
-          <a:xfrm>
-            <a:off x="943868" y="260648"/>
-            <a:ext cx="7742932" cy="1143000"/>
-          </a:xfrm>
-        </p:spPr>
-        <p:txBody>
-          <a:bodyPr>
-            <a:noAutofit/>
-          </a:bodyPr>
-          <a:lstStyle/>
-          <a:p>
-            <a:r>
-              <a:rPr lang="nl-NL" dirty="0">
-                <a:solidFill>
-                  <a:srgbClr val="008080"/>
-                </a:solidFill>
-              </a:rPr>
-              <a:t>Maar</a:t>
-            </a:r>
-          </a:p>
-        </p:txBody>
-      </p:sp>
-      <p:sp>
-        <p:nvSpPr>
-          <p:cNvPr id="6" name="Tijdelijke aanduiding voor inhoud 5">
-            <a:extLst>
-              <a:ext uri="{FF2B5EF4-FFF2-40B4-BE49-F238E27FC236}">
-                <a16:creationId xmlns:a16="http://schemas.microsoft.com/office/drawing/2014/main" id="{47ECA31C-37AA-4BFA-8052-C206A676F99D}"/>
-              </a:ext>
-            </a:extLst>
-          </p:cNvPr>
-          <p:cNvSpPr>
-            <a:spLocks noGrp="1"/>
-          </p:cNvSpPr>
-          <p:nvPr>
-            <p:ph idx="1"/>
-          </p:nvPr>
-        </p:nvSpPr>
-        <p:spPr>
-          <a:xfrm>
-            <a:off x="251360" y="1772816"/>
-            <a:ext cx="8229600" cy="4525963"/>
-          </a:xfrm>
-        </p:spPr>
-        <p:txBody>
-          <a:bodyPr>
-            <a:normAutofit/>
-          </a:bodyPr>
-          <a:lstStyle/>
-          <a:p>
-            <a:pPr marL="0" indent="0">
-              <a:buNone/>
-            </a:pPr>
-            <a:endParaRPr lang="en-US" dirty="0"/>
-          </a:p>
-          <a:p>
-            <a:pPr marL="0" indent="0">
-              <a:buNone/>
-            </a:pPr>
-            <a:endParaRPr lang="en-US" dirty="0"/>
-          </a:p>
-          <a:p>
-            <a:pPr marL="0" indent="0">
-              <a:buNone/>
-            </a:pPr>
-            <a:r>
-              <a:rPr lang="en-US" b="1" dirty="0"/>
-              <a:t>Maar, hoe </a:t>
-            </a:r>
-            <a:r>
-              <a:rPr lang="en-US" b="1" dirty="0" err="1"/>
-              <a:t>overtuigen</a:t>
-            </a:r>
-            <a:r>
-              <a:rPr lang="en-US" b="1" dirty="0"/>
-              <a:t> we </a:t>
-            </a:r>
-            <a:r>
-              <a:rPr lang="en-US" b="1" dirty="0" err="1"/>
-              <a:t>gemeentes</a:t>
-            </a:r>
-            <a:r>
-              <a:rPr lang="en-US" b="1" dirty="0"/>
-              <a:t> / burgers </a:t>
-            </a:r>
-          </a:p>
-          <a:p>
-            <a:pPr marL="0" indent="0">
-              <a:buNone/>
-            </a:pPr>
-            <a:r>
-              <a:rPr lang="en-US" b="1" dirty="0"/>
-              <a:t>om </a:t>
-            </a:r>
-            <a:r>
-              <a:rPr lang="en-US" b="1" dirty="0" err="1"/>
-              <a:t>ook</a:t>
-            </a:r>
-            <a:r>
-              <a:rPr lang="en-US" b="1" dirty="0"/>
-              <a:t> </a:t>
-            </a:r>
-            <a:r>
-              <a:rPr lang="en-US" b="1" dirty="0" err="1"/>
-              <a:t>daadwerkelijk</a:t>
-            </a:r>
-            <a:r>
-              <a:rPr lang="en-US" b="1" dirty="0"/>
-              <a:t> </a:t>
-            </a:r>
-            <a:r>
-              <a:rPr lang="en-US" b="1" dirty="0" err="1"/>
-              <a:t>te</a:t>
-            </a:r>
-            <a:r>
-              <a:rPr lang="en-US" b="1" dirty="0"/>
-              <a:t> </a:t>
-            </a:r>
-            <a:r>
-              <a:rPr lang="en-US" b="1" dirty="0" err="1"/>
-              <a:t>gaan</a:t>
-            </a:r>
-            <a:r>
-              <a:rPr lang="en-US" b="1" dirty="0"/>
-              <a:t> </a:t>
-            </a:r>
-            <a:r>
-              <a:rPr lang="en-US" b="1" dirty="0" err="1"/>
-              <a:t>vergroenen</a:t>
-            </a:r>
-            <a:r>
-              <a:rPr lang="en-US" b="1" dirty="0"/>
-              <a:t>?</a:t>
-            </a:r>
-            <a:endParaRPr lang="nl-NL" b="1" dirty="0"/>
-          </a:p>
-        </p:txBody>
-      </p:sp>
       <p:pic>
         <p:nvPicPr>
-          <p:cNvPr id="2" name="Picture 1">
-            <a:extLst>
-              <a:ext uri="{FF2B5EF4-FFF2-40B4-BE49-F238E27FC236}">
-                <a16:creationId xmlns:a16="http://schemas.microsoft.com/office/drawing/2014/main" id="{9BD7719E-C6A0-40B4-9F12-FAB11A28711A}"/>
+          <p:cNvPr id="7" name="Picture 6">
+            <a:extLst>
+              <a:ext uri="{FF2B5EF4-FFF2-40B4-BE49-F238E27FC236}">
+                <a16:creationId xmlns:a16="http://schemas.microsoft.com/office/drawing/2014/main" id="{EF314595-C066-44BE-93E8-F674B57A9E5E}"/>
               </a:ext>
             </a:extLst>
           </p:cNvPr>
@@ -6160,6 +7201,185 @@
         </p:nvPicPr>
         <p:blipFill>
           <a:blip r:embed="rId3"/>
+          <a:stretch>
+            <a:fillRect/>
+          </a:stretch>
+        </p:blipFill>
+        <p:spPr>
+          <a:xfrm>
+            <a:off x="5270266" y="137728"/>
+            <a:ext cx="3708709" cy="2924944"/>
+          </a:xfrm>
+          <a:prstGeom prst="rect">
+            <a:avLst/>
+          </a:prstGeom>
+        </p:spPr>
+      </p:pic>
+      <p:sp>
+        <p:nvSpPr>
+          <p:cNvPr id="3" name="Title 2"/>
+          <p:cNvSpPr>
+            <a:spLocks noGrp="1"/>
+          </p:cNvSpPr>
+          <p:nvPr>
+            <p:ph type="title"/>
+          </p:nvPr>
+        </p:nvSpPr>
+        <p:spPr>
+          <a:xfrm>
+            <a:off x="943868" y="260648"/>
+            <a:ext cx="7742932" cy="1143000"/>
+          </a:xfrm>
+        </p:spPr>
+        <p:txBody>
+          <a:bodyPr>
+            <a:noAutofit/>
+          </a:bodyPr>
+          <a:lstStyle/>
+          <a:p>
+            <a:r>
+              <a:rPr lang="nl-NL" dirty="0">
+                <a:solidFill>
+                  <a:srgbClr val="008080"/>
+                </a:solidFill>
+              </a:rPr>
+              <a:t>Maar</a:t>
+            </a:r>
+          </a:p>
+        </p:txBody>
+      </p:sp>
+      <p:sp>
+        <p:nvSpPr>
+          <p:cNvPr id="6" name="Tijdelijke aanduiding voor inhoud 5">
+            <a:extLst>
+              <a:ext uri="{FF2B5EF4-FFF2-40B4-BE49-F238E27FC236}">
+                <a16:creationId xmlns:a16="http://schemas.microsoft.com/office/drawing/2014/main" id="{47ECA31C-37AA-4BFA-8052-C206A676F99D}"/>
+              </a:ext>
+            </a:extLst>
+          </p:cNvPr>
+          <p:cNvSpPr>
+            <a:spLocks noGrp="1"/>
+          </p:cNvSpPr>
+          <p:nvPr>
+            <p:ph idx="1"/>
+          </p:nvPr>
+        </p:nvSpPr>
+        <p:spPr>
+          <a:xfrm>
+            <a:off x="251360" y="1772816"/>
+            <a:ext cx="8229600" cy="4525963"/>
+          </a:xfrm>
+        </p:spPr>
+        <p:txBody>
+          <a:bodyPr>
+            <a:normAutofit/>
+          </a:bodyPr>
+          <a:lstStyle/>
+          <a:p>
+            <a:pPr marL="0" indent="0">
+              <a:buNone/>
+            </a:pPr>
+            <a:endParaRPr lang="en-US" dirty="0"/>
+          </a:p>
+          <a:p>
+            <a:pPr marL="0" indent="0">
+              <a:buNone/>
+            </a:pPr>
+            <a:endParaRPr lang="en-US" dirty="0"/>
+          </a:p>
+          <a:p>
+            <a:pPr marL="0" indent="0">
+              <a:buNone/>
+            </a:pPr>
+            <a:r>
+              <a:rPr lang="en-US" b="1" dirty="0"/>
+              <a:t>Maar, hoe </a:t>
+            </a:r>
+            <a:r>
+              <a:rPr lang="en-US" b="1" dirty="0" err="1"/>
+              <a:t>overtuigen</a:t>
+            </a:r>
+            <a:r>
+              <a:rPr lang="en-US" b="1" dirty="0"/>
+              <a:t> we </a:t>
+            </a:r>
+            <a:r>
+              <a:rPr lang="en-US" b="1" dirty="0" err="1"/>
+              <a:t>gemeentes</a:t>
+            </a:r>
+            <a:r>
+              <a:rPr lang="en-US" b="1" dirty="0"/>
+              <a:t> / burgers </a:t>
+            </a:r>
+          </a:p>
+          <a:p>
+            <a:pPr marL="0" indent="0">
+              <a:buNone/>
+            </a:pPr>
+            <a:r>
+              <a:rPr lang="en-US" b="1" dirty="0"/>
+              <a:t>om </a:t>
+            </a:r>
+            <a:r>
+              <a:rPr lang="en-US" b="1" dirty="0" err="1"/>
+              <a:t>ook</a:t>
+            </a:r>
+            <a:r>
+              <a:rPr lang="en-US" b="1" dirty="0"/>
+              <a:t> </a:t>
+            </a:r>
+            <a:r>
+              <a:rPr lang="en-US" b="1" dirty="0" err="1"/>
+              <a:t>daadwerkelijk</a:t>
+            </a:r>
+            <a:r>
+              <a:rPr lang="en-US" b="1" dirty="0"/>
+              <a:t> </a:t>
+            </a:r>
+            <a:r>
+              <a:rPr lang="en-US" b="1" dirty="0" err="1"/>
+              <a:t>te</a:t>
+            </a:r>
+            <a:r>
+              <a:rPr lang="en-US" b="1" dirty="0"/>
+              <a:t> </a:t>
+            </a:r>
+            <a:r>
+              <a:rPr lang="en-US" b="1" dirty="0" err="1"/>
+              <a:t>gaan</a:t>
+            </a:r>
+            <a:r>
+              <a:rPr lang="en-US" b="1" dirty="0"/>
+              <a:t> </a:t>
+            </a:r>
+            <a:r>
+              <a:rPr lang="en-US" b="1" dirty="0" err="1"/>
+              <a:t>vergroenen</a:t>
+            </a:r>
+            <a:r>
+              <a:rPr lang="en-US" b="1" dirty="0"/>
+              <a:t>?</a:t>
+            </a:r>
+            <a:endParaRPr lang="nl-NL" b="1" dirty="0"/>
+          </a:p>
+        </p:txBody>
+      </p:sp>
+      <p:pic>
+        <p:nvPicPr>
+          <p:cNvPr id="2" name="Picture 1">
+            <a:extLst>
+              <a:ext uri="{FF2B5EF4-FFF2-40B4-BE49-F238E27FC236}">
+                <a16:creationId xmlns:a16="http://schemas.microsoft.com/office/drawing/2014/main" id="{9BD7719E-C6A0-40B4-9F12-FAB11A28711A}"/>
+              </a:ext>
+            </a:extLst>
+          </p:cNvPr>
+          <p:cNvPicPr>
+            <a:picLocks noChangeAspect="1"/>
+          </p:cNvPicPr>
+          <p:nvPr/>
+        </p:nvPicPr>
+        <p:blipFill>
+          <a:blip r:embed="rId4"/>
           <a:stretch>
             <a:fillRect/>
           </a:stretch>
@@ -6189,7 +7409,7 @@
           <p:nvPr/>
         </p:nvPicPr>
         <p:blipFill>
-          <a:blip r:embed="rId4"/>
+          <a:blip r:embed="rId5"/>
           <a:stretch>
             <a:fillRect/>
           </a:stretch>
@@ -6219,7 +7439,7 @@
           <p:nvPr/>
         </p:nvPicPr>
         <p:blipFill>
-          <a:blip r:embed="rId5"/>
+          <a:blip r:embed="rId6"/>
           <a:stretch>
             <a:fillRect/>
           </a:stretch>
@@ -6228,36 +7448,6 @@
           <a:xfrm>
             <a:off x="323528" y="4941168"/>
             <a:ext cx="3195988" cy="1764804"/>
-          </a:xfrm>
-          <a:prstGeom prst="rect">
-            <a:avLst/>
-          </a:prstGeom>
-        </p:spPr>
-      </p:pic>
-      <p:pic>
-        <p:nvPicPr>
-          <p:cNvPr id="7" name="Picture 6">
-            <a:extLst>
-              <a:ext uri="{FF2B5EF4-FFF2-40B4-BE49-F238E27FC236}">
-                <a16:creationId xmlns:a16="http://schemas.microsoft.com/office/drawing/2014/main" id="{EF314595-C066-44BE-93E8-F674B57A9E5E}"/>
-              </a:ext>
-            </a:extLst>
-          </p:cNvPr>
-          <p:cNvPicPr>
-            <a:picLocks noChangeAspect="1"/>
-          </p:cNvPicPr>
-          <p:nvPr/>
-        </p:nvPicPr>
-        <p:blipFill>
-          <a:blip r:embed="rId6"/>
-          <a:stretch>
-            <a:fillRect/>
-          </a:stretch>
-        </p:blipFill>
-        <p:spPr>
-          <a:xfrm>
-            <a:off x="5270266" y="137728"/>
-            <a:ext cx="3708709" cy="2924944"/>
           </a:xfrm>
           <a:prstGeom prst="rect">
             <a:avLst/>
@@ -6791,8 +7981,13 @@
             </a:pPr>
             <a:r>
               <a:rPr lang="en-US" dirty="0"/>
-              <a:t>Biodiversiteit</a:t>
-            </a:r>
+              <a:t>Fauna </a:t>
+            </a:r>
+            <a:r>
+              <a:rPr lang="en-US" dirty="0" err="1"/>
+              <a:t>waarnemingen</a:t>
+            </a:r>
+            <a:endParaRPr lang="en-US" dirty="0"/>
           </a:p>
           <a:p>
             <a:pPr marL="742950" lvl="1" indent="-285750">
@@ -6800,9 +7995,18 @@
               <a:buChar char="•"/>
             </a:pPr>
             <a:r>
+              <a:rPr lang="en-US" dirty="0" err="1"/>
+              <a:t>Financieel</a:t>
+            </a:r>
+            <a:r>
               <a:rPr lang="en-US" dirty="0"/>
-              <a:t>Kosten</a:t>
-            </a:r>
+              <a:t> </a:t>
+            </a:r>
+            <a:r>
+              <a:rPr lang="en-US" dirty="0" err="1"/>
+              <a:t>voordeel</a:t>
+            </a:r>
+            <a:endParaRPr lang="en-US" dirty="0"/>
           </a:p>
           <a:p>
             <a:endParaRPr lang="nl-NL" dirty="0"/>
@@ -7115,8 +8319,16 @@
           <a:p>
             <a:pPr algn="ctr"/>
             <a:r>
+              <a:rPr lang="en-US" sz="3200" b="1" dirty="0" err="1"/>
+              <a:t>Financieel</a:t>
+            </a:r>
+            <a:r>
               <a:rPr lang="en-US" sz="3200" b="1" dirty="0"/>
-              <a:t>Kosten</a:t>
+              <a:t> </a:t>
+            </a:r>
+            <a:r>
+              <a:rPr lang="en-US" sz="3200" b="1" dirty="0" err="1"/>
+              <a:t>voordeel</a:t>
             </a:r>
             <a:endParaRPr lang="nl-NL" sz="3200" b="1" dirty="0"/>
           </a:p>
@@ -7348,6 +8560,72 @@
           </a:prstGeom>
         </p:spPr>
       </p:pic>
+      <p:pic>
+        <p:nvPicPr>
+          <p:cNvPr id="5" name="Afbeelding 4" descr="Afbeelding met kaart&#10;&#10;Automatisch gegenereerde beschrijving">
+            <a:extLst>
+              <a:ext uri="{FF2B5EF4-FFF2-40B4-BE49-F238E27FC236}">
+                <a16:creationId xmlns:a16="http://schemas.microsoft.com/office/drawing/2014/main" id="{6578A46C-4F4D-43D5-9786-147CC948D4D2}"/>
+              </a:ext>
+            </a:extLst>
+          </p:cNvPr>
+          <p:cNvPicPr>
+            <a:picLocks noChangeAspect="1"/>
+          </p:cNvPicPr>
+          <p:nvPr/>
+        </p:nvPicPr>
+        <p:blipFill>
+          <a:blip r:embed="rId4">
+            <a:extLst>
+              <a:ext uri="{28A0092B-C50C-407E-A947-70E740481C1C}">
+                <a14:useLocalDpi xmlns:a14="http://schemas.microsoft.com/office/drawing/2010/main" val="0"/>
+              </a:ext>
+            </a:extLst>
+          </a:blip>
+          <a:stretch>
+            <a:fillRect/>
+          </a:stretch>
+        </p:blipFill>
+        <p:spPr>
+          <a:xfrm>
+            <a:off x="395536" y="1104133"/>
+            <a:ext cx="4649733" cy="4649733"/>
+          </a:xfrm>
+          <a:prstGeom prst="rect">
+            <a:avLst/>
+          </a:prstGeom>
+        </p:spPr>
+      </p:pic>
+      <p:pic>
+        <p:nvPicPr>
+          <p:cNvPr id="7" name="Afbeelding 6">
+            <a:extLst>
+              <a:ext uri="{FF2B5EF4-FFF2-40B4-BE49-F238E27FC236}">
+                <a16:creationId xmlns:a16="http://schemas.microsoft.com/office/drawing/2014/main" id="{6AFF4AF0-AA9E-42EC-A0AE-210333A238BA}"/>
+              </a:ext>
+            </a:extLst>
+          </p:cNvPr>
+          <p:cNvPicPr>
+            <a:picLocks noChangeAspect="1"/>
+          </p:cNvPicPr>
+          <p:nvPr/>
+        </p:nvPicPr>
+        <p:blipFill>
+          <a:blip r:embed="rId5"/>
+          <a:stretch>
+            <a:fillRect/>
+          </a:stretch>
+        </p:blipFill>
+        <p:spPr>
+          <a:xfrm>
+            <a:off x="4146335" y="3284984"/>
+            <a:ext cx="4790150" cy="3162290"/>
+          </a:xfrm>
+          <a:prstGeom prst="rect">
+            <a:avLst/>
+          </a:prstGeom>
+        </p:spPr>
+      </p:pic>
     </p:spTree>
     <p:extLst>
       <p:ext uri="{BB962C8B-B14F-4D97-AF65-F5344CB8AC3E}">
@@ -7446,8 +8724,8 @@
         </p:blipFill>
         <p:spPr>
           <a:xfrm>
-            <a:off x="683568" y="1087780"/>
-            <a:ext cx="7334250" cy="5753100"/>
+            <a:off x="107504" y="1386675"/>
+            <a:ext cx="6552728" cy="5140062"/>
           </a:xfrm>
           <a:prstGeom prst="rect">
             <a:avLst/>
@@ -7478,6 +8756,42 @@
           <a:xfrm>
             <a:off x="5364088" y="260648"/>
             <a:ext cx="3009900" cy="523875"/>
+          </a:xfrm>
+          <a:prstGeom prst="rect">
+            <a:avLst/>
+          </a:prstGeom>
+        </p:spPr>
+      </p:pic>
+      <p:pic>
+        <p:nvPicPr>
+          <p:cNvPr id="6" name="Afbeelding 5" descr="Afbeelding met kaart&#10;&#10;Automatisch gegenereerde beschrijving">
+            <a:extLst>
+              <a:ext uri="{FF2B5EF4-FFF2-40B4-BE49-F238E27FC236}">
+                <a16:creationId xmlns:a16="http://schemas.microsoft.com/office/drawing/2014/main" id="{2EF7197D-F95B-43B8-870A-E7FDB51D6C33}"/>
+              </a:ext>
+            </a:extLst>
+          </p:cNvPr>
+          <p:cNvPicPr>
+            <a:picLocks noChangeAspect="1"/>
+          </p:cNvPicPr>
+          <p:nvPr/>
+        </p:nvPicPr>
+        <p:blipFill>
+          <a:blip r:embed="rId5">
+            <a:extLst>
+              <a:ext uri="{28A0092B-C50C-407E-A947-70E740481C1C}">
+                <a14:useLocalDpi xmlns:a14="http://schemas.microsoft.com/office/drawing/2010/main" val="0"/>
+              </a:ext>
+            </a:extLst>
+          </a:blip>
+          <a:stretch>
+            <a:fillRect/>
+          </a:stretch>
+        </p:blipFill>
+        <p:spPr>
+          <a:xfrm>
+            <a:off x="6228184" y="813063"/>
+            <a:ext cx="2088232" cy="2088232"/>
           </a:xfrm>
           <a:prstGeom prst="rect">
             <a:avLst/>
@@ -7651,9 +8965,9 @@
 </file>
 
 <file path=ppt/theme/theme1.xml><?xml version="1.0" encoding="utf-8"?>
-<a:theme xmlns:a="http://schemas.openxmlformats.org/drawingml/2006/main" name="Sjabloon_PresentatieN&amp;S_2013_def3">
+<a:theme xmlns:a="http://schemas.openxmlformats.org/drawingml/2006/main" name="Kantoorthema">
   <a:themeElements>
-    <a:clrScheme name="Nelen&amp;Schuurmans">
+    <a:clrScheme name="Office">
       <a:dk1>
         <a:sysClr val="windowText" lastClr="000000"/>
       </a:dk1>
@@ -7661,46 +8975,140 @@
         <a:sysClr val="window" lastClr="FFFFFF"/>
       </a:lt1>
       <a:dk2>
-        <a:srgbClr val="7F7F7F"/>
+        <a:srgbClr val="44546A"/>
       </a:dk2>
       <a:lt2>
-        <a:srgbClr val="EEECE1"/>
+        <a:srgbClr val="E7E6E6"/>
       </a:lt2>
       <a:accent1>
-        <a:srgbClr val="008986"/>
+        <a:srgbClr val="4472C4"/>
       </a:accent1>
       <a:accent2>
-        <a:srgbClr val="06477E"/>
+        <a:srgbClr val="ED7D31"/>
       </a:accent2>
       <a:accent3>
-        <a:srgbClr val="90C4C5"/>
+        <a:srgbClr val="A5A5A5"/>
       </a:accent3>
       <a:accent4>
-        <a:srgbClr val="FFFF00"/>
+        <a:srgbClr val="FFC000"/>
       </a:accent4>
       <a:accent5>
-        <a:srgbClr val="F79646"/>
+        <a:srgbClr val="5B9BD5"/>
       </a:accent5>
       <a:accent6>
-        <a:srgbClr val="C0504D"/>
+        <a:srgbClr val="70AD47"/>
       </a:accent6>
       <a:hlink>
-        <a:srgbClr val="800080"/>
+        <a:srgbClr val="0563C1"/>
       </a:hlink>
       <a:folHlink>
-        <a:srgbClr val="9BBB59"/>
+        <a:srgbClr val="954F72"/>
       </a:folHlink>
     </a:clrScheme>
-    <a:fontScheme name="Nelen&amp;Schuurmans">
+    <a:fontScheme name="Office">
       <a:majorFont>
-        <a:latin typeface="Syntax LT Std"/>
+        <a:latin typeface="Calibri Light" panose="020F0302020204030204"/>
         <a:ea typeface=""/>
         <a:cs typeface=""/>
+        <a:font script="Jpan" typeface="游ゴシック Light"/>
+        <a:font script="Hang" typeface="맑은 고딕"/>
+        <a:font script="Hans" typeface="等线 Light"/>
+        <a:font script="Hant" typeface="新細明體"/>
+        <a:font script="Arab" typeface="Times New Roman"/>
+        <a:font script="Hebr" typeface="Times New Roman"/>
+        <a:font script="Thai" typeface="Angsana New"/>
+        <a:font script="Ethi" typeface="Nyala"/>
+        <a:font script="Beng" typeface="Vrinda"/>
+        <a:font script="Gujr" typeface="Shruti"/>
+        <a:font script="Khmr" typeface="MoolBoran"/>
+        <a:font script="Knda" typeface="Tunga"/>
+        <a:font script="Guru" typeface="Raavi"/>
+        <a:font script="Cans" typeface="Euphemia"/>
+        <a:font script="Cher" typeface="Plantagenet Cherokee"/>
+        <a:font script="Yiii" typeface="Microsoft Yi Baiti"/>
+        <a:font script="Tibt" typeface="Microsoft Himalaya"/>
+        <a:font script="Thaa" typeface="MV Boli"/>
+        <a:font script="Deva" typeface="Mangal"/>
+        <a:font script="Telu" typeface="Gautami"/>
+        <a:font script="Taml" typeface="Latha"/>
+        <a:font script="Syrc" typeface="Estrangelo Edessa"/>
+        <a:font script="Orya" typeface="Kalinga"/>
+        <a:font script="Mlym" typeface="Kartika"/>
+        <a:font script="Laoo" typeface="DokChampa"/>
+        <a:font script="Sinh" typeface="Iskoola Pota"/>
+        <a:font script="Mong" typeface="Mongolian Baiti"/>
+        <a:font script="Viet" typeface="Times New Roman"/>
+        <a:font script="Uigh" typeface="Microsoft Uighur"/>
+        <a:font script="Geor" typeface="Sylfaen"/>
+        <a:font script="Armn" typeface="Arial"/>
+        <a:font script="Bugi" typeface="Leelawadee UI"/>
+        <a:font script="Bopo" typeface="Microsoft JhengHei"/>
+        <a:font script="Java" typeface="Javanese Text"/>
+        <a:font script="Lisu" typeface="Segoe UI"/>
+        <a:font script="Mymr" typeface="Myanmar Text"/>
+        <a:font script="Nkoo" typeface="Ebrima"/>
+        <a:font script="Olck" typeface="Nirmala UI"/>
+        <a:font script="Osma" typeface="Ebrima"/>
+        <a:font script="Phag" typeface="Phagspa"/>
+        <a:font script="Syrn" typeface="Estrangelo Edessa"/>
+        <a:font script="Syrj" typeface="Estrangelo Edessa"/>
+        <a:font script="Syre" typeface="Estrangelo Edessa"/>
+        <a:font script="Sora" typeface="Nirmala UI"/>
+        <a:font script="Tale" typeface="Microsoft Tai Le"/>
+        <a:font script="Talu" typeface="Microsoft New Tai Lue"/>
+        <a:font script="Tfng" typeface="Ebrima"/>
       </a:majorFont>
       <a:minorFont>
-        <a:latin typeface="Syntax LT Std"/>
+        <a:latin typeface="Calibri" panose="020F0502020204030204"/>
         <a:ea typeface=""/>
         <a:cs typeface=""/>
+        <a:font script="Jpan" typeface="游ゴシック"/>
+        <a:font script="Hang" typeface="맑은 고딕"/>
+        <a:font script="Hans" typeface="等线"/>
+        <a:font script="Hant" typeface="新細明體"/>
+        <a:font script="Arab" typeface="Arial"/>
+        <a:font script="Hebr" typeface="Arial"/>
+        <a:font script="Thai" typeface="Cordia New"/>
+        <a:font script="Ethi" typeface="Nyala"/>
+        <a:font script="Beng" typeface="Vrinda"/>
+        <a:font script="Gujr" typeface="Shruti"/>
+        <a:font script="Khmr" typeface="DaunPenh"/>
+        <a:font script="Knda" typeface="Tunga"/>
+        <a:font script="Guru" typeface="Raavi"/>
+        <a:font script="Cans" typeface="Euphemia"/>
+        <a:font script="Cher" typeface="Plantagenet Cherokee"/>
+        <a:font script="Yiii" typeface="Microsoft Yi Baiti"/>
+        <a:font script="Tibt" typeface="Microsoft Himalaya"/>
+        <a:font script="Thaa" typeface="MV Boli"/>
+        <a:font script="Deva" typeface="Mangal"/>
+        <a:font script="Telu" typeface="Gautami"/>
+        <a:font script="Taml" typeface="Latha"/>
+        <a:font script="Syrc" typeface="Estrangelo Edessa"/>
+        <a:font script="Orya" typeface="Kalinga"/>
+        <a:font script="Mlym" typeface="Kartika"/>
+        <a:font script="Laoo" typeface="DokChampa"/>
+        <a:font script="Sinh" typeface="Iskoola Pota"/>
+        <a:font script="Mong" typeface="Mongolian Baiti"/>
+        <a:font script="Viet" typeface="Arial"/>
+        <a:font script="Uigh" typeface="Microsoft Uighur"/>
+        <a:font script="Geor" typeface="Sylfaen"/>
+        <a:font script="Armn" typeface="Arial"/>
+        <a:font script="Bugi" typeface="Leelawadee UI"/>
+        <a:font script="Bopo" typeface="Microsoft JhengHei"/>
+        <a:font script="Java" typeface="Javanese Text"/>
+        <a:font script="Lisu" typeface="Segoe UI"/>
+        <a:font script="Mymr" typeface="Myanmar Text"/>
+        <a:font script="Nkoo" typeface="Ebrima"/>
+        <a:font script="Olck" typeface="Nirmala UI"/>
+        <a:font script="Osma" typeface="Ebrima"/>
+        <a:font script="Phag" typeface="Phagspa"/>
+        <a:font script="Syrn" typeface="Estrangelo Edessa"/>
+        <a:font script="Syrj" typeface="Estrangelo Edessa"/>
+        <a:font script="Syre" typeface="Estrangelo Edessa"/>
+        <a:font script="Sora" typeface="Nirmala UI"/>
+        <a:font script="Tale" typeface="Microsoft Tai Le"/>
+        <a:font script="Talu" typeface="Microsoft New Tai Lue"/>
+        <a:font script="Tfng" typeface="Ebrima"/>
       </a:minorFont>
     </a:fontScheme>
     <a:fmtScheme name="Office">
@@ -7712,160 +9120,131 @@
           <a:gsLst>
             <a:gs pos="0">
               <a:schemeClr val="phClr">
-                <a:tint val="50000"/>
-                <a:satMod val="300000"/>
+                <a:lumMod val="110000"/>
+                <a:satMod val="105000"/>
+                <a:tint val="67000"/>
               </a:schemeClr>
             </a:gs>
-            <a:gs pos="35000">
+            <a:gs pos="50000">
               <a:schemeClr val="phClr">
-                <a:tint val="37000"/>
-                <a:satMod val="300000"/>
+                <a:lumMod val="105000"/>
+                <a:satMod val="103000"/>
+                <a:tint val="73000"/>
               </a:schemeClr>
             </a:gs>
             <a:gs pos="100000">
               <a:schemeClr val="phClr">
-                <a:tint val="15000"/>
-                <a:satMod val="350000"/>
+                <a:lumMod val="105000"/>
+                <a:satMod val="109000"/>
+                <a:tint val="81000"/>
               </a:schemeClr>
             </a:gs>
           </a:gsLst>
-          <a:lin ang="16200000" scaled="1"/>
+          <a:lin ang="5400000" scaled="0"/>
         </a:gradFill>
         <a:gradFill rotWithShape="1">
           <a:gsLst>
             <a:gs pos="0">
               <a:schemeClr val="phClr">
-                <a:shade val="51000"/>
-                <a:satMod val="130000"/>
+                <a:satMod val="103000"/>
+                <a:lumMod val="102000"/>
+                <a:tint val="94000"/>
               </a:schemeClr>
             </a:gs>
-            <a:gs pos="80000">
+            <a:gs pos="50000">
               <a:schemeClr val="phClr">
-                <a:shade val="93000"/>
-                <a:satMod val="130000"/>
+                <a:satMod val="110000"/>
+                <a:lumMod val="100000"/>
+                <a:shade val="100000"/>
               </a:schemeClr>
             </a:gs>
             <a:gs pos="100000">
               <a:schemeClr val="phClr">
-                <a:shade val="94000"/>
-                <a:satMod val="135000"/>
+                <a:lumMod val="99000"/>
+                <a:satMod val="120000"/>
+                <a:shade val="78000"/>
               </a:schemeClr>
             </a:gs>
           </a:gsLst>
-          <a:lin ang="16200000" scaled="0"/>
+          <a:lin ang="5400000" scaled="0"/>
         </a:gradFill>
       </a:fillStyleLst>
       <a:lnStyleLst>
-        <a:ln w="9525" cap="flat" cmpd="sng" algn="ctr">
-          <a:solidFill>
-            <a:schemeClr val="phClr">
-              <a:shade val="95000"/>
-              <a:satMod val="105000"/>
-            </a:schemeClr>
-          </a:solidFill>
-          <a:prstDash val="solid"/>
-        </a:ln>
-        <a:ln w="25400" cap="flat" cmpd="sng" algn="ctr">
+        <a:ln w="6350" cap="flat" cmpd="sng" algn="ctr">
           <a:solidFill>
             <a:schemeClr val="phClr"/>
           </a:solidFill>
           <a:prstDash val="solid"/>
+          <a:miter lim="800000"/>
         </a:ln>
-        <a:ln w="38100" cap="flat" cmpd="sng" algn="ctr">
+        <a:ln w="12700" cap="flat" cmpd="sng" algn="ctr">
           <a:solidFill>
             <a:schemeClr val="phClr"/>
           </a:solidFill>
           <a:prstDash val="solid"/>
+          <a:miter lim="800000"/>
+        </a:ln>
+        <a:ln w="19050" cap="flat" cmpd="sng" algn="ctr">
+          <a:solidFill>
+            <a:schemeClr val="phClr"/>
+          </a:solidFill>
+          <a:prstDash val="solid"/>
+          <a:miter lim="800000"/>
         </a:ln>
       </a:lnStyleLst>
       <a:effectStyleLst>
         <a:effectStyle>
+          <a:effectLst/>
+        </a:effectStyle>
+        <a:effectStyle>
+          <a:effectLst/>
+        </a:effectStyle>
+        <a:effectStyle>
           <a:effectLst>
-            <a:outerShdw blurRad="40000" dist="20000" dir="5400000" rotWithShape="0">
+            <a:outerShdw blurRad="57150" dist="19050" dir="5400000" algn="ctr" rotWithShape="0">
               <a:srgbClr val="000000">
-                <a:alpha val="38000"/>
+                <a:alpha val="63000"/>
               </a:srgbClr>
             </a:outerShdw>
           </a:effectLst>
-        </a:effectStyle>
-        <a:effectStyle>
-          <a:effectLst>
-            <a:outerShdw blurRad="40000" dist="23000" dir="5400000" rotWithShape="0">
-              <a:srgbClr val="000000">
-                <a:alpha val="35000"/>
-              </a:srgbClr>
-            </a:outerShdw>
-          </a:effectLst>
-        </a:effectStyle>
-        <a:effectStyle>
-          <a:effectLst>
-            <a:outerShdw blurRad="40000" dist="23000" dir="5400000" rotWithShape="0">
-              <a:srgbClr val="000000">
-                <a:alpha val="35000"/>
-              </a:srgbClr>
-            </a:outerShdw>
-          </a:effectLst>
-          <a:scene3d>
-            <a:camera prst="orthographicFront">
-              <a:rot lat="0" lon="0" rev="0"/>
-            </a:camera>
-            <a:lightRig rig="threePt" dir="t">
-              <a:rot lat="0" lon="0" rev="1200000"/>
-            </a:lightRig>
-          </a:scene3d>
-          <a:sp3d>
-            <a:bevelT w="63500" h="25400"/>
-          </a:sp3d>
         </a:effectStyle>
       </a:effectStyleLst>
       <a:bgFillStyleLst>
         <a:solidFill>
           <a:schemeClr val="phClr"/>
         </a:solidFill>
+        <a:solidFill>
+          <a:schemeClr val="phClr">
+            <a:tint val="95000"/>
+            <a:satMod val="170000"/>
+          </a:schemeClr>
+        </a:solidFill>
         <a:gradFill rotWithShape="1">
           <a:gsLst>
             <a:gs pos="0">
               <a:schemeClr val="phClr">
-                <a:tint val="40000"/>
-                <a:satMod val="350000"/>
+                <a:tint val="93000"/>
+                <a:satMod val="150000"/>
+                <a:shade val="98000"/>
+                <a:lumMod val="102000"/>
               </a:schemeClr>
             </a:gs>
-            <a:gs pos="40000">
+            <a:gs pos="50000">
               <a:schemeClr val="phClr">
-                <a:tint val="45000"/>
-                <a:shade val="99000"/>
-                <a:satMod val="350000"/>
+                <a:tint val="98000"/>
+                <a:satMod val="130000"/>
+                <a:shade val="90000"/>
+                <a:lumMod val="103000"/>
               </a:schemeClr>
             </a:gs>
             <a:gs pos="100000">
               <a:schemeClr val="phClr">
-                <a:shade val="20000"/>
-                <a:satMod val="255000"/>
+                <a:shade val="63000"/>
+                <a:satMod val="120000"/>
               </a:schemeClr>
             </a:gs>
           </a:gsLst>
-          <a:path path="circle">
-            <a:fillToRect l="50000" t="-80000" r="50000" b="180000"/>
-          </a:path>
-        </a:gradFill>
-        <a:gradFill rotWithShape="1">
-          <a:gsLst>
-            <a:gs pos="0">
-              <a:schemeClr val="phClr">
-                <a:tint val="80000"/>
-                <a:satMod val="300000"/>
-              </a:schemeClr>
-            </a:gs>
-            <a:gs pos="100000">
-              <a:schemeClr val="phClr">
-                <a:shade val="30000"/>
-                <a:satMod val="200000"/>
-              </a:schemeClr>
-            </a:gs>
-          </a:gsLst>
-          <a:path path="circle">
-            <a:fillToRect l="50000" t="50000" r="50000" b="50000"/>
-          </a:path>
+          <a:lin ang="5400000" scaled="0"/>
         </a:gradFill>
       </a:bgFillStyleLst>
     </a:fmtScheme>
@@ -7874,7 +9253,7 @@
   <a:extraClrSchemeLst/>
   <a:extLst>
     <a:ext uri="{05A4C25C-085E-4340-85A3-A5531E510DB2}">
-      <thm15:themeFamily xmlns:thm15="http://schemas.microsoft.com/office/thememl/2012/main" name="Presentatie 2020.pptx" id="{8E76194E-F935-442F-94E4-80FC6DC5F648}" vid="{016CF40D-A3A3-4A7D-9E60-F8EB7E17A395}"/>
+      <thm15:themeFamily xmlns:thm15="http://schemas.microsoft.com/office/thememl/2012/main" name="Office Theme" id="{62F939B6-93AF-4DB8-9C6B-D6C7DFDC589F}" vid="{4A3C46E8-61CC-4603-A589-7422A47A8E4A}"/>
     </a:ext>
   </a:extLst>
 </a:theme>
